--- a/Documentation/CMPUT302_Pres.pptx
+++ b/Documentation/CMPUT302_Pres.pptx
@@ -337,7 +337,7 @@
           <a:p>
             <a:fld id="{D728701E-CAF4-4159-9B3E-41C86DFFA30D}" type="datetimeFigureOut">
               <a:rPr lang="en-US" smtClean="0"/>
-              <a:t>2013-03-31</a:t>
+              <a:t>2013-04-02</a:t>
             </a:fld>
             <a:endParaRPr lang="en-US"/>
           </a:p>
@@ -791,7 +791,7 @@
           <a:p>
             <a:fld id="{D728701E-CAF4-4159-9B3E-41C86DFFA30D}" type="datetimeFigureOut">
               <a:rPr lang="en-US" smtClean="0"/>
-              <a:t>2013-03-31</a:t>
+              <a:t>2013-04-02</a:t>
             </a:fld>
             <a:endParaRPr lang="en-US"/>
           </a:p>
@@ -1446,7 +1446,7 @@
           <a:p>
             <a:fld id="{D728701E-CAF4-4159-9B3E-41C86DFFA30D}" type="datetimeFigureOut">
               <a:rPr lang="en-US" smtClean="0"/>
-              <a:t>2013-03-31</a:t>
+              <a:t>2013-04-02</a:t>
             </a:fld>
             <a:endParaRPr lang="en-US"/>
           </a:p>
@@ -1582,7 +1582,7 @@
           <a:p>
             <a:fld id="{D728701E-CAF4-4159-9B3E-41C86DFFA30D}" type="datetimeFigureOut">
               <a:rPr lang="en-US" smtClean="0"/>
-              <a:t>2013-03-31</a:t>
+              <a:t>2013-04-02</a:t>
             </a:fld>
             <a:endParaRPr lang="en-US"/>
           </a:p>
@@ -1948,7 +1948,7 @@
           <a:p>
             <a:fld id="{D728701E-CAF4-4159-9B3E-41C86DFFA30D}" type="datetimeFigureOut">
               <a:rPr lang="en-US" smtClean="0"/>
-              <a:t>2013-03-31</a:t>
+              <a:t>2013-04-02</a:t>
             </a:fld>
             <a:endParaRPr lang="en-US"/>
           </a:p>
@@ -2274,7 +2274,7 @@
           <a:p>
             <a:fld id="{D728701E-CAF4-4159-9B3E-41C86DFFA30D}" type="datetimeFigureOut">
               <a:rPr lang="en-US" smtClean="0"/>
-              <a:t>2013-03-31</a:t>
+              <a:t>2013-04-02</a:t>
             </a:fld>
             <a:endParaRPr lang="en-US"/>
           </a:p>
@@ -2572,7 +2572,7 @@
           <a:p>
             <a:fld id="{D728701E-CAF4-4159-9B3E-41C86DFFA30D}" type="datetimeFigureOut">
               <a:rPr lang="en-US" smtClean="0"/>
-              <a:t>2013-03-31</a:t>
+              <a:t>2013-04-02</a:t>
             </a:fld>
             <a:endParaRPr lang="en-US"/>
           </a:p>
@@ -2959,7 +2959,7 @@
           <a:p>
             <a:fld id="{D728701E-CAF4-4159-9B3E-41C86DFFA30D}" type="datetimeFigureOut">
               <a:rPr lang="en-US" smtClean="0"/>
-              <a:t>2013-03-31</a:t>
+              <a:t>2013-04-02</a:t>
             </a:fld>
             <a:endParaRPr lang="en-US"/>
           </a:p>
@@ -3379,7 +3379,7 @@
           <a:p>
             <a:fld id="{D728701E-CAF4-4159-9B3E-41C86DFFA30D}" type="datetimeFigureOut">
               <a:rPr lang="en-US" smtClean="0"/>
-              <a:t>2013-03-31</a:t>
+              <a:t>2013-04-02</a:t>
             </a:fld>
             <a:endParaRPr lang="en-US"/>
           </a:p>
@@ -3927,7 +3927,7 @@
           <a:p>
             <a:fld id="{D728701E-CAF4-4159-9B3E-41C86DFFA30D}" type="datetimeFigureOut">
               <a:rPr lang="en-US" smtClean="0"/>
-              <a:t>2013-03-31</a:t>
+              <a:t>2013-04-02</a:t>
             </a:fld>
             <a:endParaRPr lang="en-US"/>
           </a:p>
@@ -4313,7 +4313,7 @@
           <a:p>
             <a:fld id="{D728701E-CAF4-4159-9B3E-41C86DFFA30D}" type="datetimeFigureOut">
               <a:rPr lang="en-US" smtClean="0"/>
-              <a:t>2013-03-31</a:t>
+              <a:t>2013-04-02</a:t>
             </a:fld>
             <a:endParaRPr lang="en-US"/>
           </a:p>
@@ -4556,7 +4556,7 @@
           <a:p>
             <a:fld id="{D728701E-CAF4-4159-9B3E-41C86DFFA30D}" type="datetimeFigureOut">
               <a:rPr lang="en-US" smtClean="0"/>
-              <a:t>2013-03-31</a:t>
+              <a:t>2013-04-02</a:t>
             </a:fld>
             <a:endParaRPr lang="en-US"/>
           </a:p>
@@ -4891,7 +4891,7 @@
           <a:p>
             <a:fld id="{D728701E-CAF4-4159-9B3E-41C86DFFA30D}" type="datetimeFigureOut">
               <a:rPr lang="en-US" smtClean="0"/>
-              <a:t>2013-03-31</a:t>
+              <a:t>2013-04-02</a:t>
             </a:fld>
             <a:endParaRPr lang="en-US"/>
           </a:p>
@@ -5175,7 +5175,7 @@
           <a:p>
             <a:fld id="{D728701E-CAF4-4159-9B3E-41C86DFFA30D}" type="datetimeFigureOut">
               <a:rPr lang="en-US" smtClean="0"/>
-              <a:t>2013-03-31</a:t>
+              <a:t>2013-04-02</a:t>
             </a:fld>
             <a:endParaRPr lang="en-US"/>
           </a:p>
@@ -5564,7 +5564,7 @@
           <a:p>
             <a:fld id="{D728701E-CAF4-4159-9B3E-41C86DFFA30D}" type="datetimeFigureOut">
               <a:rPr lang="en-US" smtClean="0"/>
-              <a:t>2013-03-31</a:t>
+              <a:t>2013-04-02</a:t>
             </a:fld>
             <a:endParaRPr lang="en-US"/>
           </a:p>
@@ -6153,7 +6153,7 @@
           <a:p>
             <a:fld id="{D728701E-CAF4-4159-9B3E-41C86DFFA30D}" type="datetimeFigureOut">
               <a:rPr lang="en-US" smtClean="0"/>
-              <a:t>2013-03-31</a:t>
+              <a:t>2013-04-02</a:t>
             </a:fld>
             <a:endParaRPr lang="en-US"/>
           </a:p>
@@ -6724,7 +6724,7 @@
           <a:p>
             <a:fld id="{D728701E-CAF4-4159-9B3E-41C86DFFA30D}" type="datetimeFigureOut">
               <a:rPr lang="en-US" smtClean="0"/>
-              <a:t>2013-03-31</a:t>
+              <a:t>2013-04-02</a:t>
             </a:fld>
             <a:endParaRPr lang="en-US"/>
           </a:p>
@@ -7153,7 +7153,7 @@
           <a:p>
             <a:fld id="{D728701E-CAF4-4159-9B3E-41C86DFFA30D}" type="datetimeFigureOut">
               <a:rPr lang="en-US" smtClean="0"/>
-              <a:t>2013-03-31</a:t>
+              <a:t>2013-04-02</a:t>
             </a:fld>
             <a:endParaRPr lang="en-US"/>
           </a:p>
@@ -7580,7 +7580,7 @@
           <a:p>
             <a:fld id="{D728701E-CAF4-4159-9B3E-41C86DFFA30D}" type="datetimeFigureOut">
               <a:rPr lang="en-US" smtClean="0"/>
-              <a:t>2013-03-31</a:t>
+              <a:t>2013-04-02</a:t>
             </a:fld>
             <a:endParaRPr lang="en-US"/>
           </a:p>
@@ -8056,7 +8056,7 @@
           <a:p>
             <a:fld id="{D728701E-CAF4-4159-9B3E-41C86DFFA30D}" type="datetimeFigureOut">
               <a:rPr lang="en-US" smtClean="0"/>
-              <a:t>2013-03-31</a:t>
+              <a:t>2013-04-02</a:t>
             </a:fld>
             <a:endParaRPr lang="en-US"/>
           </a:p>
@@ -8523,7 +8523,7 @@
           <a:p>
             <a:fld id="{D728701E-CAF4-4159-9B3E-41C86DFFA30D}" type="datetimeFigureOut">
               <a:rPr lang="en-US" smtClean="0"/>
-              <a:t>2013-03-31</a:t>
+              <a:t>2013-04-02</a:t>
             </a:fld>
             <a:endParaRPr lang="en-US"/>
           </a:p>
@@ -9255,7 +9255,15 @@
           <a:p>
             <a:r>
               <a:rPr lang="en-US" dirty="0" smtClean="0"/>
-              <a:t>Can fine tune environments, to patients needs.</a:t>
+              <a:t>Can fine tune </a:t>
+            </a:r>
+            <a:r>
+              <a:rPr lang="en-US" dirty="0" smtClean="0"/>
+              <a:t>environments </a:t>
+            </a:r>
+            <a:r>
+              <a:rPr lang="en-US" dirty="0" smtClean="0"/>
+              <a:t>to patients needs.</a:t>
             </a:r>
             <a:endParaRPr lang="en-US" dirty="0"/>
           </a:p>
@@ -10440,11 +10448,7 @@
             </a:r>
             <a:r>
               <a:rPr lang="en-US" dirty="0" smtClean="0"/>
-              <a:t>.” </a:t>
-            </a:r>
-            <a:r>
-              <a:rPr lang="en-US" dirty="0" smtClean="0"/>
-              <a:t>-</a:t>
+              <a:t>.” -</a:t>
             </a:r>
           </a:p>
           <a:p>
@@ -11829,7 +11833,11 @@
             </a:r>
             <a:r>
               <a:rPr lang="en-US" dirty="0" smtClean="0"/>
-              <a:t>.” They </a:t>
+              <a:t>.” </a:t>
+            </a:r>
+            <a:r>
+              <a:rPr lang="en-US" dirty="0" smtClean="0"/>
+              <a:t>“They </a:t>
             </a:r>
             <a:r>
               <a:rPr lang="en-US" dirty="0"/>
@@ -11864,7 +11872,7 @@
         <p:spPr>
           <a:xfrm>
             <a:off x="180964" y="6373205"/>
-            <a:ext cx="4755929" cy="276999"/>
+            <a:ext cx="4755929" cy="461665"/>
           </a:xfrm>
           <a:prstGeom prst="rect">
             <a:avLst/>
@@ -11878,8 +11886,18 @@
           <a:lstStyle/>
           <a:p>
             <a:r>
+              <a:rPr lang="en-US" sz="1200" dirty="0" smtClean="0"/>
+              <a:t>National Institute For Neurological Disorders and Stroke</a:t>
+            </a:r>
+          </a:p>
+          <a:p>
+            <a:r>
+              <a:rPr lang="en-US" sz="1200" dirty="0" smtClean="0"/>
+              <a:t>http</a:t>
+            </a:r>
+            <a:r>
               <a:rPr lang="en-US" sz="1200" dirty="0"/>
-              <a:t>http://</a:t>
+              <a:t>://</a:t>
             </a:r>
             <a:r>
               <a:rPr lang="en-US" sz="1200" dirty="0" err="1"/>
@@ -12525,48 +12543,53 @@
         <p:spPr/>
         <p:txBody>
           <a:bodyPr>
-            <a:normAutofit lnSpcReduction="10000"/>
+            <a:normAutofit fontScale="85000" lnSpcReduction="10000"/>
           </a:bodyPr>
           <a:lstStyle/>
           <a:p>
             <a:r>
               <a:rPr lang="en-US" dirty="0" smtClean="0"/>
-              <a:t>“Physical </a:t>
-            </a:r>
-            <a:r>
-              <a:rPr lang="en-US" dirty="0"/>
-              <a:t>therapists help survivors regain the use of stroke-impaired limbs, teach compensatory strategies to reduce the effect of remaining deficits, and establish ongoing exercise programs to help people retain their newly learned skills. Disabled people tend to avoid using impaired limbs, a behavior called </a:t>
-            </a:r>
-            <a:r>
-              <a:rPr lang="en-US" i="1" dirty="0"/>
-              <a:t>learned non-use</a:t>
-            </a:r>
-            <a:r>
-              <a:rPr lang="en-US" dirty="0"/>
-              <a:t>. However, the repetitive use of impaired limbs encourages brain </a:t>
-            </a:r>
-            <a:r>
-              <a:rPr lang="en-US" i="1" dirty="0" smtClean="0"/>
-              <a:t>plasticity</a:t>
-            </a:r>
-            <a:r>
-              <a:rPr lang="en-US" dirty="0" smtClean="0"/>
-              <a:t> </a:t>
-            </a:r>
-            <a:r>
-              <a:rPr lang="en-US" dirty="0"/>
-              <a:t>and helps reduce disabilities</a:t>
-            </a:r>
-            <a:r>
-              <a:rPr lang="en-US" dirty="0" smtClean="0"/>
-              <a:t>.” </a:t>
-            </a:r>
-            <a:endParaRPr lang="en-US" dirty="0"/>
-          </a:p>
-          <a:p>
-            <a:r>
-              <a:rPr lang="en-US" dirty="0" smtClean="0"/>
-              <a:t>“Strategies </a:t>
+              <a:t>Help patients after a stoke achieve use of “stroke-impaired limbs”</a:t>
+            </a:r>
+          </a:p>
+          <a:p>
+            <a:r>
+              <a:rPr lang="en-US" dirty="0" smtClean="0"/>
+              <a:t>Teach patients how to reduce lingering side-effects</a:t>
+            </a:r>
+          </a:p>
+          <a:p>
+            <a:r>
+              <a:rPr lang="en-US" dirty="0" smtClean="0"/>
+              <a:t>Create exercise program</a:t>
+            </a:r>
+          </a:p>
+          <a:p>
+            <a:r>
+              <a:rPr lang="en-US" dirty="0" smtClean="0"/>
+              <a:t>Teach patients how to “retain… newly learned skills” </a:t>
+            </a:r>
+          </a:p>
+          <a:p>
+            <a:r>
+              <a:rPr lang="en-US" dirty="0" smtClean="0"/>
+              <a:t>How to avoid “learned non use”</a:t>
+            </a:r>
+          </a:p>
+          <a:p>
+            <a:r>
+              <a:rPr lang="en-US" dirty="0" smtClean="0"/>
+              <a:t>Guide towards brain plasticity</a:t>
+            </a:r>
+          </a:p>
+          <a:p>
+            <a:r>
+              <a:rPr lang="en-US" dirty="0" smtClean="0"/>
+              <a:t>“</a:t>
+            </a:r>
+            <a:r>
+              <a:rPr lang="en-US" dirty="0" smtClean="0"/>
+              <a:t>Strategies </a:t>
             </a:r>
             <a:r>
               <a:rPr lang="en-US" dirty="0"/>
@@ -13139,15 +13162,7 @@
             </a:pPr>
             <a:r>
               <a:rPr lang="en-US" sz="1800" dirty="0" smtClean="0"/>
-              <a:t>Give </a:t>
-            </a:r>
-            <a:r>
-              <a:rPr lang="en-US" sz="1800" dirty="0" smtClean="0"/>
-              <a:t>therapists a tool to be more productive with patients</a:t>
-            </a:r>
-            <a:r>
-              <a:rPr lang="en-US" sz="1800" dirty="0" smtClean="0"/>
-              <a:t>.</a:t>
+              <a:t>Give therapists a tool to be more productive with patients.</a:t>
             </a:r>
           </a:p>
           <a:p>
@@ -13179,7 +13194,6 @@
               <a:rPr lang="en-US" sz="1800" dirty="0" smtClean="0"/>
               <a:t>Patients to have a more fun and engaging experience.</a:t>
             </a:r>
-            <a:endParaRPr lang="en-US" sz="1800" dirty="0" smtClean="0"/>
           </a:p>
           <a:p>
             <a:pPr marL="285750" indent="-285750">
@@ -13251,19 +13265,7 @@
           <a:p>
             <a:r>
               <a:rPr lang="en-US" dirty="0" smtClean="0"/>
-              <a:t>How </a:t>
-            </a:r>
-            <a:r>
-              <a:rPr lang="en-US" dirty="0" smtClean="0"/>
-              <a:t>To Meet </a:t>
-            </a:r>
-            <a:r>
-              <a:rPr lang="en-US" dirty="0" smtClean="0"/>
-              <a:t>Clients </a:t>
-            </a:r>
-            <a:r>
-              <a:rPr lang="en-US" dirty="0" smtClean="0"/>
-              <a:t>Objectives</a:t>
+              <a:t>How To Meet Clients Objectives</a:t>
             </a:r>
             <a:endParaRPr lang="en-US" dirty="0"/>
           </a:p>
@@ -13333,7 +13335,6 @@
               <a:rPr lang="en-US" sz="1800" dirty="0" smtClean="0"/>
               <a:t>Design a game that therapists WANT to use, rather then feel OBLIGATED to use, or worse DON’T use.</a:t>
             </a:r>
-            <a:endParaRPr lang="en-US" sz="1800" dirty="0" smtClean="0"/>
           </a:p>
           <a:p>
             <a:pPr marL="285750" indent="-285750">

--- a/Documentation/CMPUT302_Pres.pptx
+++ b/Documentation/CMPUT302_Pres.pptx
@@ -34,7 +34,11 @@
     <p:sldId id="280" r:id="rId28"/>
     <p:sldId id="281" r:id="rId29"/>
     <p:sldId id="282" r:id="rId30"/>
-    <p:sldId id="283" r:id="rId31"/>
+    <p:sldId id="286" r:id="rId31"/>
+    <p:sldId id="287" r:id="rId32"/>
+    <p:sldId id="288" r:id="rId33"/>
+    <p:sldId id="289" r:id="rId34"/>
+    <p:sldId id="283" r:id="rId35"/>
   </p:sldIdLst>
   <p:sldSz cx="9144000" cy="6858000" type="screen4x3"/>
   <p:notesSz cx="6858000" cy="9144000"/>
@@ -337,7 +341,7 @@
           <a:p>
             <a:fld id="{D728701E-CAF4-4159-9B3E-41C86DFFA30D}" type="datetimeFigureOut">
               <a:rPr lang="en-US" smtClean="0"/>
-              <a:t>2013-04-02</a:t>
+              <a:t>2013-04-07</a:t>
             </a:fld>
             <a:endParaRPr lang="en-US"/>
           </a:p>
@@ -791,7 +795,7 @@
           <a:p>
             <a:fld id="{D728701E-CAF4-4159-9B3E-41C86DFFA30D}" type="datetimeFigureOut">
               <a:rPr lang="en-US" smtClean="0"/>
-              <a:t>2013-04-02</a:t>
+              <a:t>2013-04-07</a:t>
             </a:fld>
             <a:endParaRPr lang="en-US"/>
           </a:p>
@@ -1446,7 +1450,7 @@
           <a:p>
             <a:fld id="{D728701E-CAF4-4159-9B3E-41C86DFFA30D}" type="datetimeFigureOut">
               <a:rPr lang="en-US" smtClean="0"/>
-              <a:t>2013-04-02</a:t>
+              <a:t>2013-04-07</a:t>
             </a:fld>
             <a:endParaRPr lang="en-US"/>
           </a:p>
@@ -1582,7 +1586,7 @@
           <a:p>
             <a:fld id="{D728701E-CAF4-4159-9B3E-41C86DFFA30D}" type="datetimeFigureOut">
               <a:rPr lang="en-US" smtClean="0"/>
-              <a:t>2013-04-02</a:t>
+              <a:t>2013-04-07</a:t>
             </a:fld>
             <a:endParaRPr lang="en-US"/>
           </a:p>
@@ -1948,7 +1952,7 @@
           <a:p>
             <a:fld id="{D728701E-CAF4-4159-9B3E-41C86DFFA30D}" type="datetimeFigureOut">
               <a:rPr lang="en-US" smtClean="0"/>
-              <a:t>2013-04-02</a:t>
+              <a:t>2013-04-07</a:t>
             </a:fld>
             <a:endParaRPr lang="en-US"/>
           </a:p>
@@ -2274,7 +2278,7 @@
           <a:p>
             <a:fld id="{D728701E-CAF4-4159-9B3E-41C86DFFA30D}" type="datetimeFigureOut">
               <a:rPr lang="en-US" smtClean="0"/>
-              <a:t>2013-04-02</a:t>
+              <a:t>2013-04-07</a:t>
             </a:fld>
             <a:endParaRPr lang="en-US"/>
           </a:p>
@@ -2572,7 +2576,7 @@
           <a:p>
             <a:fld id="{D728701E-CAF4-4159-9B3E-41C86DFFA30D}" type="datetimeFigureOut">
               <a:rPr lang="en-US" smtClean="0"/>
-              <a:t>2013-04-02</a:t>
+              <a:t>2013-04-07</a:t>
             </a:fld>
             <a:endParaRPr lang="en-US"/>
           </a:p>
@@ -2959,7 +2963,7 @@
           <a:p>
             <a:fld id="{D728701E-CAF4-4159-9B3E-41C86DFFA30D}" type="datetimeFigureOut">
               <a:rPr lang="en-US" smtClean="0"/>
-              <a:t>2013-04-02</a:t>
+              <a:t>2013-04-07</a:t>
             </a:fld>
             <a:endParaRPr lang="en-US"/>
           </a:p>
@@ -3379,7 +3383,7 @@
           <a:p>
             <a:fld id="{D728701E-CAF4-4159-9B3E-41C86DFFA30D}" type="datetimeFigureOut">
               <a:rPr lang="en-US" smtClean="0"/>
-              <a:t>2013-04-02</a:t>
+              <a:t>2013-04-07</a:t>
             </a:fld>
             <a:endParaRPr lang="en-US"/>
           </a:p>
@@ -3927,7 +3931,7 @@
           <a:p>
             <a:fld id="{D728701E-CAF4-4159-9B3E-41C86DFFA30D}" type="datetimeFigureOut">
               <a:rPr lang="en-US" smtClean="0"/>
-              <a:t>2013-04-02</a:t>
+              <a:t>2013-04-07</a:t>
             </a:fld>
             <a:endParaRPr lang="en-US"/>
           </a:p>
@@ -4313,7 +4317,7 @@
           <a:p>
             <a:fld id="{D728701E-CAF4-4159-9B3E-41C86DFFA30D}" type="datetimeFigureOut">
               <a:rPr lang="en-US" smtClean="0"/>
-              <a:t>2013-04-02</a:t>
+              <a:t>2013-04-07</a:t>
             </a:fld>
             <a:endParaRPr lang="en-US"/>
           </a:p>
@@ -4556,7 +4560,7 @@
           <a:p>
             <a:fld id="{D728701E-CAF4-4159-9B3E-41C86DFFA30D}" type="datetimeFigureOut">
               <a:rPr lang="en-US" smtClean="0"/>
-              <a:t>2013-04-02</a:t>
+              <a:t>2013-04-07</a:t>
             </a:fld>
             <a:endParaRPr lang="en-US"/>
           </a:p>
@@ -4891,7 +4895,7 @@
           <a:p>
             <a:fld id="{D728701E-CAF4-4159-9B3E-41C86DFFA30D}" type="datetimeFigureOut">
               <a:rPr lang="en-US" smtClean="0"/>
-              <a:t>2013-04-02</a:t>
+              <a:t>2013-04-07</a:t>
             </a:fld>
             <a:endParaRPr lang="en-US"/>
           </a:p>
@@ -5175,7 +5179,7 @@
           <a:p>
             <a:fld id="{D728701E-CAF4-4159-9B3E-41C86DFFA30D}" type="datetimeFigureOut">
               <a:rPr lang="en-US" smtClean="0"/>
-              <a:t>2013-04-02</a:t>
+              <a:t>2013-04-07</a:t>
             </a:fld>
             <a:endParaRPr lang="en-US"/>
           </a:p>
@@ -5564,7 +5568,7 @@
           <a:p>
             <a:fld id="{D728701E-CAF4-4159-9B3E-41C86DFFA30D}" type="datetimeFigureOut">
               <a:rPr lang="en-US" smtClean="0"/>
-              <a:t>2013-04-02</a:t>
+              <a:t>2013-04-07</a:t>
             </a:fld>
             <a:endParaRPr lang="en-US"/>
           </a:p>
@@ -6153,7 +6157,7 @@
           <a:p>
             <a:fld id="{D728701E-CAF4-4159-9B3E-41C86DFFA30D}" type="datetimeFigureOut">
               <a:rPr lang="en-US" smtClean="0"/>
-              <a:t>2013-04-02</a:t>
+              <a:t>2013-04-07</a:t>
             </a:fld>
             <a:endParaRPr lang="en-US"/>
           </a:p>
@@ -6724,7 +6728,7 @@
           <a:p>
             <a:fld id="{D728701E-CAF4-4159-9B3E-41C86DFFA30D}" type="datetimeFigureOut">
               <a:rPr lang="en-US" smtClean="0"/>
-              <a:t>2013-04-02</a:t>
+              <a:t>2013-04-07</a:t>
             </a:fld>
             <a:endParaRPr lang="en-US"/>
           </a:p>
@@ -7153,7 +7157,7 @@
           <a:p>
             <a:fld id="{D728701E-CAF4-4159-9B3E-41C86DFFA30D}" type="datetimeFigureOut">
               <a:rPr lang="en-US" smtClean="0"/>
-              <a:t>2013-04-02</a:t>
+              <a:t>2013-04-07</a:t>
             </a:fld>
             <a:endParaRPr lang="en-US"/>
           </a:p>
@@ -7580,7 +7584,7 @@
           <a:p>
             <a:fld id="{D728701E-CAF4-4159-9B3E-41C86DFFA30D}" type="datetimeFigureOut">
               <a:rPr lang="en-US" smtClean="0"/>
-              <a:t>2013-04-02</a:t>
+              <a:t>2013-04-07</a:t>
             </a:fld>
             <a:endParaRPr lang="en-US"/>
           </a:p>
@@ -8056,7 +8060,7 @@
           <a:p>
             <a:fld id="{D728701E-CAF4-4159-9B3E-41C86DFFA30D}" type="datetimeFigureOut">
               <a:rPr lang="en-US" smtClean="0"/>
-              <a:t>2013-04-02</a:t>
+              <a:t>2013-04-07</a:t>
             </a:fld>
             <a:endParaRPr lang="en-US"/>
           </a:p>
@@ -8523,7 +8527,7 @@
           <a:p>
             <a:fld id="{D728701E-CAF4-4159-9B3E-41C86DFFA30D}" type="datetimeFigureOut">
               <a:rPr lang="en-US" smtClean="0"/>
-              <a:t>2013-04-02</a:t>
+              <a:t>2013-04-07</a:t>
             </a:fld>
             <a:endParaRPr lang="en-US"/>
           </a:p>
@@ -9255,15 +9259,7 @@
           <a:p>
             <a:r>
               <a:rPr lang="en-US" dirty="0" smtClean="0"/>
-              <a:t>Can fine tune </a:t>
-            </a:r>
-            <a:r>
-              <a:rPr lang="en-US" dirty="0" smtClean="0"/>
-              <a:t>environments </a:t>
-            </a:r>
-            <a:r>
-              <a:rPr lang="en-US" dirty="0" smtClean="0"/>
-              <a:t>to patients needs.</a:t>
+              <a:t>Can fine tune environments to patients needs.</a:t>
             </a:r>
             <a:endParaRPr lang="en-US" dirty="0"/>
           </a:p>
@@ -11224,6 +11220,47 @@
           </a:p>
         </p:txBody>
       </p:sp>
+      <p:sp>
+        <p:nvSpPr>
+          <p:cNvPr id="3" name="TextBox 2"/>
+          <p:cNvSpPr txBox="1"/>
+          <p:nvPr/>
+        </p:nvSpPr>
+        <p:spPr>
+          <a:xfrm>
+            <a:off x="2387036" y="3209795"/>
+            <a:ext cx="5212597" cy="646331"/>
+          </a:xfrm>
+          <a:prstGeom prst="rect">
+            <a:avLst/>
+          </a:prstGeom>
+          <a:noFill/>
+        </p:spPr>
+        <p:txBody>
+          <a:bodyPr wrap="none" rtlCol="0">
+            <a:spAutoFit/>
+          </a:bodyPr>
+          <a:lstStyle/>
+          <a:p>
+            <a:r>
+              <a:rPr lang="en-US" dirty="0">
+                <a:hlinkClick r:id="rId2"/>
+              </a:rPr>
+              <a:t>http://www.youtube.com/watch?v=</a:t>
+            </a:r>
+            <a:r>
+              <a:rPr lang="en-US" dirty="0" smtClean="0">
+                <a:hlinkClick r:id="rId2"/>
+              </a:rPr>
+              <a:t>0tuYilveIWo</a:t>
+            </a:r>
+            <a:endParaRPr lang="en-US" dirty="0" smtClean="0"/>
+          </a:p>
+          <a:p>
+            <a:endParaRPr lang="en-US" dirty="0"/>
+          </a:p>
+        </p:txBody>
+      </p:sp>
     </p:spTree>
     <p:extLst>
       <p:ext uri="{BB962C8B-B14F-4D97-AF65-F5344CB8AC3E}">
@@ -11234,6 +11271,13 @@
   <p:clrMapOvr>
     <a:masterClrMapping/>
   </p:clrMapOvr>
+  <p:timing>
+    <p:tnLst>
+      <p:par>
+        <p:cTn xmlns:p14="http://schemas.microsoft.com/office/powerpoint/2010/main" id="1" dur="indefinite" restart="never" nodeType="tmRoot"/>
+      </p:par>
+    </p:tnLst>
+  </p:timing>
 </p:sld>
 </file>
 
@@ -11308,8 +11352,13 @@
             </a:r>
             <a:r>
               <a:rPr lang="en-US" dirty="0" smtClean="0"/>
-              <a:t>t already understand it.</a:t>
-            </a:r>
+              <a:t>t already understand </a:t>
+            </a:r>
+            <a:r>
+              <a:rPr lang="en-US" dirty="0" smtClean="0"/>
+              <a:t>them.</a:t>
+            </a:r>
+            <a:endParaRPr lang="en-US" dirty="0" smtClean="0"/>
           </a:p>
           <a:p>
             <a:r>
@@ -11338,6 +11387,13 @@
   <p:clrMapOvr>
     <a:masterClrMapping/>
   </p:clrMapOvr>
+  <p:timing>
+    <p:tnLst>
+      <p:par>
+        <p:cTn xmlns:p14="http://schemas.microsoft.com/office/powerpoint/2010/main" id="1" dur="indefinite" restart="never" nodeType="tmRoot"/>
+      </p:par>
+    </p:tnLst>
+  </p:timing>
 </p:sld>
 </file>
 
@@ -11391,11 +11447,117 @@
             <p:ph idx="1"/>
           </p:nvPr>
         </p:nvSpPr>
-        <p:spPr/>
-        <p:txBody>
-          <a:bodyPr/>
-          <a:lstStyle/>
-          <a:p>
+        <p:spPr>
+          <a:xfrm>
+            <a:off x="498474" y="1318182"/>
+            <a:ext cx="7556313" cy="4807982"/>
+          </a:xfrm>
+        </p:spPr>
+        <p:txBody>
+          <a:bodyPr>
+            <a:normAutofit fontScale="92500" lnSpcReduction="20000"/>
+          </a:bodyPr>
+          <a:lstStyle/>
+          <a:p>
+            <a:r>
+              <a:rPr lang="en-US" dirty="0" smtClean="0"/>
+              <a:t>Our empirical evaluation: Part I</a:t>
+            </a:r>
+          </a:p>
+          <a:p>
+            <a:pPr lvl="1"/>
+            <a:r>
+              <a:rPr lang="en-US" dirty="0" smtClean="0"/>
+              <a:t>Questionnaire: </a:t>
+            </a:r>
+          </a:p>
+          <a:p>
+            <a:pPr marL="800100" lvl="2" indent="-342900">
+              <a:buFont typeface="+mj-lt"/>
+              <a:buAutoNum type="arabicPeriod"/>
+            </a:pPr>
+            <a:r>
+              <a:rPr lang="en-US" dirty="0"/>
+              <a:t>Rate your technical ability:</a:t>
+            </a:r>
+            <a:r>
+              <a:rPr lang="en-US" dirty="0"/>
+              <a:t> </a:t>
+            </a:r>
+            <a:endParaRPr lang="en-US" dirty="0" smtClean="0"/>
+          </a:p>
+          <a:p>
+            <a:pPr marL="800100" lvl="2" indent="-342900">
+              <a:buFont typeface="+mj-lt"/>
+              <a:buAutoNum type="arabicPeriod"/>
+            </a:pPr>
+            <a:r>
+              <a:rPr lang="en-US" dirty="0"/>
+              <a:t>How likely are you to learn a new computer application just for the fun of it:</a:t>
+            </a:r>
+            <a:r>
+              <a:rPr lang="en-US" dirty="0"/>
+              <a:t> </a:t>
+            </a:r>
+            <a:endParaRPr lang="en-US" dirty="0" smtClean="0"/>
+          </a:p>
+          <a:p>
+            <a:pPr marL="800100" lvl="2" indent="-342900">
+              <a:buFont typeface="+mj-lt"/>
+              <a:buAutoNum type="arabicPeriod"/>
+            </a:pPr>
+            <a:r>
+              <a:rPr lang="en-US" dirty="0"/>
+              <a:t>How many hours a week do you spend on a computer/smart phone:</a:t>
+            </a:r>
+            <a:r>
+              <a:rPr lang="en-US" dirty="0"/>
+              <a:t> </a:t>
+            </a:r>
+            <a:endParaRPr lang="en-US" dirty="0" smtClean="0"/>
+          </a:p>
+          <a:p>
+            <a:pPr marL="800100" lvl="2" indent="-342900">
+              <a:buFont typeface="+mj-lt"/>
+              <a:buAutoNum type="arabicPeriod"/>
+            </a:pPr>
+            <a:r>
+              <a:rPr lang="en-US" dirty="0"/>
+              <a:t>Do you own a touch-screen device:</a:t>
+            </a:r>
+            <a:r>
+              <a:rPr lang="en-US" dirty="0"/>
+              <a:t> </a:t>
+            </a:r>
+            <a:endParaRPr lang="en-US" dirty="0" smtClean="0"/>
+          </a:p>
+          <a:p>
+            <a:pPr marL="800100" lvl="2" indent="-342900">
+              <a:buFont typeface="+mj-lt"/>
+              <a:buAutoNum type="arabicPeriod"/>
+            </a:pPr>
+            <a:r>
+              <a:rPr lang="en-US" dirty="0"/>
+              <a:t>You won a prize, you can either claim a cash prize worth $1000 dollars, or a new computer worth $2000; which do you choose (assume you are not in the market for a new computer, and you do not desperately need the cash)?</a:t>
+            </a:r>
+            <a:r>
+              <a:rPr lang="en-US" dirty="0"/>
+              <a:t> </a:t>
+            </a:r>
+            <a:endParaRPr lang="en-US" dirty="0" smtClean="0"/>
+          </a:p>
+          <a:p>
+            <a:pPr marL="800100" lvl="2" indent="-342900">
+              <a:buFont typeface="+mj-lt"/>
+              <a:buAutoNum type="arabicPeriod"/>
+            </a:pPr>
+            <a:r>
+              <a:rPr lang="en-US" dirty="0"/>
+              <a:t>Think about your daily activities, if you were told you could have software to accomplish some task you currently do manually (without some sort of automation) and that it could eventually save you half the amount of time, but the software was rated moderate-difficult to learn, how likely would you be to take it (you can not ask for it and decide its to hard so you wont use it): </a:t>
+            </a:r>
+            <a:br>
+              <a:rPr lang="en-US" dirty="0"/>
+            </a:br>
             <a:endParaRPr lang="en-US" dirty="0"/>
           </a:p>
         </p:txBody>
@@ -11410,6 +11572,13 @@
   <p:clrMapOvr>
     <a:masterClrMapping/>
   </p:clrMapOvr>
+  <p:timing>
+    <p:tnLst>
+      <p:par>
+        <p:cTn xmlns:p14="http://schemas.microsoft.com/office/powerpoint/2010/main" id="1" dur="indefinite" restart="never" nodeType="tmRoot"/>
+      </p:par>
+    </p:tnLst>
+  </p:timing>
 </p:sld>
 </file>
 
@@ -11455,7 +11624,7 @@
       </p:sp>
       <p:sp>
         <p:nvSpPr>
-          <p:cNvPr id="3" name="Content Placeholder 2"/>
+          <p:cNvPr id="4" name="Content Placeholder 2"/>
           <p:cNvSpPr>
             <a:spLocks noGrp="1"/>
           </p:cNvSpPr>
@@ -11463,12 +11632,173 @@
             <p:ph idx="1"/>
           </p:nvPr>
         </p:nvSpPr>
-        <p:spPr/>
-        <p:txBody>
-          <a:bodyPr/>
-          <a:lstStyle/>
-          <a:p>
-            <a:endParaRPr lang="en-US" dirty="0"/>
+        <p:spPr>
+          <a:xfrm>
+            <a:off x="498474" y="1318182"/>
+            <a:ext cx="7556313" cy="4807982"/>
+          </a:xfrm>
+        </p:spPr>
+        <p:txBody>
+          <a:bodyPr>
+            <a:normAutofit/>
+          </a:bodyPr>
+          <a:lstStyle/>
+          <a:p>
+            <a:r>
+              <a:rPr lang="en-US" dirty="0" smtClean="0"/>
+              <a:t>Our empirical evaluation: Part I</a:t>
+            </a:r>
+          </a:p>
+          <a:p>
+            <a:pPr lvl="1"/>
+            <a:r>
+              <a:rPr lang="en-US" dirty="0" smtClean="0"/>
+              <a:t>Questionnaire: </a:t>
+            </a:r>
+          </a:p>
+          <a:p>
+            <a:pPr marL="800100" lvl="2" indent="-342900">
+              <a:buFont typeface="+mj-lt"/>
+              <a:buAutoNum type="arabicPeriod" startAt="7"/>
+            </a:pPr>
+            <a:r>
+              <a:rPr lang="en-US" dirty="0" smtClean="0"/>
+              <a:t>To me computers are the following: </a:t>
+            </a:r>
+            <a:br>
+              <a:rPr lang="en-US" dirty="0" smtClean="0"/>
+            </a:br>
+            <a:r>
+              <a:rPr lang="en-US" sz="1400" dirty="0" smtClean="0"/>
+              <a:t>Fun, </a:t>
+            </a:r>
+            <a:r>
+              <a:rPr lang="en-US" sz="1400" dirty="0"/>
+              <a:t>Easy To </a:t>
+            </a:r>
+            <a:r>
+              <a:rPr lang="en-US" sz="1400" dirty="0" smtClean="0"/>
+              <a:t>Use, Helpful, </a:t>
+            </a:r>
+            <a:r>
+              <a:rPr lang="en-US" sz="1400" dirty="0"/>
+              <a:t>Life-</a:t>
+            </a:r>
+            <a:r>
+              <a:rPr lang="en-US" sz="1400" dirty="0" smtClean="0"/>
+              <a:t>Saving, Necessity, Confusing, Annoying, Weird, Mystery, Genius, </a:t>
+            </a:r>
+            <a:r>
+              <a:rPr lang="en-US" sz="1400" dirty="0"/>
+              <a:t>Magical</a:t>
+            </a:r>
+            <a:r>
+              <a:rPr lang="en-US" sz="1400" dirty="0"/>
+              <a:t> </a:t>
+            </a:r>
+            <a:endParaRPr lang="en-US" sz="1400" dirty="0" smtClean="0"/>
+          </a:p>
+          <a:p>
+            <a:pPr marL="800100" lvl="2" indent="-342900">
+              <a:buFont typeface="+mj-lt"/>
+              <a:buAutoNum type="arabicPeriod" startAt="7"/>
+            </a:pPr>
+            <a:r>
+              <a:rPr lang="en-US" dirty="0" smtClean="0"/>
+              <a:t>To </a:t>
+            </a:r>
+            <a:r>
+              <a:rPr lang="en-US" dirty="0"/>
+              <a:t>me software is often the following:</a:t>
+            </a:r>
+            <a:r>
+              <a:rPr lang="en-US" dirty="0"/>
+              <a:t> </a:t>
+            </a:r>
+            <a:r>
+              <a:rPr lang="en-US" dirty="0" smtClean="0"/>
+              <a:t/>
+            </a:r>
+            <a:br>
+              <a:rPr lang="en-US" dirty="0" smtClean="0"/>
+            </a:br>
+            <a:r>
+              <a:rPr lang="en-US" sz="1400" dirty="0"/>
+              <a:t>Well </a:t>
+            </a:r>
+            <a:r>
+              <a:rPr lang="en-US" sz="1400" dirty="0" smtClean="0"/>
+              <a:t>Designed, </a:t>
+            </a:r>
+            <a:r>
+              <a:rPr lang="en-US" sz="1400" dirty="0"/>
+              <a:t>Easy To </a:t>
+            </a:r>
+            <a:r>
+              <a:rPr lang="en-US" sz="1400" dirty="0" smtClean="0"/>
+              <a:t>Use, Helpful, </a:t>
+            </a:r>
+            <a:r>
+              <a:rPr lang="en-US" sz="1400" dirty="0"/>
+              <a:t>Life-</a:t>
+            </a:r>
+            <a:r>
+              <a:rPr lang="en-US" sz="1400" dirty="0" smtClean="0"/>
+              <a:t>Saving, </a:t>
+            </a:r>
+            <a:r>
+              <a:rPr lang="en-US" sz="1400" dirty="0"/>
+              <a:t>Poorly </a:t>
+            </a:r>
+            <a:r>
+              <a:rPr lang="en-US" sz="1400" dirty="0" smtClean="0"/>
+              <a:t>Designed, Obvious, Annoying, Weird, Mystery, Genius, Magical, </a:t>
+            </a:r>
+            <a:r>
+              <a:rPr lang="en-US" sz="1400" dirty="0"/>
+              <a:t>Hard To </a:t>
+            </a:r>
+            <a:r>
+              <a:rPr lang="en-US" sz="1400" dirty="0" smtClean="0"/>
+              <a:t>Learn, </a:t>
+            </a:r>
+            <a:r>
+              <a:rPr lang="en-US" sz="1400" dirty="0"/>
+              <a:t>Useful Once </a:t>
+            </a:r>
+            <a:r>
+              <a:rPr lang="en-US" sz="1400" dirty="0" smtClean="0"/>
+              <a:t>Learned, Daunting </a:t>
+            </a:r>
+            <a:r>
+              <a:rPr lang="en-US" sz="1400" dirty="0"/>
+              <a:t>To </a:t>
+            </a:r>
+            <a:r>
+              <a:rPr lang="en-US" sz="1400" dirty="0" smtClean="0"/>
+              <a:t>Learn, </a:t>
+            </a:r>
+            <a:r>
+              <a:rPr lang="en-US" sz="1400" dirty="0"/>
+              <a:t>Motivating To </a:t>
+            </a:r>
+            <a:r>
+              <a:rPr lang="en-US" sz="1400" dirty="0" smtClean="0"/>
+              <a:t>Learn.</a:t>
+            </a:r>
+          </a:p>
+          <a:p>
+            <a:pPr marL="457200" lvl="2" indent="0">
+              <a:buNone/>
+            </a:pPr>
+            <a:endParaRPr lang="en-US" sz="2000" dirty="0" smtClean="0"/>
+          </a:p>
+          <a:p>
+            <a:pPr marL="800100" lvl="2" indent="-342900">
+              <a:buFont typeface="+mj-lt"/>
+              <a:buAutoNum type="arabicPeriod" startAt="7"/>
+            </a:pPr>
+            <a:endParaRPr lang="en-US" dirty="0" smtClean="0"/>
           </a:p>
         </p:txBody>
       </p:sp>
@@ -11527,7 +11857,7 @@
       </p:sp>
       <p:sp>
         <p:nvSpPr>
-          <p:cNvPr id="3" name="Content Placeholder 2"/>
+          <p:cNvPr id="4" name="Content Placeholder 2"/>
           <p:cNvSpPr>
             <a:spLocks noGrp="1"/>
           </p:cNvSpPr>
@@ -11535,12 +11865,166 @@
             <p:ph idx="1"/>
           </p:nvPr>
         </p:nvSpPr>
-        <p:spPr/>
-        <p:txBody>
-          <a:bodyPr/>
-          <a:lstStyle/>
+        <p:spPr>
+          <a:xfrm>
+            <a:off x="498474" y="1318181"/>
+            <a:ext cx="7556313" cy="5284759"/>
+          </a:xfrm>
+        </p:spPr>
+        <p:txBody>
+          <a:bodyPr>
+            <a:normAutofit/>
+          </a:bodyPr>
+          <a:lstStyle/>
+          <a:p>
+            <a:r>
+              <a:rPr lang="en-US" dirty="0" smtClean="0"/>
+              <a:t>Our empirical evaluation: Part II</a:t>
+            </a:r>
+          </a:p>
+          <a:p>
+            <a:pPr lvl="1"/>
+            <a:r>
+              <a:rPr lang="en-US" dirty="0" smtClean="0"/>
+              <a:t>Questionnaire: </a:t>
+            </a:r>
+          </a:p>
+          <a:p>
+            <a:pPr marL="800100" lvl="2" indent="-342900">
+              <a:buFont typeface="+mj-lt"/>
+              <a:buAutoNum type="arabicPeriod"/>
+            </a:pPr>
+            <a:r>
+              <a:rPr lang="en-US" sz="1500" dirty="0"/>
+              <a:t>Was the program flow easy to follow? Explain: </a:t>
+            </a:r>
+            <a:endParaRPr lang="en-US" sz="1500" dirty="0" smtClean="0"/>
+          </a:p>
+          <a:p>
+            <a:pPr marL="800100" lvl="2" indent="-342900">
+              <a:buFont typeface="+mj-lt"/>
+              <a:buAutoNum type="arabicPeriod"/>
+            </a:pPr>
+            <a:r>
+              <a:rPr lang="en-US" sz="1500" dirty="0" smtClean="0"/>
+              <a:t>Is </a:t>
+            </a:r>
+            <a:r>
+              <a:rPr lang="en-US" sz="1500" dirty="0"/>
+              <a:t>there anything about the design you found confusing? Explain:</a:t>
+            </a:r>
+            <a:r>
+              <a:rPr lang="en-US" sz="1500" dirty="0"/>
+              <a:t> </a:t>
+            </a:r>
+            <a:endParaRPr lang="en-US" sz="1500" dirty="0" smtClean="0"/>
+          </a:p>
+          <a:p>
+            <a:pPr marL="800100" lvl="2" indent="-342900">
+              <a:buFont typeface="+mj-lt"/>
+              <a:buAutoNum type="arabicPeriod"/>
+            </a:pPr>
+            <a:r>
+              <a:rPr lang="en-US" sz="1500" dirty="0"/>
+              <a:t>Is there anything about the design you found helpful? Explain:</a:t>
+            </a:r>
+            <a:r>
+              <a:rPr lang="en-US" sz="1500" dirty="0"/>
+              <a:t> </a:t>
+            </a:r>
+            <a:endParaRPr lang="en-US" sz="1600" dirty="0" smtClean="0"/>
+          </a:p>
+          <a:p>
+            <a:r>
+              <a:rPr lang="en-US" dirty="0"/>
+              <a:t>Our empirical evaluation: Part </a:t>
+            </a:r>
+            <a:r>
+              <a:rPr lang="en-US" dirty="0" smtClean="0"/>
+              <a:t>III</a:t>
+            </a:r>
+          </a:p>
+          <a:p>
+            <a:pPr lvl="1"/>
+            <a:r>
+              <a:rPr lang="en-US" dirty="0" smtClean="0"/>
+              <a:t>Questionnaire</a:t>
+            </a:r>
+            <a:r>
+              <a:rPr lang="en-US" dirty="0"/>
+              <a:t>: </a:t>
+            </a:r>
+            <a:endParaRPr lang="en-US" dirty="0" smtClean="0"/>
+          </a:p>
+          <a:p>
+            <a:pPr marL="800100" lvl="2" indent="-342900">
+              <a:buFont typeface="+mj-lt"/>
+              <a:buAutoNum type="arabicPeriod"/>
+            </a:pPr>
+            <a:r>
+              <a:rPr lang="en-US" sz="1500" dirty="0"/>
+              <a:t>Is there another piece of software this program reminds you of? What is it? Explain</a:t>
+            </a:r>
+            <a:r>
+              <a:rPr lang="en-US" sz="1500" dirty="0" smtClean="0"/>
+              <a:t>:</a:t>
+            </a:r>
+          </a:p>
+          <a:p>
+            <a:pPr marL="800100" lvl="2" indent="-342900">
+              <a:buFont typeface="+mj-lt"/>
+              <a:buAutoNum type="arabicPeriod"/>
+            </a:pPr>
+            <a:r>
+              <a:rPr lang="en-US" sz="1500" dirty="0"/>
+              <a:t>If you were the therapist to use this software, what part of it might stop you from using it daily? Explain:</a:t>
+            </a:r>
+            <a:r>
+              <a:rPr lang="en-US" sz="1500" dirty="0"/>
+              <a:t> </a:t>
+            </a:r>
+            <a:endParaRPr lang="en-US" sz="1500" dirty="0" smtClean="0"/>
+          </a:p>
+          <a:p>
+            <a:pPr marL="800100" lvl="2" indent="-342900">
+              <a:buFont typeface="+mj-lt"/>
+              <a:buAutoNum type="arabicPeriod"/>
+            </a:pPr>
+            <a:r>
+              <a:rPr lang="en-US" sz="1500" dirty="0"/>
+              <a:t>If you were the therapist to use this software, what part of it would encourage you to use it daily? Explain</a:t>
+            </a:r>
+            <a:r>
+              <a:rPr lang="en-US" sz="1500" dirty="0" smtClean="0"/>
+              <a:t>:</a:t>
+            </a:r>
+            <a:endParaRPr lang="en-US" sz="1500" dirty="0"/>
+          </a:p>
+          <a:p>
+            <a:r>
+              <a:rPr lang="en-US" dirty="0" smtClean="0"/>
+              <a:t>Time spent on Task:</a:t>
+            </a:r>
+          </a:p>
+          <a:p>
+            <a:pPr lvl="1"/>
+            <a:r>
+              <a:rPr lang="en-US" dirty="0" smtClean="0"/>
+              <a:t>Participants time was measured twice. </a:t>
+            </a:r>
+          </a:p>
+          <a:p>
+            <a:pPr lvl="1"/>
+            <a:endParaRPr lang="en-US" dirty="0" smtClean="0"/>
+          </a:p>
           <a:p>
             <a:endParaRPr lang="en-US" dirty="0"/>
+          </a:p>
+          <a:p>
+            <a:pPr marL="0" indent="0">
+              <a:buNone/>
+            </a:pPr>
+            <a:endParaRPr lang="en-US" dirty="0" smtClean="0"/>
           </a:p>
         </p:txBody>
       </p:sp>
@@ -11584,14 +12068,19 @@
             <p:ph type="title"/>
           </p:nvPr>
         </p:nvSpPr>
-        <p:spPr/>
+        <p:spPr>
+          <a:xfrm>
+            <a:off x="498474" y="484095"/>
+            <a:ext cx="7556313" cy="707686"/>
+          </a:xfrm>
+        </p:spPr>
         <p:txBody>
           <a:bodyPr/>
           <a:lstStyle/>
           <a:p>
             <a:r>
               <a:rPr lang="en-US" dirty="0" smtClean="0"/>
-              <a:t>DISCUSSION</a:t>
+              <a:t>DISCUSSION OF RESULTS</a:t>
             </a:r>
             <a:endParaRPr lang="en-US" dirty="0"/>
           </a:p>
@@ -11607,12 +12096,130 @@
             <p:ph idx="1"/>
           </p:nvPr>
         </p:nvSpPr>
-        <p:spPr/>
-        <p:txBody>
-          <a:bodyPr/>
-          <a:lstStyle/>
-          <a:p>
-            <a:endParaRPr lang="en-US"/>
+        <p:spPr>
+          <a:xfrm>
+            <a:off x="498474" y="1245952"/>
+            <a:ext cx="7556313" cy="4880211"/>
+          </a:xfrm>
+        </p:spPr>
+        <p:txBody>
+          <a:bodyPr>
+            <a:normAutofit lnSpcReduction="10000"/>
+          </a:bodyPr>
+          <a:lstStyle/>
+          <a:p>
+            <a:r>
+              <a:rPr lang="en-US" dirty="0" smtClean="0"/>
+              <a:t>This is what we found:</a:t>
+            </a:r>
+          </a:p>
+          <a:p>
+            <a:pPr lvl="1"/>
+            <a:r>
+              <a:rPr lang="en-US" dirty="0" smtClean="0"/>
+              <a:t>Technical Ability: </a:t>
+            </a:r>
+          </a:p>
+          <a:p>
+            <a:pPr lvl="2"/>
+            <a:r>
+              <a:rPr lang="en-US" dirty="0" smtClean="0"/>
+              <a:t>Mean 6.210526316</a:t>
+            </a:r>
+          </a:p>
+          <a:p>
+            <a:pPr lvl="2"/>
+            <a:r>
+              <a:rPr lang="en-US" dirty="0" smtClean="0"/>
+              <a:t>Std. Deviation </a:t>
+            </a:r>
+            <a:r>
+              <a:rPr lang="en-US" dirty="0"/>
+              <a:t>2.615741819</a:t>
+            </a:r>
+            <a:r>
+              <a:rPr lang="en-US" dirty="0"/>
+              <a:t>  </a:t>
+            </a:r>
+            <a:endParaRPr lang="en-US" dirty="0" smtClean="0"/>
+          </a:p>
+          <a:p>
+            <a:pPr lvl="2"/>
+            <a:r>
+              <a:rPr lang="en-US" dirty="0" smtClean="0"/>
+              <a:t>Mode 8</a:t>
+            </a:r>
+          </a:p>
+          <a:p>
+            <a:pPr lvl="1"/>
+            <a:r>
+              <a:rPr lang="en-US" dirty="0" smtClean="0"/>
+              <a:t>Learn New Application For Fun: </a:t>
+            </a:r>
+          </a:p>
+          <a:p>
+            <a:pPr lvl="2"/>
+            <a:r>
+              <a:rPr lang="en-US" dirty="0" smtClean="0"/>
+              <a:t>Mean 6.105263158 </a:t>
+            </a:r>
+          </a:p>
+          <a:p>
+            <a:pPr lvl="2"/>
+            <a:r>
+              <a:rPr lang="en-US" dirty="0" smtClean="0"/>
+              <a:t>Std. Deviation </a:t>
+            </a:r>
+            <a:r>
+              <a:rPr lang="en-US" dirty="0"/>
+              <a:t>2.826358805</a:t>
+            </a:r>
+            <a:r>
+              <a:rPr lang="en-US" dirty="0"/>
+              <a:t> </a:t>
+            </a:r>
+            <a:endParaRPr lang="en-US" dirty="0" smtClean="0"/>
+          </a:p>
+          <a:p>
+            <a:pPr lvl="2"/>
+            <a:r>
+              <a:rPr lang="en-US" dirty="0" smtClean="0"/>
+              <a:t>Mode 8</a:t>
+            </a:r>
+            <a:endParaRPr lang="en-US" dirty="0"/>
+          </a:p>
+          <a:p>
+            <a:pPr lvl="2"/>
+            <a:endParaRPr lang="en-US" dirty="0"/>
+          </a:p>
+          <a:p>
+            <a:r>
+              <a:rPr lang="en-US" dirty="0" smtClean="0"/>
+              <a:t>Correlation Between Questions: </a:t>
+            </a:r>
+            <a:r>
+              <a:rPr lang="en-US" dirty="0"/>
+              <a:t>0.845984699</a:t>
+            </a:r>
+            <a:r>
+              <a:rPr lang="en-US" dirty="0"/>
+              <a:t> </a:t>
+            </a:r>
+            <a:endParaRPr lang="en-US" dirty="0" smtClean="0"/>
+          </a:p>
+          <a:p>
+            <a:r>
+              <a:rPr lang="en-US" dirty="0" smtClean="0"/>
+              <a:t>Moderate to High Correlation Between: 1,2,3,6</a:t>
+            </a:r>
+            <a:br>
+              <a:rPr lang="en-US" dirty="0" smtClean="0"/>
+            </a:br>
+            <a:r>
+              <a:rPr lang="en-US" dirty="0" smtClean="0"/>
+              <a:t>Negative Small Correlation with: 5</a:t>
+            </a:r>
+            <a:endParaRPr lang="en-US" dirty="0"/>
           </a:p>
         </p:txBody>
       </p:sp>
@@ -11663,7 +12270,7 @@
           <a:p>
             <a:r>
               <a:rPr lang="en-US" dirty="0" smtClean="0"/>
-              <a:t>DISCUSSION</a:t>
+              <a:t>DISCUSSION OF RESULTS</a:t>
             </a:r>
             <a:endParaRPr lang="en-US" dirty="0"/>
           </a:p>
@@ -11679,12 +12286,128 @@
             <p:ph idx="1"/>
           </p:nvPr>
         </p:nvSpPr>
-        <p:spPr/>
+        <p:spPr>
+          <a:xfrm>
+            <a:off x="498474" y="1289402"/>
+            <a:ext cx="7556313" cy="4836762"/>
+          </a:xfrm>
+        </p:spPr>
         <p:txBody>
           <a:bodyPr/>
           <a:lstStyle/>
           <a:p>
-            <a:endParaRPr lang="en-US"/>
+            <a:r>
+              <a:rPr lang="en-US" dirty="0" smtClean="0"/>
+              <a:t>How many hours a week do you spend on a computer / smart phone?</a:t>
+            </a:r>
+          </a:p>
+          <a:p>
+            <a:r>
+              <a:rPr lang="en-US" sz="1400" dirty="0" smtClean="0"/>
+              <a:t>Coded The Answers</a:t>
+            </a:r>
+            <a:endParaRPr lang="en-US" sz="1400" dirty="0" smtClean="0"/>
+          </a:p>
+          <a:p>
+            <a:pPr lvl="1"/>
+            <a:r>
+              <a:rPr lang="en-US" sz="1200" dirty="0"/>
+              <a:t>0 – </a:t>
+            </a:r>
+            <a:r>
+              <a:rPr lang="en-US" sz="1200" dirty="0" smtClean="0"/>
+              <a:t>10(</a:t>
+            </a:r>
+            <a:r>
+              <a:rPr lang="en-US" sz="1200" dirty="0"/>
+              <a:t>1</a:t>
+            </a:r>
+            <a:r>
+              <a:rPr lang="en-US" sz="1200" dirty="0" smtClean="0"/>
+              <a:t>)    11</a:t>
+            </a:r>
+            <a:r>
+              <a:rPr lang="en-US" sz="1200" dirty="0"/>
+              <a:t>-20 (2</a:t>
+            </a:r>
+            <a:r>
+              <a:rPr lang="en-US" sz="1200" dirty="0" smtClean="0"/>
+              <a:t>)    21</a:t>
+            </a:r>
+            <a:r>
+              <a:rPr lang="en-US" sz="1200" dirty="0"/>
+              <a:t>-30 (3</a:t>
+            </a:r>
+            <a:r>
+              <a:rPr lang="en-US" sz="1200" dirty="0" smtClean="0"/>
+              <a:t>)    31</a:t>
+            </a:r>
+            <a:r>
+              <a:rPr lang="en-US" sz="1200" dirty="0"/>
+              <a:t>-40 (4</a:t>
+            </a:r>
+            <a:r>
+              <a:rPr lang="en-US" sz="1200" dirty="0" smtClean="0"/>
+              <a:t>)    41</a:t>
+            </a:r>
+            <a:r>
+              <a:rPr lang="en-US" sz="1200" dirty="0"/>
+              <a:t>+ (5)</a:t>
+            </a:r>
+            <a:r>
+              <a:rPr lang="en-US" sz="1200" dirty="0"/>
+              <a:t> </a:t>
+            </a:r>
+            <a:endParaRPr lang="en-US" sz="1200" dirty="0"/>
+          </a:p>
+          <a:p>
+            <a:r>
+              <a:rPr lang="en-US" sz="1400" dirty="0" smtClean="0"/>
+              <a:t>Mean: </a:t>
+            </a:r>
+            <a:r>
+              <a:rPr lang="en-US" sz="1400" dirty="0" smtClean="0"/>
+              <a:t>3.684210526</a:t>
+            </a:r>
+          </a:p>
+          <a:p>
+            <a:r>
+              <a:rPr lang="en-US" sz="1400" dirty="0" smtClean="0"/>
+              <a:t>Std. Deviation: </a:t>
+            </a:r>
+            <a:r>
+              <a:rPr lang="en-US" sz="1400" dirty="0"/>
+              <a:t>1.66842013</a:t>
+            </a:r>
+            <a:r>
+              <a:rPr lang="en-US" sz="1400" dirty="0"/>
+              <a:t> </a:t>
+            </a:r>
+            <a:endParaRPr lang="en-US" sz="1400" dirty="0" smtClean="0"/>
+          </a:p>
+          <a:p>
+            <a:r>
+              <a:rPr lang="en-US" sz="1400" dirty="0" smtClean="0"/>
+              <a:t>Median: 5 </a:t>
+            </a:r>
+          </a:p>
+          <a:p>
+            <a:r>
+              <a:rPr lang="en-US" sz="1400" dirty="0" smtClean="0"/>
+              <a:t>Mode: </a:t>
+            </a:r>
+            <a:r>
+              <a:rPr lang="en-US" sz="1400" dirty="0"/>
+              <a:t>5</a:t>
+            </a:r>
+            <a:r>
+              <a:rPr lang="en-US" sz="1400" dirty="0"/>
+              <a:t> </a:t>
+            </a:r>
+            <a:endParaRPr lang="en-US" sz="1400" dirty="0" smtClean="0"/>
+          </a:p>
+          <a:p>
+            <a:endParaRPr lang="en-US" dirty="0"/>
           </a:p>
         </p:txBody>
       </p:sp>
@@ -11833,11 +12556,7 @@
             </a:r>
             <a:r>
               <a:rPr lang="en-US" dirty="0" smtClean="0"/>
-              <a:t>.” </a:t>
-            </a:r>
-            <a:r>
-              <a:rPr lang="en-US" dirty="0" smtClean="0"/>
-              <a:t>“They </a:t>
+              <a:t>.” “They </a:t>
             </a:r>
             <a:r>
               <a:rPr lang="en-US" dirty="0"/>
@@ -12452,6 +13171,985 @@
           <a:p>
             <a:r>
               <a:rPr lang="en-US" dirty="0" smtClean="0"/>
+              <a:t>DISCUSSION OF RESULTS</a:t>
+            </a:r>
+            <a:endParaRPr lang="en-US" dirty="0"/>
+          </a:p>
+        </p:txBody>
+      </p:sp>
+      <p:sp>
+        <p:nvSpPr>
+          <p:cNvPr id="3" name="Content Placeholder 2"/>
+          <p:cNvSpPr>
+            <a:spLocks noGrp="1"/>
+          </p:cNvSpPr>
+          <p:nvPr>
+            <p:ph idx="1"/>
+          </p:nvPr>
+        </p:nvSpPr>
+        <p:spPr>
+          <a:xfrm>
+            <a:off x="498474" y="1289402"/>
+            <a:ext cx="7556313" cy="4836762"/>
+          </a:xfrm>
+        </p:spPr>
+        <p:txBody>
+          <a:bodyPr/>
+          <a:lstStyle/>
+          <a:p>
+            <a:r>
+              <a:rPr lang="en-US" dirty="0" smtClean="0"/>
+              <a:t>To me computers are….</a:t>
+            </a:r>
+            <a:endParaRPr lang="en-US" dirty="0"/>
+          </a:p>
+          <a:p>
+            <a:pPr lvl="1"/>
+            <a:r>
+              <a:rPr lang="en-US" dirty="0" smtClean="0"/>
+              <a:t>Helpful (every participant)</a:t>
+            </a:r>
+          </a:p>
+          <a:p>
+            <a:pPr lvl="1"/>
+            <a:r>
+              <a:rPr lang="en-US" dirty="0" smtClean="0"/>
+              <a:t>Necessity</a:t>
+            </a:r>
+          </a:p>
+          <a:p>
+            <a:pPr lvl="1"/>
+            <a:r>
+              <a:rPr lang="en-US" dirty="0" smtClean="0"/>
+              <a:t>Fun</a:t>
+            </a:r>
+          </a:p>
+          <a:p>
+            <a:pPr lvl="1"/>
+            <a:r>
+              <a:rPr lang="en-US" dirty="0" smtClean="0"/>
+              <a:t>Easy to use</a:t>
+            </a:r>
+          </a:p>
+          <a:p>
+            <a:pPr lvl="1"/>
+            <a:r>
+              <a:rPr lang="en-US" dirty="0" smtClean="0"/>
+              <a:t>Annoying, Genius, Magical (tie)</a:t>
+            </a:r>
+          </a:p>
+          <a:p>
+            <a:r>
+              <a:rPr lang="en-US" dirty="0" smtClean="0"/>
+              <a:t>To me software is often.…</a:t>
+            </a:r>
+          </a:p>
+          <a:p>
+            <a:pPr lvl="1"/>
+            <a:r>
+              <a:rPr lang="en-US" dirty="0" smtClean="0"/>
+              <a:t>Helpful</a:t>
+            </a:r>
+          </a:p>
+          <a:p>
+            <a:pPr lvl="1"/>
+            <a:r>
+              <a:rPr lang="en-US" dirty="0" smtClean="0"/>
+              <a:t>Useful once learned</a:t>
+            </a:r>
+          </a:p>
+          <a:p>
+            <a:pPr lvl="1"/>
+            <a:r>
+              <a:rPr lang="en-US" dirty="0" smtClean="0"/>
+              <a:t>Easy to use</a:t>
+            </a:r>
+          </a:p>
+          <a:p>
+            <a:pPr lvl="1"/>
+            <a:r>
+              <a:rPr lang="en-US" dirty="0" smtClean="0"/>
+              <a:t>Well Designed</a:t>
+            </a:r>
+          </a:p>
+          <a:p>
+            <a:pPr lvl="1"/>
+            <a:r>
+              <a:rPr lang="en-US" dirty="0" smtClean="0"/>
+              <a:t>Hard to learn, Poorly Designed, Annoying</a:t>
+            </a:r>
+            <a:endParaRPr lang="en-US" dirty="0"/>
+          </a:p>
+        </p:txBody>
+      </p:sp>
+    </p:spTree>
+    <p:extLst>
+      <p:ext uri="{BB962C8B-B14F-4D97-AF65-F5344CB8AC3E}">
+        <p14:creationId xmlns:p14="http://schemas.microsoft.com/office/powerpoint/2010/main" val="2563663104"/>
+      </p:ext>
+    </p:extLst>
+  </p:cSld>
+  <p:clrMapOvr>
+    <a:masterClrMapping/>
+  </p:clrMapOvr>
+</p:sld>
+</file>
+
+<file path=ppt/slides/slide31.xml><?xml version="1.0" encoding="utf-8"?>
+<p:sld xmlns:a="http://schemas.openxmlformats.org/drawingml/2006/main" xmlns:r="http://schemas.openxmlformats.org/officeDocument/2006/relationships" xmlns:p="http://schemas.openxmlformats.org/presentationml/2006/main">
+  <p:cSld>
+    <p:spTree>
+      <p:nvGrpSpPr>
+        <p:cNvPr id="1" name=""/>
+        <p:cNvGrpSpPr/>
+        <p:nvPr/>
+      </p:nvGrpSpPr>
+      <p:grpSpPr>
+        <a:xfrm>
+          <a:off x="0" y="0"/>
+          <a:ext cx="0" cy="0"/>
+          <a:chOff x="0" y="0"/>
+          <a:chExt cx="0" cy="0"/>
+        </a:xfrm>
+      </p:grpSpPr>
+      <p:sp>
+        <p:nvSpPr>
+          <p:cNvPr id="2" name="Title 1"/>
+          <p:cNvSpPr>
+            <a:spLocks noGrp="1"/>
+          </p:cNvSpPr>
+          <p:nvPr>
+            <p:ph type="title"/>
+          </p:nvPr>
+        </p:nvSpPr>
+        <p:spPr/>
+        <p:txBody>
+          <a:bodyPr/>
+          <a:lstStyle/>
+          <a:p>
+            <a:r>
+              <a:rPr lang="en-US" dirty="0" smtClean="0"/>
+              <a:t>DISCUSSION OF RESULTS</a:t>
+            </a:r>
+            <a:endParaRPr lang="en-US" dirty="0"/>
+          </a:p>
+        </p:txBody>
+      </p:sp>
+      <p:sp>
+        <p:nvSpPr>
+          <p:cNvPr id="3" name="Content Placeholder 2"/>
+          <p:cNvSpPr>
+            <a:spLocks noGrp="1"/>
+          </p:cNvSpPr>
+          <p:nvPr>
+            <p:ph idx="1"/>
+          </p:nvPr>
+        </p:nvSpPr>
+        <p:spPr>
+          <a:xfrm>
+            <a:off x="498474" y="1289402"/>
+            <a:ext cx="7556313" cy="4836762"/>
+          </a:xfrm>
+        </p:spPr>
+        <p:txBody>
+          <a:bodyPr/>
+          <a:lstStyle/>
+          <a:p>
+            <a:r>
+              <a:rPr lang="en-US" dirty="0" smtClean="0"/>
+              <a:t>Written Responses:</a:t>
+            </a:r>
+          </a:p>
+          <a:p>
+            <a:pPr lvl="1"/>
+            <a:r>
+              <a:rPr lang="en-US" dirty="0" smtClean="0"/>
+              <a:t>COMMON FEEDBACK:</a:t>
+            </a:r>
+          </a:p>
+          <a:p>
+            <a:pPr lvl="2"/>
+            <a:r>
+              <a:rPr lang="en-US" dirty="0" smtClean="0"/>
+              <a:t>Easy to follow</a:t>
+            </a:r>
+          </a:p>
+          <a:p>
+            <a:pPr lvl="2"/>
+            <a:r>
+              <a:rPr lang="en-US" dirty="0" smtClean="0"/>
+              <a:t>Help feature was useful</a:t>
+            </a:r>
+          </a:p>
+          <a:p>
+            <a:pPr lvl="2"/>
+            <a:r>
+              <a:rPr lang="en-US" dirty="0" smtClean="0"/>
+              <a:t>Confused by small features </a:t>
+            </a:r>
+          </a:p>
+          <a:p>
+            <a:pPr lvl="3"/>
+            <a:r>
+              <a:rPr lang="en-US" dirty="0" smtClean="0"/>
+              <a:t>GO button for search</a:t>
+            </a:r>
+          </a:p>
+          <a:p>
+            <a:pPr lvl="3"/>
+            <a:r>
+              <a:rPr lang="en-US" dirty="0" smtClean="0"/>
+              <a:t>Conflicting reports on button placement </a:t>
+            </a:r>
+          </a:p>
+          <a:p>
+            <a:pPr lvl="3"/>
+            <a:r>
+              <a:rPr lang="en-US" dirty="0" smtClean="0"/>
+              <a:t>Load screen </a:t>
+            </a:r>
+            <a:r>
+              <a:rPr lang="en-US" dirty="0"/>
+              <a:t>c</a:t>
+            </a:r>
+            <a:r>
+              <a:rPr lang="en-US" dirty="0" smtClean="0"/>
+              <a:t>onfusion</a:t>
+            </a:r>
+          </a:p>
+          <a:p>
+            <a:pPr lvl="3"/>
+            <a:r>
+              <a:rPr lang="en-US" dirty="0" smtClean="0"/>
+              <a:t>New layout screen confusion</a:t>
+            </a:r>
+          </a:p>
+          <a:p>
+            <a:pPr lvl="2"/>
+            <a:r>
+              <a:rPr lang="en-US" dirty="0" smtClean="0"/>
+              <a:t>Most confusion from not reading the Help documentation.</a:t>
+            </a:r>
+          </a:p>
+          <a:p>
+            <a:pPr lvl="2"/>
+            <a:r>
+              <a:rPr lang="en-US" dirty="0" smtClean="0"/>
+              <a:t>Some people found it like Paint, others like Whack-A-Mole, most said Nothing.</a:t>
+            </a:r>
+          </a:p>
+        </p:txBody>
+      </p:sp>
+    </p:spTree>
+    <p:extLst>
+      <p:ext uri="{BB962C8B-B14F-4D97-AF65-F5344CB8AC3E}">
+        <p14:creationId xmlns:p14="http://schemas.microsoft.com/office/powerpoint/2010/main" val="3228185755"/>
+      </p:ext>
+    </p:extLst>
+  </p:cSld>
+  <p:clrMapOvr>
+    <a:masterClrMapping/>
+  </p:clrMapOvr>
+</p:sld>
+</file>
+
+<file path=ppt/slides/slide32.xml><?xml version="1.0" encoding="utf-8"?>
+<p:sld xmlns:a="http://schemas.openxmlformats.org/drawingml/2006/main" xmlns:r="http://schemas.openxmlformats.org/officeDocument/2006/relationships" xmlns:p="http://schemas.openxmlformats.org/presentationml/2006/main">
+  <p:cSld>
+    <p:spTree>
+      <p:nvGrpSpPr>
+        <p:cNvPr id="1" name=""/>
+        <p:cNvGrpSpPr/>
+        <p:nvPr/>
+      </p:nvGrpSpPr>
+      <p:grpSpPr>
+        <a:xfrm>
+          <a:off x="0" y="0"/>
+          <a:ext cx="0" cy="0"/>
+          <a:chOff x="0" y="0"/>
+          <a:chExt cx="0" cy="0"/>
+        </a:xfrm>
+      </p:grpSpPr>
+      <p:sp>
+        <p:nvSpPr>
+          <p:cNvPr id="2" name="Title 1"/>
+          <p:cNvSpPr>
+            <a:spLocks noGrp="1"/>
+          </p:cNvSpPr>
+          <p:nvPr>
+            <p:ph type="title"/>
+          </p:nvPr>
+        </p:nvSpPr>
+        <p:spPr/>
+        <p:txBody>
+          <a:bodyPr/>
+          <a:lstStyle/>
+          <a:p>
+            <a:r>
+              <a:rPr lang="en-US" dirty="0" smtClean="0"/>
+              <a:t>DISCUSSION OF RESULTS</a:t>
+            </a:r>
+            <a:endParaRPr lang="en-US" dirty="0"/>
+          </a:p>
+        </p:txBody>
+      </p:sp>
+      <p:sp>
+        <p:nvSpPr>
+          <p:cNvPr id="3" name="Content Placeholder 2"/>
+          <p:cNvSpPr>
+            <a:spLocks noGrp="1"/>
+          </p:cNvSpPr>
+          <p:nvPr>
+            <p:ph idx="1"/>
+          </p:nvPr>
+        </p:nvSpPr>
+        <p:spPr>
+          <a:xfrm>
+            <a:off x="498474" y="1289402"/>
+            <a:ext cx="7556313" cy="4836762"/>
+          </a:xfrm>
+        </p:spPr>
+        <p:txBody>
+          <a:bodyPr/>
+          <a:lstStyle/>
+          <a:p>
+            <a:r>
+              <a:rPr lang="en-US" dirty="0" smtClean="0"/>
+              <a:t>What encourages daily use?</a:t>
+            </a:r>
+          </a:p>
+          <a:p>
+            <a:pPr lvl="1"/>
+            <a:r>
+              <a:rPr lang="en-US" dirty="0" smtClean="0"/>
+              <a:t>Easy to learn, Effectiveness, Efficiency </a:t>
+            </a:r>
+            <a:endParaRPr lang="en-US" dirty="0" smtClean="0"/>
+          </a:p>
+          <a:p>
+            <a:r>
+              <a:rPr lang="en-US" dirty="0" smtClean="0"/>
+              <a:t>Discourages daily use?</a:t>
+            </a:r>
+          </a:p>
+          <a:p>
+            <a:pPr lvl="1"/>
+            <a:r>
+              <a:rPr lang="en-US" dirty="0" smtClean="0"/>
+              <a:t>Tedious, Learning Curve, Small Bugs</a:t>
+            </a:r>
+          </a:p>
+        </p:txBody>
+      </p:sp>
+    </p:spTree>
+    <p:extLst>
+      <p:ext uri="{BB962C8B-B14F-4D97-AF65-F5344CB8AC3E}">
+        <p14:creationId xmlns:p14="http://schemas.microsoft.com/office/powerpoint/2010/main" val="3099200483"/>
+      </p:ext>
+    </p:extLst>
+  </p:cSld>
+  <p:clrMapOvr>
+    <a:masterClrMapping/>
+  </p:clrMapOvr>
+</p:sld>
+</file>
+
+<file path=ppt/slides/slide33.xml><?xml version="1.0" encoding="utf-8"?>
+<p:sld xmlns:a="http://schemas.openxmlformats.org/drawingml/2006/main" xmlns:r="http://schemas.openxmlformats.org/officeDocument/2006/relationships" xmlns:p="http://schemas.openxmlformats.org/presentationml/2006/main">
+  <p:cSld>
+    <p:spTree>
+      <p:nvGrpSpPr>
+        <p:cNvPr id="1" name=""/>
+        <p:cNvGrpSpPr/>
+        <p:nvPr/>
+      </p:nvGrpSpPr>
+      <p:grpSpPr>
+        <a:xfrm>
+          <a:off x="0" y="0"/>
+          <a:ext cx="0" cy="0"/>
+          <a:chOff x="0" y="0"/>
+          <a:chExt cx="0" cy="0"/>
+        </a:xfrm>
+      </p:grpSpPr>
+      <p:sp>
+        <p:nvSpPr>
+          <p:cNvPr id="2" name="Title 1"/>
+          <p:cNvSpPr>
+            <a:spLocks noGrp="1"/>
+          </p:cNvSpPr>
+          <p:nvPr>
+            <p:ph type="title"/>
+          </p:nvPr>
+        </p:nvSpPr>
+        <p:spPr/>
+        <p:txBody>
+          <a:bodyPr/>
+          <a:lstStyle/>
+          <a:p>
+            <a:r>
+              <a:rPr lang="en-US" dirty="0" smtClean="0"/>
+              <a:t>MAIN STATISTICAL FINDINGS</a:t>
+            </a:r>
+            <a:endParaRPr lang="en-US" dirty="0"/>
+          </a:p>
+        </p:txBody>
+      </p:sp>
+      <p:sp>
+        <p:nvSpPr>
+          <p:cNvPr id="3" name="Content Placeholder 2"/>
+          <p:cNvSpPr>
+            <a:spLocks noGrp="1"/>
+          </p:cNvSpPr>
+          <p:nvPr>
+            <p:ph idx="1"/>
+          </p:nvPr>
+        </p:nvSpPr>
+        <p:spPr>
+          <a:xfrm>
+            <a:off x="498473" y="1289401"/>
+            <a:ext cx="7556313" cy="5318777"/>
+          </a:xfrm>
+        </p:spPr>
+        <p:txBody>
+          <a:bodyPr>
+            <a:normAutofit/>
+          </a:bodyPr>
+          <a:lstStyle/>
+          <a:p>
+            <a:r>
+              <a:rPr lang="en-US" dirty="0" smtClean="0"/>
+              <a:t>Time One:</a:t>
+            </a:r>
+          </a:p>
+          <a:p>
+            <a:pPr lvl="1"/>
+            <a:r>
+              <a:rPr lang="en-US" dirty="0" smtClean="0"/>
+              <a:t>Mean: </a:t>
+            </a:r>
+            <a:r>
+              <a:rPr lang="en-US" dirty="0"/>
+              <a:t> 7.01 </a:t>
+            </a:r>
+            <a:endParaRPr lang="en-US" dirty="0" smtClean="0"/>
+          </a:p>
+          <a:p>
+            <a:pPr lvl="1"/>
+            <a:r>
+              <a:rPr lang="en-US" dirty="0" smtClean="0"/>
+              <a:t>Std. Deviation: </a:t>
+            </a:r>
+            <a:r>
+              <a:rPr lang="en-US" dirty="0" smtClean="0"/>
+              <a:t>3.80</a:t>
+            </a:r>
+            <a:br>
+              <a:rPr lang="en-US" dirty="0" smtClean="0"/>
+            </a:br>
+            <a:endParaRPr lang="en-US" dirty="0"/>
+          </a:p>
+          <a:p>
+            <a:pPr lvl="1"/>
+            <a:r>
+              <a:rPr lang="en-US" dirty="0"/>
+              <a:t>T-Test </a:t>
+            </a:r>
+            <a:r>
+              <a:rPr lang="en-US" dirty="0" smtClean="0"/>
+              <a:t>Paired</a:t>
+            </a:r>
+          </a:p>
+          <a:p>
+            <a:pPr lvl="2"/>
+            <a:r>
+              <a:rPr lang="en-US" dirty="0" smtClean="0"/>
+              <a:t>P-Val = </a:t>
+            </a:r>
+            <a:r>
+              <a:rPr lang="en-US" dirty="0">
+                <a:solidFill>
+                  <a:srgbClr val="FF0000"/>
+                </a:solidFill>
+              </a:rPr>
+              <a:t>0.002617914</a:t>
+            </a:r>
+            <a:r>
+              <a:rPr lang="en-US" dirty="0">
+                <a:solidFill>
+                  <a:srgbClr val="FF0000"/>
+                </a:solidFill>
+              </a:rPr>
+              <a:t> </a:t>
+            </a:r>
+            <a:endParaRPr lang="en-US" dirty="0" smtClean="0">
+              <a:solidFill>
+                <a:srgbClr val="FF0000"/>
+              </a:solidFill>
+            </a:endParaRPr>
+          </a:p>
+          <a:p>
+            <a:pPr lvl="1"/>
+            <a:r>
+              <a:rPr lang="en-US" dirty="0"/>
+              <a:t>T-Test Between Tech Prowess &amp; Time 1</a:t>
+            </a:r>
+            <a:r>
+              <a:rPr lang="en-US" dirty="0"/>
+              <a:t> </a:t>
+            </a:r>
+            <a:endParaRPr lang="en-US" dirty="0" smtClean="0"/>
+          </a:p>
+          <a:p>
+            <a:pPr lvl="2"/>
+            <a:r>
+              <a:rPr lang="en-US" dirty="0" smtClean="0"/>
+              <a:t>P-Val = </a:t>
+            </a:r>
+            <a:r>
+              <a:rPr lang="en-US" dirty="0" smtClean="0">
+                <a:solidFill>
+                  <a:schemeClr val="accent5">
+                    <a:lumMod val="75000"/>
+                  </a:schemeClr>
+                </a:solidFill>
+              </a:rPr>
+              <a:t>0.555574847 </a:t>
+            </a:r>
+          </a:p>
+          <a:p>
+            <a:pPr lvl="1"/>
+            <a:r>
+              <a:rPr lang="en-US" dirty="0" smtClean="0"/>
+              <a:t>T-Test Between Tech Prowess &amp; Time 2</a:t>
+            </a:r>
+          </a:p>
+          <a:p>
+            <a:pPr lvl="2"/>
+            <a:r>
+              <a:rPr lang="en-US" dirty="0" smtClean="0"/>
+              <a:t>P-Val = </a:t>
+            </a:r>
+            <a:r>
+              <a:rPr lang="en-US" dirty="0">
+                <a:solidFill>
+                  <a:schemeClr val="accent5">
+                    <a:lumMod val="75000"/>
+                  </a:schemeClr>
+                </a:solidFill>
+              </a:rPr>
+              <a:t>0.526053209</a:t>
+            </a:r>
+            <a:r>
+              <a:rPr lang="en-US" dirty="0">
+                <a:solidFill>
+                  <a:schemeClr val="accent5">
+                    <a:lumMod val="75000"/>
+                  </a:schemeClr>
+                </a:solidFill>
+              </a:rPr>
+              <a:t> </a:t>
+            </a:r>
+            <a:endParaRPr lang="en-US" dirty="0" smtClean="0">
+              <a:solidFill>
+                <a:schemeClr val="accent5">
+                  <a:lumMod val="75000"/>
+                </a:schemeClr>
+              </a:solidFill>
+            </a:endParaRPr>
+          </a:p>
+          <a:p>
+            <a:pPr lvl="1"/>
+            <a:r>
+              <a:rPr lang="en-US" dirty="0"/>
+              <a:t>T-Test Between Hours &amp; Time </a:t>
+            </a:r>
+            <a:r>
+              <a:rPr lang="en-US" dirty="0" smtClean="0"/>
+              <a:t>1</a:t>
+            </a:r>
+          </a:p>
+          <a:p>
+            <a:pPr lvl="2"/>
+            <a:r>
+              <a:rPr lang="en-US" dirty="0" smtClean="0"/>
+              <a:t>P-Val = </a:t>
+            </a:r>
+            <a:r>
+              <a:rPr lang="en-US" dirty="0">
+                <a:solidFill>
+                  <a:schemeClr val="accent6">
+                    <a:lumMod val="75000"/>
+                  </a:schemeClr>
+                </a:solidFill>
+              </a:rPr>
+              <a:t>0.077480003</a:t>
+            </a:r>
+            <a:r>
+              <a:rPr lang="en-US" dirty="0">
+                <a:solidFill>
+                  <a:schemeClr val="accent6">
+                    <a:lumMod val="75000"/>
+                  </a:schemeClr>
+                </a:solidFill>
+              </a:rPr>
+              <a:t> </a:t>
+            </a:r>
+            <a:endParaRPr lang="en-US" dirty="0" smtClean="0">
+              <a:solidFill>
+                <a:schemeClr val="accent6">
+                  <a:lumMod val="75000"/>
+                </a:schemeClr>
+              </a:solidFill>
+            </a:endParaRPr>
+          </a:p>
+          <a:p>
+            <a:pPr lvl="1"/>
+            <a:r>
+              <a:rPr lang="en-US" dirty="0"/>
+              <a:t>T-Test Between Hours &amp; Time </a:t>
+            </a:r>
+            <a:r>
+              <a:rPr lang="en-US" dirty="0" smtClean="0"/>
+              <a:t>2</a:t>
+            </a:r>
+          </a:p>
+          <a:p>
+            <a:pPr lvl="2"/>
+            <a:r>
+              <a:rPr lang="en-US" dirty="0" smtClean="0"/>
+              <a:t>P-Val = </a:t>
+            </a:r>
+            <a:r>
+              <a:rPr lang="en-US" dirty="0">
+                <a:solidFill>
+                  <a:srgbClr val="FF0000"/>
+                </a:solidFill>
+              </a:rPr>
+              <a:t>0.002584236</a:t>
+            </a:r>
+            <a:r>
+              <a:rPr lang="en-US" dirty="0">
+                <a:solidFill>
+                  <a:srgbClr val="FF0000"/>
+                </a:solidFill>
+              </a:rPr>
+              <a:t> </a:t>
+            </a:r>
+            <a:endParaRPr lang="en-US" dirty="0" smtClean="0">
+              <a:solidFill>
+                <a:srgbClr val="FF0000"/>
+              </a:solidFill>
+            </a:endParaRPr>
+          </a:p>
+          <a:p>
+            <a:pPr lvl="2"/>
+            <a:endParaRPr lang="en-US" dirty="0" smtClean="0"/>
+          </a:p>
+        </p:txBody>
+      </p:sp>
+      <p:sp>
+        <p:nvSpPr>
+          <p:cNvPr id="4" name="Content Placeholder 2"/>
+          <p:cNvSpPr txBox="1">
+            <a:spLocks/>
+          </p:cNvSpPr>
+          <p:nvPr/>
+        </p:nvSpPr>
+        <p:spPr>
+          <a:xfrm>
+            <a:off x="4112813" y="1312863"/>
+            <a:ext cx="2757167" cy="4836762"/>
+          </a:xfrm>
+          <a:prstGeom prst="rect">
+            <a:avLst/>
+          </a:prstGeom>
+        </p:spPr>
+        <p:txBody>
+          <a:bodyPr vert="horz" lIns="91440" tIns="45720" rIns="91440" bIns="45720" rtlCol="0">
+            <a:normAutofit/>
+          </a:bodyPr>
+          <a:lstStyle>
+            <a:lvl1pPr marL="228600" indent="-228600" algn="l" defTabSz="914400" rtl="0" eaLnBrk="1" latinLnBrk="0" hangingPunct="1">
+              <a:spcBef>
+                <a:spcPts val="2000"/>
+              </a:spcBef>
+              <a:buClr>
+                <a:schemeClr val="accent1"/>
+              </a:buClr>
+              <a:buSzPct val="75000"/>
+              <a:buFont typeface="Wingdings" pitchFamily="2" charset="2"/>
+              <a:buChar char="n"/>
+              <a:defRPr sz="2000" kern="1200">
+                <a:solidFill>
+                  <a:schemeClr val="tx1">
+                    <a:lumMod val="65000"/>
+                    <a:lumOff val="35000"/>
+                  </a:schemeClr>
+                </a:solidFill>
+                <a:latin typeface="+mn-lt"/>
+                <a:ea typeface="+mn-ea"/>
+                <a:cs typeface="+mn-cs"/>
+              </a:defRPr>
+            </a:lvl1pPr>
+            <a:lvl2pPr marL="457200" indent="-228600" algn="l" defTabSz="914400" rtl="0" eaLnBrk="1" latinLnBrk="0" hangingPunct="1">
+              <a:spcBef>
+                <a:spcPts val="600"/>
+              </a:spcBef>
+              <a:buClr>
+                <a:schemeClr val="accent1">
+                  <a:lumMod val="60000"/>
+                  <a:lumOff val="40000"/>
+                </a:schemeClr>
+              </a:buClr>
+              <a:buSzPct val="75000"/>
+              <a:buFont typeface="Wingdings" pitchFamily="2" charset="2"/>
+              <a:buChar char="n"/>
+              <a:defRPr sz="1800" kern="1200">
+                <a:solidFill>
+                  <a:schemeClr val="tx1">
+                    <a:lumMod val="65000"/>
+                    <a:lumOff val="35000"/>
+                  </a:schemeClr>
+                </a:solidFill>
+                <a:latin typeface="+mn-lt"/>
+                <a:ea typeface="+mn-ea"/>
+                <a:cs typeface="+mn-cs"/>
+              </a:defRPr>
+            </a:lvl2pPr>
+            <a:lvl3pPr marL="685800" indent="-228600" algn="l" defTabSz="914400" rtl="0" eaLnBrk="1" latinLnBrk="0" hangingPunct="1">
+              <a:spcBef>
+                <a:spcPts val="600"/>
+              </a:spcBef>
+              <a:buClr>
+                <a:schemeClr val="accent1"/>
+              </a:buClr>
+              <a:buSzPct val="75000"/>
+              <a:buFont typeface="Wingdings" pitchFamily="2" charset="2"/>
+              <a:buChar char="n"/>
+              <a:defRPr sz="1800" kern="1200">
+                <a:solidFill>
+                  <a:schemeClr val="tx1">
+                    <a:lumMod val="65000"/>
+                    <a:lumOff val="35000"/>
+                  </a:schemeClr>
+                </a:solidFill>
+                <a:latin typeface="+mn-lt"/>
+                <a:ea typeface="+mn-ea"/>
+                <a:cs typeface="+mn-cs"/>
+              </a:defRPr>
+            </a:lvl3pPr>
+            <a:lvl4pPr marL="914400" indent="-228600" algn="l" defTabSz="914400" rtl="0" eaLnBrk="1" latinLnBrk="0" hangingPunct="1">
+              <a:spcBef>
+                <a:spcPts val="600"/>
+              </a:spcBef>
+              <a:buClr>
+                <a:schemeClr val="accent1">
+                  <a:lumMod val="60000"/>
+                  <a:lumOff val="40000"/>
+                </a:schemeClr>
+              </a:buClr>
+              <a:buSzPct val="75000"/>
+              <a:buFont typeface="Wingdings" pitchFamily="2" charset="2"/>
+              <a:buChar char="n"/>
+              <a:defRPr sz="1800" kern="1200">
+                <a:solidFill>
+                  <a:schemeClr val="tx1">
+                    <a:lumMod val="65000"/>
+                    <a:lumOff val="35000"/>
+                  </a:schemeClr>
+                </a:solidFill>
+                <a:latin typeface="+mn-lt"/>
+                <a:ea typeface="+mn-ea"/>
+                <a:cs typeface="+mn-cs"/>
+              </a:defRPr>
+            </a:lvl4pPr>
+            <a:lvl5pPr marL="1143000" indent="-228600" algn="l" defTabSz="914400" rtl="0" eaLnBrk="1" latinLnBrk="0" hangingPunct="1">
+              <a:spcBef>
+                <a:spcPts val="600"/>
+              </a:spcBef>
+              <a:buClr>
+                <a:schemeClr val="accent1"/>
+              </a:buClr>
+              <a:buSzPct val="75000"/>
+              <a:buFont typeface="Wingdings" pitchFamily="2" charset="2"/>
+              <a:buChar char="n"/>
+              <a:defRPr sz="1800" kern="1200">
+                <a:solidFill>
+                  <a:schemeClr val="tx1">
+                    <a:lumMod val="65000"/>
+                    <a:lumOff val="35000"/>
+                  </a:schemeClr>
+                </a:solidFill>
+                <a:latin typeface="+mn-lt"/>
+                <a:ea typeface="+mn-ea"/>
+                <a:cs typeface="+mn-cs"/>
+              </a:defRPr>
+            </a:lvl5pPr>
+            <a:lvl6pPr marL="1377950" indent="-228600" algn="l" defTabSz="914400" rtl="0" eaLnBrk="1" latinLnBrk="0" hangingPunct="1">
+              <a:spcBef>
+                <a:spcPct val="20000"/>
+              </a:spcBef>
+              <a:buClr>
+                <a:schemeClr val="accent1">
+                  <a:lumMod val="60000"/>
+                  <a:lumOff val="40000"/>
+                </a:schemeClr>
+              </a:buClr>
+              <a:buSzPct val="75000"/>
+              <a:buFont typeface="Wingdings" pitchFamily="2" charset="2"/>
+              <a:buChar char=""/>
+              <a:defRPr lang="en-US" sz="1800" kern="1200" dirty="0" smtClean="0">
+                <a:solidFill>
+                  <a:schemeClr val="tx1">
+                    <a:lumMod val="65000"/>
+                    <a:lumOff val="35000"/>
+                  </a:schemeClr>
+                </a:solidFill>
+                <a:latin typeface="+mn-lt"/>
+                <a:ea typeface="+mn-ea"/>
+                <a:cs typeface="+mn-cs"/>
+              </a:defRPr>
+            </a:lvl6pPr>
+            <a:lvl7pPr marL="1603375" indent="-228600" algn="l" defTabSz="914400" rtl="0" eaLnBrk="1" latinLnBrk="0" hangingPunct="1">
+              <a:spcBef>
+                <a:spcPct val="20000"/>
+              </a:spcBef>
+              <a:buClr>
+                <a:schemeClr val="accent1"/>
+              </a:buClr>
+              <a:buSzPct val="75000"/>
+              <a:buFont typeface="Wingdings" pitchFamily="2" charset="2"/>
+              <a:buChar char=""/>
+              <a:defRPr lang="en-US" sz="1800" kern="1200" baseline="0" dirty="0" smtClean="0">
+                <a:solidFill>
+                  <a:schemeClr val="tx1">
+                    <a:lumMod val="65000"/>
+                    <a:lumOff val="35000"/>
+                  </a:schemeClr>
+                </a:solidFill>
+                <a:latin typeface="+mn-lt"/>
+                <a:ea typeface="+mn-ea"/>
+                <a:cs typeface="+mn-cs"/>
+              </a:defRPr>
+            </a:lvl7pPr>
+            <a:lvl8pPr marL="1830388" indent="-228600" algn="l" defTabSz="914400" rtl="0" eaLnBrk="1" latinLnBrk="0" hangingPunct="1">
+              <a:spcBef>
+                <a:spcPct val="20000"/>
+              </a:spcBef>
+              <a:buClr>
+                <a:schemeClr val="accent1">
+                  <a:lumMod val="60000"/>
+                  <a:lumOff val="40000"/>
+                </a:schemeClr>
+              </a:buClr>
+              <a:buSzPct val="75000"/>
+              <a:buFont typeface="Wingdings" pitchFamily="2" charset="2"/>
+              <a:buChar char=""/>
+              <a:defRPr lang="en-US" sz="1800" kern="1200" baseline="0" dirty="0" smtClean="0">
+                <a:solidFill>
+                  <a:schemeClr val="tx1">
+                    <a:lumMod val="65000"/>
+                    <a:lumOff val="35000"/>
+                  </a:schemeClr>
+                </a:solidFill>
+                <a:latin typeface="+mn-lt"/>
+                <a:ea typeface="+mn-ea"/>
+                <a:cs typeface="+mn-cs"/>
+              </a:defRPr>
+            </a:lvl8pPr>
+            <a:lvl9pPr marL="2057400" indent="-228600" algn="l" defTabSz="914400" rtl="0" eaLnBrk="1" latinLnBrk="0" hangingPunct="1">
+              <a:spcBef>
+                <a:spcPct val="20000"/>
+              </a:spcBef>
+              <a:buClr>
+                <a:schemeClr val="accent1"/>
+              </a:buClr>
+              <a:buSzPct val="75000"/>
+              <a:buFont typeface="Wingdings" pitchFamily="2" charset="2"/>
+              <a:buChar char=""/>
+              <a:defRPr lang="en-US" sz="1800" kern="1200" baseline="0" dirty="0">
+                <a:solidFill>
+                  <a:schemeClr val="tx1">
+                    <a:lumMod val="65000"/>
+                    <a:lumOff val="35000"/>
+                  </a:schemeClr>
+                </a:solidFill>
+                <a:latin typeface="+mn-lt"/>
+                <a:ea typeface="+mn-ea"/>
+                <a:cs typeface="+mn-cs"/>
+              </a:defRPr>
+            </a:lvl9pPr>
+          </a:lstStyle>
+          <a:p>
+            <a:r>
+              <a:rPr lang="en-US" dirty="0" smtClean="0"/>
+              <a:t>Time Two:</a:t>
+            </a:r>
+          </a:p>
+          <a:p>
+            <a:pPr lvl="1"/>
+            <a:r>
+              <a:rPr lang="en-US" dirty="0" smtClean="0"/>
+              <a:t>Mean:  3.88 </a:t>
+            </a:r>
+          </a:p>
+          <a:p>
+            <a:pPr lvl="1"/>
+            <a:r>
+              <a:rPr lang="en-US" dirty="0" smtClean="0"/>
+              <a:t>Std. Deviation: 1.71</a:t>
+            </a:r>
+            <a:endParaRPr lang="en-US" dirty="0" smtClean="0"/>
+          </a:p>
+        </p:txBody>
+      </p:sp>
+    </p:spTree>
+    <p:extLst>
+      <p:ext uri="{BB962C8B-B14F-4D97-AF65-F5344CB8AC3E}">
+        <p14:creationId xmlns:p14="http://schemas.microsoft.com/office/powerpoint/2010/main" val="3520418265"/>
+      </p:ext>
+    </p:extLst>
+  </p:cSld>
+  <p:clrMapOvr>
+    <a:masterClrMapping/>
+  </p:clrMapOvr>
+</p:sld>
+</file>
+
+<file path=ppt/slides/slide34.xml><?xml version="1.0" encoding="utf-8"?>
+<p:sld xmlns:a="http://schemas.openxmlformats.org/drawingml/2006/main" xmlns:r="http://schemas.openxmlformats.org/officeDocument/2006/relationships" xmlns:p="http://schemas.openxmlformats.org/presentationml/2006/main">
+  <p:cSld>
+    <p:spTree>
+      <p:nvGrpSpPr>
+        <p:cNvPr id="1" name=""/>
+        <p:cNvGrpSpPr/>
+        <p:nvPr/>
+      </p:nvGrpSpPr>
+      <p:grpSpPr>
+        <a:xfrm>
+          <a:off x="0" y="0"/>
+          <a:ext cx="0" cy="0"/>
+          <a:chOff x="0" y="0"/>
+          <a:chExt cx="0" cy="0"/>
+        </a:xfrm>
+      </p:grpSpPr>
+      <p:sp>
+        <p:nvSpPr>
+          <p:cNvPr id="2" name="Title 1"/>
+          <p:cNvSpPr>
+            <a:spLocks noGrp="1"/>
+          </p:cNvSpPr>
+          <p:nvPr>
+            <p:ph type="title"/>
+          </p:nvPr>
+        </p:nvSpPr>
+        <p:spPr/>
+        <p:txBody>
+          <a:bodyPr/>
+          <a:lstStyle/>
+          <a:p>
+            <a:r>
+              <a:rPr lang="en-US" dirty="0" smtClean="0"/>
               <a:t>CONCLUSION</a:t>
             </a:r>
             <a:endParaRPr lang="en-US" dirty="0"/>
@@ -12473,6 +14171,55 @@
           <a:bodyPr/>
           <a:lstStyle/>
           <a:p>
+            <a:r>
+              <a:rPr lang="en-US" dirty="0" smtClean="0"/>
+              <a:t>We believe if our participants are representative of the </a:t>
+            </a:r>
+            <a:r>
+              <a:rPr lang="en-US" dirty="0" err="1" smtClean="0"/>
+              <a:t>Glenrose</a:t>
+            </a:r>
+            <a:r>
+              <a:rPr lang="en-US" dirty="0" smtClean="0"/>
+              <a:t> Hospital’s therapists:</a:t>
+            </a:r>
+          </a:p>
+          <a:p>
+            <a:pPr lvl="1"/>
+            <a:r>
+              <a:rPr lang="en-US" dirty="0" smtClean="0"/>
+              <a:t>Therapists will need a 10-15 minute tutorial/training session.</a:t>
+            </a:r>
+          </a:p>
+          <a:p>
+            <a:pPr lvl="1"/>
+            <a:r>
+              <a:rPr lang="en-US" dirty="0" smtClean="0"/>
+              <a:t>Therapists will need to read complete in game help.</a:t>
+            </a:r>
+          </a:p>
+          <a:p>
+            <a:pPr lvl="1"/>
+            <a:r>
+              <a:rPr lang="en-US" dirty="0" smtClean="0"/>
+              <a:t>Updates and Fixes may be necessary to lower training required.</a:t>
+            </a:r>
+            <a:endParaRPr lang="en-US" dirty="0" smtClean="0"/>
+          </a:p>
+          <a:p>
+            <a:pPr lvl="1"/>
+            <a:r>
+              <a:rPr lang="en-US" dirty="0" smtClean="0"/>
+              <a:t>The application is capable of being used with patients, and </a:t>
+            </a:r>
+            <a:r>
+              <a:rPr lang="en-US" dirty="0" smtClean="0"/>
+              <a:t>should  meet</a:t>
+            </a:r>
+            <a:r>
+              <a:rPr lang="en-US" dirty="0" smtClean="0"/>
+              <a:t> acceptable quality for therapists.</a:t>
+            </a:r>
             <a:endParaRPr lang="en-US" dirty="0"/>
           </a:p>
         </p:txBody>
@@ -12585,11 +14332,7 @@
           <a:p>
             <a:r>
               <a:rPr lang="en-US" dirty="0" smtClean="0"/>
-              <a:t>“</a:t>
-            </a:r>
-            <a:r>
-              <a:rPr lang="en-US" dirty="0" smtClean="0"/>
-              <a:t>Strategies </a:t>
+              <a:t>“Strategies </a:t>
             </a:r>
             <a:r>
               <a:rPr lang="en-US" dirty="0"/>

--- a/Documentation/CMPUT302_Pres.pptx
+++ b/Documentation/CMPUT302_Pres.pptx
@@ -4,6 +4,9 @@
   <p:sldMasterIdLst>
     <p:sldMasterId id="2147483660" r:id="rId1"/>
   </p:sldMasterIdLst>
+  <p:notesMasterIdLst>
+    <p:notesMasterId r:id="rId36"/>
+  </p:notesMasterIdLst>
   <p:sldIdLst>
     <p:sldId id="256" r:id="rId2"/>
     <p:sldId id="258" r:id="rId3"/>
@@ -138,6 +141,724 @@
     </a:lvl9pPr>
   </p:defaultTextStyle>
 </p:presentation>
+</file>
+
+<file path=ppt/notesMasters/notesMaster1.xml><?xml version="1.0" encoding="utf-8"?>
+<p:notesMaster xmlns:a="http://schemas.openxmlformats.org/drawingml/2006/main" xmlns:r="http://schemas.openxmlformats.org/officeDocument/2006/relationships" xmlns:p="http://schemas.openxmlformats.org/presentationml/2006/main">
+  <p:cSld>
+    <p:bg>
+      <p:bgRef idx="1001">
+        <a:schemeClr val="bg1"/>
+      </p:bgRef>
+    </p:bg>
+    <p:spTree>
+      <p:nvGrpSpPr>
+        <p:cNvPr id="1" name=""/>
+        <p:cNvGrpSpPr/>
+        <p:nvPr/>
+      </p:nvGrpSpPr>
+      <p:grpSpPr>
+        <a:xfrm>
+          <a:off x="0" y="0"/>
+          <a:ext cx="0" cy="0"/>
+          <a:chOff x="0" y="0"/>
+          <a:chExt cx="0" cy="0"/>
+        </a:xfrm>
+      </p:grpSpPr>
+      <p:sp>
+        <p:nvSpPr>
+          <p:cNvPr id="2" name="Header Placeholder 1"/>
+          <p:cNvSpPr>
+            <a:spLocks noGrp="1"/>
+          </p:cNvSpPr>
+          <p:nvPr>
+            <p:ph type="hdr" sz="quarter"/>
+          </p:nvPr>
+        </p:nvSpPr>
+        <p:spPr>
+          <a:xfrm>
+            <a:off x="0" y="0"/>
+            <a:ext cx="2971800" cy="457200"/>
+          </a:xfrm>
+          <a:prstGeom prst="rect">
+            <a:avLst/>
+          </a:prstGeom>
+        </p:spPr>
+        <p:txBody>
+          <a:bodyPr vert="horz" lIns="91440" tIns="45720" rIns="91440" bIns="45720" rtlCol="0"/>
+          <a:lstStyle>
+            <a:lvl1pPr algn="l">
+              <a:defRPr sz="1200"/>
+            </a:lvl1pPr>
+          </a:lstStyle>
+          <a:p>
+            <a:endParaRPr lang="en-US"/>
+          </a:p>
+        </p:txBody>
+      </p:sp>
+      <p:sp>
+        <p:nvSpPr>
+          <p:cNvPr id="3" name="Date Placeholder 2"/>
+          <p:cNvSpPr>
+            <a:spLocks noGrp="1"/>
+          </p:cNvSpPr>
+          <p:nvPr>
+            <p:ph type="dt" idx="1"/>
+          </p:nvPr>
+        </p:nvSpPr>
+        <p:spPr>
+          <a:xfrm>
+            <a:off x="3884613" y="0"/>
+            <a:ext cx="2971800" cy="457200"/>
+          </a:xfrm>
+          <a:prstGeom prst="rect">
+            <a:avLst/>
+          </a:prstGeom>
+        </p:spPr>
+        <p:txBody>
+          <a:bodyPr vert="horz" lIns="91440" tIns="45720" rIns="91440" bIns="45720" rtlCol="0"/>
+          <a:lstStyle>
+            <a:lvl1pPr algn="r">
+              <a:defRPr sz="1200"/>
+            </a:lvl1pPr>
+          </a:lstStyle>
+          <a:p>
+            <a:fld id="{BE495B92-5A92-2B45-95C1-9392CD5EE80B}" type="datetimeFigureOut">
+              <a:rPr lang="en-US" smtClean="0"/>
+              <a:t>2013-04-07</a:t>
+            </a:fld>
+            <a:endParaRPr lang="en-US"/>
+          </a:p>
+        </p:txBody>
+      </p:sp>
+      <p:sp>
+        <p:nvSpPr>
+          <p:cNvPr id="4" name="Slide Image Placeholder 3"/>
+          <p:cNvSpPr>
+            <a:spLocks noGrp="1" noRot="1" noChangeAspect="1"/>
+          </p:cNvSpPr>
+          <p:nvPr>
+            <p:ph type="sldImg" idx="2"/>
+          </p:nvPr>
+        </p:nvSpPr>
+        <p:spPr>
+          <a:xfrm>
+            <a:off x="1143000" y="685800"/>
+            <a:ext cx="4572000" cy="3429000"/>
+          </a:xfrm>
+          <a:prstGeom prst="rect">
+            <a:avLst/>
+          </a:prstGeom>
+          <a:noFill/>
+          <a:ln w="12700">
+            <a:solidFill>
+              <a:prstClr val="black"/>
+            </a:solidFill>
+          </a:ln>
+        </p:spPr>
+        <p:txBody>
+          <a:bodyPr vert="horz" lIns="91440" tIns="45720" rIns="91440" bIns="45720" rtlCol="0" anchor="ctr"/>
+          <a:lstStyle/>
+          <a:p>
+            <a:endParaRPr lang="en-US"/>
+          </a:p>
+        </p:txBody>
+      </p:sp>
+      <p:sp>
+        <p:nvSpPr>
+          <p:cNvPr id="5" name="Notes Placeholder 4"/>
+          <p:cNvSpPr>
+            <a:spLocks noGrp="1"/>
+          </p:cNvSpPr>
+          <p:nvPr>
+            <p:ph type="body" sz="quarter" idx="3"/>
+          </p:nvPr>
+        </p:nvSpPr>
+        <p:spPr>
+          <a:xfrm>
+            <a:off x="685800" y="4343400"/>
+            <a:ext cx="5486400" cy="4114800"/>
+          </a:xfrm>
+          <a:prstGeom prst="rect">
+            <a:avLst/>
+          </a:prstGeom>
+        </p:spPr>
+        <p:txBody>
+          <a:bodyPr vert="horz" lIns="91440" tIns="45720" rIns="91440" bIns="45720" rtlCol="0"/>
+          <a:lstStyle/>
+          <a:p>
+            <a:pPr lvl="0"/>
+            <a:r>
+              <a:rPr lang="en-CA" smtClean="0"/>
+              <a:t>Click to edit Master text styles</a:t>
+            </a:r>
+          </a:p>
+          <a:p>
+            <a:pPr lvl="1"/>
+            <a:r>
+              <a:rPr lang="en-CA" smtClean="0"/>
+              <a:t>Second level</a:t>
+            </a:r>
+          </a:p>
+          <a:p>
+            <a:pPr lvl="2"/>
+            <a:r>
+              <a:rPr lang="en-CA" smtClean="0"/>
+              <a:t>Third level</a:t>
+            </a:r>
+          </a:p>
+          <a:p>
+            <a:pPr lvl="3"/>
+            <a:r>
+              <a:rPr lang="en-CA" smtClean="0"/>
+              <a:t>Fourth level</a:t>
+            </a:r>
+          </a:p>
+          <a:p>
+            <a:pPr lvl="4"/>
+            <a:r>
+              <a:rPr lang="en-CA" smtClean="0"/>
+              <a:t>Fifth level</a:t>
+            </a:r>
+            <a:endParaRPr lang="en-US"/>
+          </a:p>
+        </p:txBody>
+      </p:sp>
+      <p:sp>
+        <p:nvSpPr>
+          <p:cNvPr id="6" name="Footer Placeholder 5"/>
+          <p:cNvSpPr>
+            <a:spLocks noGrp="1"/>
+          </p:cNvSpPr>
+          <p:nvPr>
+            <p:ph type="ftr" sz="quarter" idx="4"/>
+          </p:nvPr>
+        </p:nvSpPr>
+        <p:spPr>
+          <a:xfrm>
+            <a:off x="0" y="8685213"/>
+            <a:ext cx="2971800" cy="457200"/>
+          </a:xfrm>
+          <a:prstGeom prst="rect">
+            <a:avLst/>
+          </a:prstGeom>
+        </p:spPr>
+        <p:txBody>
+          <a:bodyPr vert="horz" lIns="91440" tIns="45720" rIns="91440" bIns="45720" rtlCol="0" anchor="b"/>
+          <a:lstStyle>
+            <a:lvl1pPr algn="l">
+              <a:defRPr sz="1200"/>
+            </a:lvl1pPr>
+          </a:lstStyle>
+          <a:p>
+            <a:endParaRPr lang="en-US"/>
+          </a:p>
+        </p:txBody>
+      </p:sp>
+      <p:sp>
+        <p:nvSpPr>
+          <p:cNvPr id="7" name="Slide Number Placeholder 6"/>
+          <p:cNvSpPr>
+            <a:spLocks noGrp="1"/>
+          </p:cNvSpPr>
+          <p:nvPr>
+            <p:ph type="sldNum" sz="quarter" idx="5"/>
+          </p:nvPr>
+        </p:nvSpPr>
+        <p:spPr>
+          <a:xfrm>
+            <a:off x="3884613" y="8685213"/>
+            <a:ext cx="2971800" cy="457200"/>
+          </a:xfrm>
+          <a:prstGeom prst="rect">
+            <a:avLst/>
+          </a:prstGeom>
+        </p:spPr>
+        <p:txBody>
+          <a:bodyPr vert="horz" lIns="91440" tIns="45720" rIns="91440" bIns="45720" rtlCol="0" anchor="b"/>
+          <a:lstStyle>
+            <a:lvl1pPr algn="r">
+              <a:defRPr sz="1200"/>
+            </a:lvl1pPr>
+          </a:lstStyle>
+          <a:p>
+            <a:fld id="{71BA519F-B3C0-7B42-8495-EE9650605CE2}" type="slidenum">
+              <a:rPr lang="en-US" smtClean="0"/>
+              <a:t>‹#›</a:t>
+            </a:fld>
+            <a:endParaRPr lang="en-US"/>
+          </a:p>
+        </p:txBody>
+      </p:sp>
+    </p:spTree>
+    <p:extLst>
+      <p:ext uri="{BB962C8B-B14F-4D97-AF65-F5344CB8AC3E}">
+        <p14:creationId xmlns:p14="http://schemas.microsoft.com/office/powerpoint/2010/main" val="671938272"/>
+      </p:ext>
+    </p:extLst>
+  </p:cSld>
+  <p:clrMap bg1="lt1" tx1="dk1" bg2="lt2" tx2="dk2" accent1="accent1" accent2="accent2" accent3="accent3" accent4="accent4" accent5="accent5" accent6="accent6" hlink="hlink" folHlink="folHlink"/>
+  <p:notesStyle>
+    <a:lvl1pPr marL="0" algn="l" defTabSz="457200" rtl="0" eaLnBrk="1" latinLnBrk="0" hangingPunct="1">
+      <a:defRPr sz="1200" kern="1200">
+        <a:solidFill>
+          <a:schemeClr val="tx1"/>
+        </a:solidFill>
+        <a:latin typeface="+mn-lt"/>
+        <a:ea typeface="+mn-ea"/>
+        <a:cs typeface="+mn-cs"/>
+      </a:defRPr>
+    </a:lvl1pPr>
+    <a:lvl2pPr marL="457200" algn="l" defTabSz="457200" rtl="0" eaLnBrk="1" latinLnBrk="0" hangingPunct="1">
+      <a:defRPr sz="1200" kern="1200">
+        <a:solidFill>
+          <a:schemeClr val="tx1"/>
+        </a:solidFill>
+        <a:latin typeface="+mn-lt"/>
+        <a:ea typeface="+mn-ea"/>
+        <a:cs typeface="+mn-cs"/>
+      </a:defRPr>
+    </a:lvl2pPr>
+    <a:lvl3pPr marL="914400" algn="l" defTabSz="457200" rtl="0" eaLnBrk="1" latinLnBrk="0" hangingPunct="1">
+      <a:defRPr sz="1200" kern="1200">
+        <a:solidFill>
+          <a:schemeClr val="tx1"/>
+        </a:solidFill>
+        <a:latin typeface="+mn-lt"/>
+        <a:ea typeface="+mn-ea"/>
+        <a:cs typeface="+mn-cs"/>
+      </a:defRPr>
+    </a:lvl3pPr>
+    <a:lvl4pPr marL="1371600" algn="l" defTabSz="457200" rtl="0" eaLnBrk="1" latinLnBrk="0" hangingPunct="1">
+      <a:defRPr sz="1200" kern="1200">
+        <a:solidFill>
+          <a:schemeClr val="tx1"/>
+        </a:solidFill>
+        <a:latin typeface="+mn-lt"/>
+        <a:ea typeface="+mn-ea"/>
+        <a:cs typeface="+mn-cs"/>
+      </a:defRPr>
+    </a:lvl4pPr>
+    <a:lvl5pPr marL="1828800" algn="l" defTabSz="457200" rtl="0" eaLnBrk="1" latinLnBrk="0" hangingPunct="1">
+      <a:defRPr sz="1200" kern="1200">
+        <a:solidFill>
+          <a:schemeClr val="tx1"/>
+        </a:solidFill>
+        <a:latin typeface="+mn-lt"/>
+        <a:ea typeface="+mn-ea"/>
+        <a:cs typeface="+mn-cs"/>
+      </a:defRPr>
+    </a:lvl5pPr>
+    <a:lvl6pPr marL="2286000" algn="l" defTabSz="457200" rtl="0" eaLnBrk="1" latinLnBrk="0" hangingPunct="1">
+      <a:defRPr sz="1200" kern="1200">
+        <a:solidFill>
+          <a:schemeClr val="tx1"/>
+        </a:solidFill>
+        <a:latin typeface="+mn-lt"/>
+        <a:ea typeface="+mn-ea"/>
+        <a:cs typeface="+mn-cs"/>
+      </a:defRPr>
+    </a:lvl6pPr>
+    <a:lvl7pPr marL="2743200" algn="l" defTabSz="457200" rtl="0" eaLnBrk="1" latinLnBrk="0" hangingPunct="1">
+      <a:defRPr sz="1200" kern="1200">
+        <a:solidFill>
+          <a:schemeClr val="tx1"/>
+        </a:solidFill>
+        <a:latin typeface="+mn-lt"/>
+        <a:ea typeface="+mn-ea"/>
+        <a:cs typeface="+mn-cs"/>
+      </a:defRPr>
+    </a:lvl7pPr>
+    <a:lvl8pPr marL="3200400" algn="l" defTabSz="457200" rtl="0" eaLnBrk="1" latinLnBrk="0" hangingPunct="1">
+      <a:defRPr sz="1200" kern="1200">
+        <a:solidFill>
+          <a:schemeClr val="tx1"/>
+        </a:solidFill>
+        <a:latin typeface="+mn-lt"/>
+        <a:ea typeface="+mn-ea"/>
+        <a:cs typeface="+mn-cs"/>
+      </a:defRPr>
+    </a:lvl8pPr>
+    <a:lvl9pPr marL="3657600" algn="l" defTabSz="457200" rtl="0" eaLnBrk="1" latinLnBrk="0" hangingPunct="1">
+      <a:defRPr sz="1200" kern="1200">
+        <a:solidFill>
+          <a:schemeClr val="tx1"/>
+        </a:solidFill>
+        <a:latin typeface="+mn-lt"/>
+        <a:ea typeface="+mn-ea"/>
+        <a:cs typeface="+mn-cs"/>
+      </a:defRPr>
+    </a:lvl9pPr>
+  </p:notesStyle>
+</p:notesMaster>
+</file>
+
+<file path=ppt/notesSlides/notesSlide1.xml><?xml version="1.0" encoding="utf-8"?>
+<p:notes xmlns:a="http://schemas.openxmlformats.org/drawingml/2006/main" xmlns:r="http://schemas.openxmlformats.org/officeDocument/2006/relationships" xmlns:p="http://schemas.openxmlformats.org/presentationml/2006/main">
+  <p:cSld>
+    <p:spTree>
+      <p:nvGrpSpPr>
+        <p:cNvPr id="1" name=""/>
+        <p:cNvGrpSpPr/>
+        <p:nvPr/>
+      </p:nvGrpSpPr>
+      <p:grpSpPr>
+        <a:xfrm>
+          <a:off x="0" y="0"/>
+          <a:ext cx="0" cy="0"/>
+          <a:chOff x="0" y="0"/>
+          <a:chExt cx="0" cy="0"/>
+        </a:xfrm>
+      </p:grpSpPr>
+      <p:sp>
+        <p:nvSpPr>
+          <p:cNvPr id="2" name="Slide Image Placeholder 1"/>
+          <p:cNvSpPr>
+            <a:spLocks noGrp="1" noRot="1" noChangeAspect="1"/>
+          </p:cNvSpPr>
+          <p:nvPr>
+            <p:ph type="sldImg"/>
+          </p:nvPr>
+        </p:nvSpPr>
+        <p:spPr/>
+      </p:sp>
+      <p:sp>
+        <p:nvSpPr>
+          <p:cNvPr id="3" name="Notes Placeholder 2"/>
+          <p:cNvSpPr>
+            <a:spLocks noGrp="1"/>
+          </p:cNvSpPr>
+          <p:nvPr>
+            <p:ph type="body" idx="1"/>
+          </p:nvPr>
+        </p:nvSpPr>
+        <p:spPr/>
+        <p:txBody>
+          <a:bodyPr/>
+          <a:lstStyle/>
+          <a:p>
+            <a:r>
+              <a:rPr lang="en-US" dirty="0" smtClean="0"/>
+              <a:t>Shawn,</a:t>
+            </a:r>
+            <a:r>
+              <a:rPr lang="en-US" baseline="0" dirty="0" smtClean="0"/>
+              <a:t> Aaron, Patrick, Eddie</a:t>
+            </a:r>
+            <a:endParaRPr lang="en-US" dirty="0"/>
+          </a:p>
+        </p:txBody>
+      </p:sp>
+      <p:sp>
+        <p:nvSpPr>
+          <p:cNvPr id="4" name="Slide Number Placeholder 3"/>
+          <p:cNvSpPr>
+            <a:spLocks noGrp="1"/>
+          </p:cNvSpPr>
+          <p:nvPr>
+            <p:ph type="sldNum" sz="quarter" idx="10"/>
+          </p:nvPr>
+        </p:nvSpPr>
+        <p:spPr/>
+        <p:txBody>
+          <a:bodyPr/>
+          <a:lstStyle/>
+          <a:p>
+            <a:fld id="{71BA519F-B3C0-7B42-8495-EE9650605CE2}" type="slidenum">
+              <a:rPr lang="en-US" smtClean="0"/>
+              <a:t>1</a:t>
+            </a:fld>
+            <a:endParaRPr lang="en-US"/>
+          </a:p>
+        </p:txBody>
+      </p:sp>
+    </p:spTree>
+    <p:extLst>
+      <p:ext uri="{BB962C8B-B14F-4D97-AF65-F5344CB8AC3E}">
+        <p14:creationId xmlns:p14="http://schemas.microsoft.com/office/powerpoint/2010/main" val="3213740919"/>
+      </p:ext>
+    </p:extLst>
+  </p:cSld>
+  <p:clrMapOvr>
+    <a:masterClrMapping/>
+  </p:clrMapOvr>
+</p:notes>
+</file>
+
+<file path=ppt/notesSlides/notesSlide2.xml><?xml version="1.0" encoding="utf-8"?>
+<p:notes xmlns:a="http://schemas.openxmlformats.org/drawingml/2006/main" xmlns:r="http://schemas.openxmlformats.org/officeDocument/2006/relationships" xmlns:p="http://schemas.openxmlformats.org/presentationml/2006/main">
+  <p:cSld>
+    <p:spTree>
+      <p:nvGrpSpPr>
+        <p:cNvPr id="1" name=""/>
+        <p:cNvGrpSpPr/>
+        <p:nvPr/>
+      </p:nvGrpSpPr>
+      <p:grpSpPr>
+        <a:xfrm>
+          <a:off x="0" y="0"/>
+          <a:ext cx="0" cy="0"/>
+          <a:chOff x="0" y="0"/>
+          <a:chExt cx="0" cy="0"/>
+        </a:xfrm>
+      </p:grpSpPr>
+      <p:sp>
+        <p:nvSpPr>
+          <p:cNvPr id="2" name="Slide Image Placeholder 1"/>
+          <p:cNvSpPr>
+            <a:spLocks noGrp="1" noRot="1" noChangeAspect="1"/>
+          </p:cNvSpPr>
+          <p:nvPr>
+            <p:ph type="sldImg"/>
+          </p:nvPr>
+        </p:nvSpPr>
+        <p:spPr/>
+      </p:sp>
+      <p:sp>
+        <p:nvSpPr>
+          <p:cNvPr id="3" name="Notes Placeholder 2"/>
+          <p:cNvSpPr>
+            <a:spLocks noGrp="1"/>
+          </p:cNvSpPr>
+          <p:nvPr>
+            <p:ph type="body" idx="1"/>
+          </p:nvPr>
+        </p:nvSpPr>
+        <p:spPr/>
+        <p:txBody>
+          <a:bodyPr/>
+          <a:lstStyle/>
+          <a:p>
+            <a:r>
+              <a:rPr lang="en-US" dirty="0" smtClean="0"/>
+              <a:t>Glenrose</a:t>
+            </a:r>
+            <a:r>
+              <a:rPr lang="en-US" baseline="0" dirty="0" smtClean="0"/>
+              <a:t> specializes in rehabilitation of children and adults. Emphasis on leading edge research.</a:t>
+            </a:r>
+            <a:endParaRPr lang="en-US" dirty="0"/>
+          </a:p>
+        </p:txBody>
+      </p:sp>
+      <p:sp>
+        <p:nvSpPr>
+          <p:cNvPr id="4" name="Slide Number Placeholder 3"/>
+          <p:cNvSpPr>
+            <a:spLocks noGrp="1"/>
+          </p:cNvSpPr>
+          <p:nvPr>
+            <p:ph type="sldNum" sz="quarter" idx="10"/>
+          </p:nvPr>
+        </p:nvSpPr>
+        <p:spPr/>
+        <p:txBody>
+          <a:bodyPr/>
+          <a:lstStyle/>
+          <a:p>
+            <a:fld id="{71BA519F-B3C0-7B42-8495-EE9650605CE2}" type="slidenum">
+              <a:rPr lang="en-US" smtClean="0"/>
+              <a:t>2</a:t>
+            </a:fld>
+            <a:endParaRPr lang="en-US"/>
+          </a:p>
+        </p:txBody>
+      </p:sp>
+    </p:spTree>
+    <p:extLst>
+      <p:ext uri="{BB962C8B-B14F-4D97-AF65-F5344CB8AC3E}">
+        <p14:creationId xmlns:p14="http://schemas.microsoft.com/office/powerpoint/2010/main" val="1860597835"/>
+      </p:ext>
+    </p:extLst>
+  </p:cSld>
+  <p:clrMapOvr>
+    <a:masterClrMapping/>
+  </p:clrMapOvr>
+</p:notes>
+</file>
+
+<file path=ppt/notesSlides/notesSlide3.xml><?xml version="1.0" encoding="utf-8"?>
+<p:notes xmlns:a="http://schemas.openxmlformats.org/drawingml/2006/main" xmlns:r="http://schemas.openxmlformats.org/officeDocument/2006/relationships" xmlns:p="http://schemas.openxmlformats.org/presentationml/2006/main">
+  <p:cSld>
+    <p:spTree>
+      <p:nvGrpSpPr>
+        <p:cNvPr id="1" name=""/>
+        <p:cNvGrpSpPr/>
+        <p:nvPr/>
+      </p:nvGrpSpPr>
+      <p:grpSpPr>
+        <a:xfrm>
+          <a:off x="0" y="0"/>
+          <a:ext cx="0" cy="0"/>
+          <a:chOff x="0" y="0"/>
+          <a:chExt cx="0" cy="0"/>
+        </a:xfrm>
+      </p:grpSpPr>
+      <p:sp>
+        <p:nvSpPr>
+          <p:cNvPr id="2" name="Slide Image Placeholder 1"/>
+          <p:cNvSpPr>
+            <a:spLocks noGrp="1" noRot="1" noChangeAspect="1"/>
+          </p:cNvSpPr>
+          <p:nvPr>
+            <p:ph type="sldImg"/>
+          </p:nvPr>
+        </p:nvSpPr>
+        <p:spPr/>
+      </p:sp>
+      <p:sp>
+        <p:nvSpPr>
+          <p:cNvPr id="3" name="Notes Placeholder 2"/>
+          <p:cNvSpPr>
+            <a:spLocks noGrp="1"/>
+          </p:cNvSpPr>
+          <p:nvPr>
+            <p:ph type="body" idx="1"/>
+          </p:nvPr>
+        </p:nvSpPr>
+        <p:spPr/>
+        <p:txBody>
+          <a:bodyPr/>
+          <a:lstStyle/>
+          <a:p>
+            <a:r>
+              <a:rPr lang="en-US" dirty="0" smtClean="0"/>
+              <a:t>Damage</a:t>
+            </a:r>
+            <a:r>
+              <a:rPr lang="en-US" baseline="0" dirty="0" smtClean="0"/>
+              <a:t> from strokes can affect motor coordination. Therapist trained in all aspects of anatomy with emphasis on movement.</a:t>
+            </a:r>
+            <a:endParaRPr lang="en-US" dirty="0"/>
+          </a:p>
+        </p:txBody>
+      </p:sp>
+      <p:sp>
+        <p:nvSpPr>
+          <p:cNvPr id="4" name="Slide Number Placeholder 3"/>
+          <p:cNvSpPr>
+            <a:spLocks noGrp="1"/>
+          </p:cNvSpPr>
+          <p:nvPr>
+            <p:ph type="sldNum" sz="quarter" idx="10"/>
+          </p:nvPr>
+        </p:nvSpPr>
+        <p:spPr/>
+        <p:txBody>
+          <a:bodyPr/>
+          <a:lstStyle/>
+          <a:p>
+            <a:fld id="{71BA519F-B3C0-7B42-8495-EE9650605CE2}" type="slidenum">
+              <a:rPr lang="en-US" smtClean="0"/>
+              <a:t>3</a:t>
+            </a:fld>
+            <a:endParaRPr lang="en-US"/>
+          </a:p>
+        </p:txBody>
+      </p:sp>
+    </p:spTree>
+    <p:extLst>
+      <p:ext uri="{BB962C8B-B14F-4D97-AF65-F5344CB8AC3E}">
+        <p14:creationId xmlns:p14="http://schemas.microsoft.com/office/powerpoint/2010/main" val="169055585"/>
+      </p:ext>
+    </p:extLst>
+  </p:cSld>
+  <p:clrMapOvr>
+    <a:masterClrMapping/>
+  </p:clrMapOvr>
+</p:notes>
+</file>
+
+<file path=ppt/notesSlides/notesSlide4.xml><?xml version="1.0" encoding="utf-8"?>
+<p:notes xmlns:a="http://schemas.openxmlformats.org/drawingml/2006/main" xmlns:r="http://schemas.openxmlformats.org/officeDocument/2006/relationships" xmlns:p="http://schemas.openxmlformats.org/presentationml/2006/main">
+  <p:cSld>
+    <p:spTree>
+      <p:nvGrpSpPr>
+        <p:cNvPr id="1" name=""/>
+        <p:cNvGrpSpPr/>
+        <p:nvPr/>
+      </p:nvGrpSpPr>
+      <p:grpSpPr>
+        <a:xfrm>
+          <a:off x="0" y="0"/>
+          <a:ext cx="0" cy="0"/>
+          <a:chOff x="0" y="0"/>
+          <a:chExt cx="0" cy="0"/>
+        </a:xfrm>
+      </p:grpSpPr>
+      <p:sp>
+        <p:nvSpPr>
+          <p:cNvPr id="2" name="Slide Image Placeholder 1"/>
+          <p:cNvSpPr>
+            <a:spLocks noGrp="1" noRot="1" noChangeAspect="1"/>
+          </p:cNvSpPr>
+          <p:nvPr>
+            <p:ph type="sldImg"/>
+          </p:nvPr>
+        </p:nvSpPr>
+        <p:spPr/>
+      </p:sp>
+      <p:sp>
+        <p:nvSpPr>
+          <p:cNvPr id="3" name="Notes Placeholder 2"/>
+          <p:cNvSpPr>
+            <a:spLocks noGrp="1"/>
+          </p:cNvSpPr>
+          <p:nvPr>
+            <p:ph type="body" idx="1"/>
+          </p:nvPr>
+        </p:nvSpPr>
+        <p:spPr/>
+        <p:txBody>
+          <a:bodyPr/>
+          <a:lstStyle/>
+          <a:p>
+            <a:r>
+              <a:rPr lang="en-US" dirty="0" smtClean="0"/>
+              <a:t>Movement, range of motion, restraining</a:t>
+            </a:r>
+            <a:r>
+              <a:rPr lang="en-US" baseline="0" dirty="0" smtClean="0"/>
+              <a:t> good limbs practicing motor tasks are all good ways of getting back movement and coordination.</a:t>
+            </a:r>
+            <a:endParaRPr lang="en-US" dirty="0"/>
+          </a:p>
+        </p:txBody>
+      </p:sp>
+      <p:sp>
+        <p:nvSpPr>
+          <p:cNvPr id="4" name="Slide Number Placeholder 3"/>
+          <p:cNvSpPr>
+            <a:spLocks noGrp="1"/>
+          </p:cNvSpPr>
+          <p:nvPr>
+            <p:ph type="sldNum" sz="quarter" idx="10"/>
+          </p:nvPr>
+        </p:nvSpPr>
+        <p:spPr/>
+        <p:txBody>
+          <a:bodyPr/>
+          <a:lstStyle/>
+          <a:p>
+            <a:fld id="{71BA519F-B3C0-7B42-8495-EE9650605CE2}" type="slidenum">
+              <a:rPr lang="en-US" smtClean="0"/>
+              <a:t>4</a:t>
+            </a:fld>
+            <a:endParaRPr lang="en-US"/>
+          </a:p>
+        </p:txBody>
+      </p:sp>
+    </p:spTree>
+    <p:extLst>
+      <p:ext uri="{BB962C8B-B14F-4D97-AF65-F5344CB8AC3E}">
+        <p14:creationId xmlns:p14="http://schemas.microsoft.com/office/powerpoint/2010/main" val="2456645709"/>
+      </p:ext>
+    </p:extLst>
+  </p:cSld>
+  <p:clrMapOvr>
+    <a:masterClrMapping/>
+  </p:clrMapOvr>
+</p:notes>
 </file>
 
 <file path=ppt/slideLayouts/slideLayout1.xml><?xml version="1.0" encoding="utf-8"?>
@@ -9053,6 +9774,13 @@
   <p:clrMapOvr>
     <a:masterClrMapping/>
   </p:clrMapOvr>
+  <p:timing>
+    <p:tnLst>
+      <p:par>
+        <p:cTn xmlns:p14="http://schemas.microsoft.com/office/powerpoint/2010/main" id="1" dur="indefinite" restart="never" nodeType="tmRoot"/>
+      </p:par>
+    </p:tnLst>
+  </p:timing>
 </p:sld>
 </file>
 
@@ -10495,6 +11223,13 @@
   <p:clrMapOvr>
     <a:masterClrMapping/>
   </p:clrMapOvr>
+  <p:timing>
+    <p:tnLst>
+      <p:par>
+        <p:cTn xmlns:p14="http://schemas.microsoft.com/office/powerpoint/2010/main" id="1" dur="indefinite" restart="never" nodeType="tmRoot"/>
+      </p:par>
+    </p:tnLst>
+  </p:timing>
 </p:sld>
 </file>
 
@@ -11352,13 +12087,8 @@
             </a:r>
             <a:r>
               <a:rPr lang="en-US" dirty="0" smtClean="0"/>
-              <a:t>t already understand </a:t>
-            </a:r>
-            <a:r>
-              <a:rPr lang="en-US" dirty="0" smtClean="0"/>
-              <a:t>them.</a:t>
-            </a:r>
-            <a:endParaRPr lang="en-US" dirty="0" smtClean="0"/>
+              <a:t>t already understand them.</a:t>
+            </a:r>
           </a:p>
           <a:p>
             <a:r>
@@ -11478,11 +12208,7 @@
             </a:pPr>
             <a:r>
               <a:rPr lang="en-US" dirty="0"/>
-              <a:t>Rate your technical ability:</a:t>
-            </a:r>
-            <a:r>
-              <a:rPr lang="en-US" dirty="0"/>
-              <a:t> </a:t>
+              <a:t>Rate your technical ability: </a:t>
             </a:r>
             <a:endParaRPr lang="en-US" dirty="0" smtClean="0"/>
           </a:p>
@@ -11493,11 +12219,7 @@
             </a:pPr>
             <a:r>
               <a:rPr lang="en-US" dirty="0"/>
-              <a:t>How likely are you to learn a new computer application just for the fun of it:</a:t>
-            </a:r>
-            <a:r>
-              <a:rPr lang="en-US" dirty="0"/>
-              <a:t> </a:t>
+              <a:t>How likely are you to learn a new computer application just for the fun of it: </a:t>
             </a:r>
             <a:endParaRPr lang="en-US" dirty="0" smtClean="0"/>
           </a:p>
@@ -11508,11 +12230,7 @@
             </a:pPr>
             <a:r>
               <a:rPr lang="en-US" dirty="0"/>
-              <a:t>How many hours a week do you spend on a computer/smart phone:</a:t>
-            </a:r>
-            <a:r>
-              <a:rPr lang="en-US" dirty="0"/>
-              <a:t> </a:t>
+              <a:t>How many hours a week do you spend on a computer/smart phone: </a:t>
             </a:r>
             <a:endParaRPr lang="en-US" dirty="0" smtClean="0"/>
           </a:p>
@@ -11523,11 +12241,7 @@
             </a:pPr>
             <a:r>
               <a:rPr lang="en-US" dirty="0"/>
-              <a:t>Do you own a touch-screen device:</a:t>
-            </a:r>
-            <a:r>
-              <a:rPr lang="en-US" dirty="0"/>
-              <a:t> </a:t>
+              <a:t>Do you own a touch-screen device: </a:t>
             </a:r>
             <a:endParaRPr lang="en-US" dirty="0" smtClean="0"/>
           </a:p>
@@ -11538,11 +12252,7 @@
             </a:pPr>
             <a:r>
               <a:rPr lang="en-US" dirty="0"/>
-              <a:t>You won a prize, you can either claim a cash prize worth $1000 dollars, or a new computer worth $2000; which do you choose (assume you are not in the market for a new computer, and you do not desperately need the cash)?</a:t>
-            </a:r>
-            <a:r>
-              <a:rPr lang="en-US" dirty="0"/>
-              <a:t> </a:t>
+              <a:t>You won a prize, you can either claim a cash prize worth $1000 dollars, or a new computer worth $2000; which do you choose (assume you are not in the market for a new computer, and you do not desperately need the cash)? </a:t>
             </a:r>
             <a:endParaRPr lang="en-US" dirty="0" smtClean="0"/>
           </a:p>
@@ -11690,11 +12400,7 @@
             </a:r>
             <a:r>
               <a:rPr lang="en-US" sz="1400" dirty="0"/>
-              <a:t>Magical</a:t>
-            </a:r>
-            <a:r>
-              <a:rPr lang="en-US" sz="1400" dirty="0"/>
-              <a:t> </a:t>
+              <a:t>Magical </a:t>
             </a:r>
             <a:endParaRPr lang="en-US" sz="1400" dirty="0" smtClean="0"/>
           </a:p>
@@ -11709,11 +12415,7 @@
             </a:r>
             <a:r>
               <a:rPr lang="en-US" dirty="0"/>
-              <a:t>me software is often the following:</a:t>
-            </a:r>
-            <a:r>
-              <a:rPr lang="en-US" dirty="0"/>
-              <a:t> </a:t>
+              <a:t>me software is often the following: </a:t>
             </a:r>
             <a:r>
               <a:rPr lang="en-US" dirty="0" smtClean="0"/>
@@ -11911,11 +12613,7 @@
             </a:r>
             <a:r>
               <a:rPr lang="en-US" sz="1500" dirty="0"/>
-              <a:t>there anything about the design you found confusing? Explain:</a:t>
-            </a:r>
-            <a:r>
-              <a:rPr lang="en-US" sz="1500" dirty="0"/>
-              <a:t> </a:t>
+              <a:t>there anything about the design you found confusing? Explain: </a:t>
             </a:r>
             <a:endParaRPr lang="en-US" sz="1500" dirty="0" smtClean="0"/>
           </a:p>
@@ -11926,11 +12624,7 @@
             </a:pPr>
             <a:r>
               <a:rPr lang="en-US" sz="1500" dirty="0"/>
-              <a:t>Is there anything about the design you found helpful? Explain:</a:t>
-            </a:r>
-            <a:r>
-              <a:rPr lang="en-US" sz="1500" dirty="0"/>
-              <a:t> </a:t>
+              <a:t>Is there anything about the design you found helpful? Explain: </a:t>
             </a:r>
             <a:endParaRPr lang="en-US" sz="1600" dirty="0" smtClean="0"/>
           </a:p>
@@ -11977,11 +12671,7 @@
             </a:pPr>
             <a:r>
               <a:rPr lang="en-US" sz="1500" dirty="0"/>
-              <a:t>If you were the therapist to use this software, what part of it might stop you from using it daily? Explain:</a:t>
-            </a:r>
-            <a:r>
-              <a:rPr lang="en-US" sz="1500" dirty="0"/>
-              <a:t> </a:t>
+              <a:t>If you were the therapist to use this software, what part of it might stop you from using it daily? Explain: </a:t>
             </a:r>
             <a:endParaRPr lang="en-US" sz="1500" dirty="0" smtClean="0"/>
           </a:p>
@@ -12135,48 +12825,40 @@
             </a:r>
             <a:r>
               <a:rPr lang="en-US" dirty="0"/>
-              <a:t>2.615741819</a:t>
+              <a:t>2.615741819  </a:t>
+            </a:r>
+            <a:endParaRPr lang="en-US" dirty="0" smtClean="0"/>
+          </a:p>
+          <a:p>
+            <a:pPr lvl="2"/>
+            <a:r>
+              <a:rPr lang="en-US" dirty="0" smtClean="0"/>
+              <a:t>Mode 8</a:t>
+            </a:r>
+          </a:p>
+          <a:p>
+            <a:pPr lvl="1"/>
+            <a:r>
+              <a:rPr lang="en-US" dirty="0" smtClean="0"/>
+              <a:t>Learn New Application For Fun: </a:t>
+            </a:r>
+          </a:p>
+          <a:p>
+            <a:pPr lvl="2"/>
+            <a:r>
+              <a:rPr lang="en-US" dirty="0" smtClean="0"/>
+              <a:t>Mean 6.105263158 </a:t>
+            </a:r>
+          </a:p>
+          <a:p>
+            <a:pPr lvl="2"/>
+            <a:r>
+              <a:rPr lang="en-US" dirty="0" smtClean="0"/>
+              <a:t>Std. Deviation </a:t>
             </a:r>
             <a:r>
               <a:rPr lang="en-US" dirty="0"/>
-              <a:t>  </a:t>
-            </a:r>
-            <a:endParaRPr lang="en-US" dirty="0" smtClean="0"/>
-          </a:p>
-          <a:p>
-            <a:pPr lvl="2"/>
-            <a:r>
-              <a:rPr lang="en-US" dirty="0" smtClean="0"/>
-              <a:t>Mode 8</a:t>
-            </a:r>
-          </a:p>
-          <a:p>
-            <a:pPr lvl="1"/>
-            <a:r>
-              <a:rPr lang="en-US" dirty="0" smtClean="0"/>
-              <a:t>Learn New Application For Fun: </a:t>
-            </a:r>
-          </a:p>
-          <a:p>
-            <a:pPr lvl="2"/>
-            <a:r>
-              <a:rPr lang="en-US" dirty="0" smtClean="0"/>
-              <a:t>Mean 6.105263158 </a:t>
-            </a:r>
-          </a:p>
-          <a:p>
-            <a:pPr lvl="2"/>
-            <a:r>
-              <a:rPr lang="en-US" dirty="0" smtClean="0"/>
-              <a:t>Std. Deviation </a:t>
-            </a:r>
-            <a:r>
-              <a:rPr lang="en-US" dirty="0"/>
-              <a:t>2.826358805</a:t>
-            </a:r>
-            <a:r>
-              <a:rPr lang="en-US" dirty="0"/>
-              <a:t> </a:t>
+              <a:t>2.826358805 </a:t>
             </a:r>
             <a:endParaRPr lang="en-US" dirty="0" smtClean="0"/>
           </a:p>
@@ -12199,11 +12881,7 @@
             </a:r>
             <a:r>
               <a:rPr lang="en-US" dirty="0"/>
-              <a:t>0.845984699</a:t>
-            </a:r>
-            <a:r>
-              <a:rPr lang="en-US" dirty="0"/>
-              <a:t> </a:t>
+              <a:t>0.845984699 </a:t>
             </a:r>
             <a:endParaRPr lang="en-US" dirty="0" smtClean="0"/>
           </a:p>
@@ -12306,7 +12984,6 @@
               <a:rPr lang="en-US" sz="1400" dirty="0" smtClean="0"/>
               <a:t>Coded The Answers</a:t>
             </a:r>
-            <a:endParaRPr lang="en-US" sz="1400" dirty="0" smtClean="0"/>
           </a:p>
           <a:p>
             <a:pPr lvl="1"/>
@@ -12352,22 +13029,13 @@
             </a:r>
             <a:r>
               <a:rPr lang="en-US" sz="1200" dirty="0"/>
-              <a:t>+ (5)</a:t>
-            </a:r>
-            <a:r>
-              <a:rPr lang="en-US" sz="1200" dirty="0"/>
-              <a:t> </a:t>
-            </a:r>
-            <a:endParaRPr lang="en-US" sz="1200" dirty="0"/>
+              <a:t>+ (5) </a:t>
+            </a:r>
           </a:p>
           <a:p>
             <a:r>
               <a:rPr lang="en-US" sz="1400" dirty="0" smtClean="0"/>
-              <a:t>Mean: </a:t>
-            </a:r>
-            <a:r>
-              <a:rPr lang="en-US" sz="1400" dirty="0" smtClean="0"/>
-              <a:t>3.684210526</a:t>
+              <a:t>Mean: 3.684210526</a:t>
             </a:r>
           </a:p>
           <a:p>
@@ -12377,11 +13045,7 @@
             </a:r>
             <a:r>
               <a:rPr lang="en-US" sz="1400" dirty="0"/>
-              <a:t>1.66842013</a:t>
-            </a:r>
-            <a:r>
-              <a:rPr lang="en-US" sz="1400" dirty="0"/>
-              <a:t> </a:t>
+              <a:t>1.66842013 </a:t>
             </a:r>
             <a:endParaRPr lang="en-US" sz="1400" dirty="0" smtClean="0"/>
           </a:p>
@@ -12398,11 +13062,7 @@
             </a:r>
             <a:r>
               <a:rPr lang="en-US" sz="1400" dirty="0"/>
-              <a:t>5</a:t>
-            </a:r>
-            <a:r>
-              <a:rPr lang="en-US" sz="1400" dirty="0"/>
-              <a:t> </a:t>
+              <a:t>5 </a:t>
             </a:r>
             <a:endParaRPr lang="en-US" sz="1400" dirty="0" smtClean="0"/>
           </a:p>
@@ -13134,6 +13794,13 @@
   <p:clrMapOvr>
     <a:masterClrMapping/>
   </p:clrMapOvr>
+  <p:timing>
+    <p:tnLst>
+      <p:par>
+        <p:cTn xmlns:p14="http://schemas.microsoft.com/office/powerpoint/2010/main" id="1" dur="indefinite" restart="never" nodeType="tmRoot"/>
+      </p:par>
+    </p:tnLst>
+  </p:timing>
 </p:sld>
 </file>
 
@@ -13524,7 +14191,6 @@
               <a:rPr lang="en-US" dirty="0" smtClean="0"/>
               <a:t>Easy to learn, Effectiveness, Efficiency </a:t>
             </a:r>
-            <a:endParaRPr lang="en-US" dirty="0" smtClean="0"/>
           </a:p>
           <a:p>
             <a:r>
@@ -13637,11 +14303,7 @@
             <a:pPr lvl="1"/>
             <a:r>
               <a:rPr lang="en-US" dirty="0" smtClean="0"/>
-              <a:t>Std. Deviation: </a:t>
-            </a:r>
-            <a:r>
-              <a:rPr lang="en-US" dirty="0" smtClean="0"/>
-              <a:t>3.80</a:t>
+              <a:t>Std. Deviation: 3.80</a:t>
             </a:r>
             <a:br>
               <a:rPr lang="en-US" dirty="0" smtClean="0"/>
@@ -13671,15 +14333,7 @@
                   <a:srgbClr val="FF0000"/>
                 </a:solidFill>
               </a:rPr>
-              <a:t>0.002617914</a:t>
-            </a:r>
-            <a:r>
-              <a:rPr lang="en-US" dirty="0">
-                <a:solidFill>
-                  <a:srgbClr val="FF0000"/>
-                </a:solidFill>
-              </a:rPr>
-              <a:t> </a:t>
+              <a:t>0.002617914 </a:t>
             </a:r>
             <a:endParaRPr lang="en-US" dirty="0" smtClean="0">
               <a:solidFill>
@@ -13691,11 +14345,7 @@
             <a:pPr lvl="1"/>
             <a:r>
               <a:rPr lang="en-US" dirty="0"/>
-              <a:t>T-Test Between Tech Prowess &amp; Time 1</a:t>
-            </a:r>
-            <a:r>
-              <a:rPr lang="en-US" dirty="0"/>
-              <a:t> </a:t>
+              <a:t>T-Test Between Tech Prowess &amp; Time 1 </a:t>
             </a:r>
             <a:endParaRPr lang="en-US" dirty="0" smtClean="0"/>
           </a:p>
@@ -13737,17 +14387,7 @@
                   </a:schemeClr>
                 </a:solidFill>
               </a:rPr>
-              <a:t>0.526053209</a:t>
-            </a:r>
-            <a:r>
-              <a:rPr lang="en-US" dirty="0">
-                <a:solidFill>
-                  <a:schemeClr val="accent5">
-                    <a:lumMod val="75000"/>
-                  </a:schemeClr>
-                </a:solidFill>
-              </a:rPr>
-              <a:t> </a:t>
+              <a:t>0.526053209 </a:t>
             </a:r>
             <a:endParaRPr lang="en-US" dirty="0" smtClean="0">
               <a:solidFill>
@@ -13782,17 +14422,7 @@
                   </a:schemeClr>
                 </a:solidFill>
               </a:rPr>
-              <a:t>0.077480003</a:t>
-            </a:r>
-            <a:r>
-              <a:rPr lang="en-US" dirty="0">
-                <a:solidFill>
-                  <a:schemeClr val="accent6">
-                    <a:lumMod val="75000"/>
-                  </a:schemeClr>
-                </a:solidFill>
-              </a:rPr>
-              <a:t> </a:t>
+              <a:t>0.077480003 </a:t>
             </a:r>
             <a:endParaRPr lang="en-US" dirty="0" smtClean="0">
               <a:solidFill>
@@ -13825,15 +14455,7 @@
                   <a:srgbClr val="FF0000"/>
                 </a:solidFill>
               </a:rPr>
-              <a:t>0.002584236</a:t>
-            </a:r>
-            <a:r>
-              <a:rPr lang="en-US" dirty="0">
-                <a:solidFill>
-                  <a:srgbClr val="FF0000"/>
-                </a:solidFill>
-              </a:rPr>
-              <a:t> </a:t>
+              <a:t>0.002584236 </a:t>
             </a:r>
             <a:endParaRPr lang="en-US" dirty="0" smtClean="0">
               <a:solidFill>
@@ -14099,7 +14721,6 @@
               <a:rPr lang="en-US" dirty="0" smtClean="0"/>
               <a:t>Std. Deviation: 1.71</a:t>
             </a:r>
-            <a:endParaRPr lang="en-US" dirty="0" smtClean="0"/>
           </a:p>
         </p:txBody>
       </p:sp>
@@ -14173,15 +14794,7 @@
           <a:p>
             <a:r>
               <a:rPr lang="en-US" dirty="0" smtClean="0"/>
-              <a:t>We believe if our participants are representative of the </a:t>
-            </a:r>
-            <a:r>
-              <a:rPr lang="en-US" dirty="0" err="1" smtClean="0"/>
-              <a:t>Glenrose</a:t>
-            </a:r>
-            <a:r>
-              <a:rPr lang="en-US" dirty="0" smtClean="0"/>
-              <a:t> Hospital’s therapists:</a:t>
+              <a:t>We believe if our participants are representative of the Glenrose Hospital’s therapists:</a:t>
             </a:r>
           </a:p>
           <a:p>
@@ -14204,21 +14817,12 @@
               <a:rPr lang="en-US" dirty="0" smtClean="0"/>
               <a:t>Updates and Fixes may be necessary to lower training required.</a:t>
             </a:r>
-            <a:endParaRPr lang="en-US" dirty="0" smtClean="0"/>
           </a:p>
           <a:p>
             <a:pPr lvl="1"/>
             <a:r>
               <a:rPr lang="en-US" dirty="0" smtClean="0"/>
-              <a:t>The application is capable of being used with patients, and </a:t>
-            </a:r>
-            <a:r>
-              <a:rPr lang="en-US" dirty="0" smtClean="0"/>
-              <a:t>should  meet</a:t>
-            </a:r>
-            <a:r>
-              <a:rPr lang="en-US" dirty="0" smtClean="0"/>
-              <a:t> acceptable quality for therapists.</a:t>
+              <a:t>The application is capable of being used with patients, and should  meet acceptable quality for therapists.</a:t>
             </a:r>
             <a:endParaRPr lang="en-US" dirty="0"/>
           </a:p>
@@ -14667,6 +15271,13 @@
   <p:clrMapOvr>
     <a:masterClrMapping/>
   </p:clrMapOvr>
+  <p:timing>
+    <p:tnLst>
+      <p:par>
+        <p:cTn xmlns:p14="http://schemas.microsoft.com/office/powerpoint/2010/main" id="1" dur="indefinite" restart="never" nodeType="tmRoot"/>
+      </p:par>
+    </p:tnLst>
+  </p:timing>
 </p:sld>
 </file>
 
@@ -14808,6 +15419,13 @@
   <p:clrMapOvr>
     <a:masterClrMapping/>
   </p:clrMapOvr>
+  <p:timing>
+    <p:tnLst>
+      <p:par>
+        <p:cTn xmlns:p14="http://schemas.microsoft.com/office/powerpoint/2010/main" id="1" dur="indefinite" restart="never" nodeType="tmRoot"/>
+      </p:par>
+    </p:tnLst>
+  </p:timing>
 </p:sld>
 </file>
 
@@ -14964,6 +15582,13 @@
   <p:clrMapOvr>
     <a:masterClrMapping/>
   </p:clrMapOvr>
+  <p:timing>
+    <p:tnLst>
+      <p:par>
+        <p:cTn xmlns:p14="http://schemas.microsoft.com/office/powerpoint/2010/main" id="1" dur="indefinite" restart="never" nodeType="tmRoot"/>
+      </p:par>
+    </p:tnLst>
+  </p:timing>
 </p:sld>
 </file>
 
@@ -15042,7 +15667,15 @@
             </a:pPr>
             <a:r>
               <a:rPr lang="en-US" sz="1800" dirty="0" smtClean="0"/>
-              <a:t>Design a game where patients can both work on rehabilitation and have fun doing so.</a:t>
+              <a:t>Design a game where patients </a:t>
+            </a:r>
+            <a:r>
+              <a:rPr lang="en-US" sz="1800" dirty="0" smtClean="0"/>
+              <a:t>can </a:t>
+            </a:r>
+            <a:r>
+              <a:rPr lang="en-US" sz="1800" dirty="0" smtClean="0"/>
+              <a:t>work on rehabilitation and have fun doing so.</a:t>
             </a:r>
           </a:p>
           <a:p>
@@ -15648,4 +16281,324 @@
   </a:objectDefaults>
   <a:extraClrSchemeLst/>
 </a:theme>
+</file>
+
+<file path=ppt/theme/theme2.xml><?xml version="1.0" encoding="utf-8"?>
+<a:theme xmlns:a="http://schemas.openxmlformats.org/drawingml/2006/main" name="Office Theme">
+  <a:themeElements>
+    <a:clrScheme name="Office">
+      <a:dk1>
+        <a:sysClr val="windowText" lastClr="000000"/>
+      </a:dk1>
+      <a:lt1>
+        <a:sysClr val="window" lastClr="FFFFFF"/>
+      </a:lt1>
+      <a:dk2>
+        <a:srgbClr val="1F497D"/>
+      </a:dk2>
+      <a:lt2>
+        <a:srgbClr val="EEECE1"/>
+      </a:lt2>
+      <a:accent1>
+        <a:srgbClr val="4F81BD"/>
+      </a:accent1>
+      <a:accent2>
+        <a:srgbClr val="C0504D"/>
+      </a:accent2>
+      <a:accent3>
+        <a:srgbClr val="9BBB59"/>
+      </a:accent3>
+      <a:accent4>
+        <a:srgbClr val="8064A2"/>
+      </a:accent4>
+      <a:accent5>
+        <a:srgbClr val="4BACC6"/>
+      </a:accent5>
+      <a:accent6>
+        <a:srgbClr val="F79646"/>
+      </a:accent6>
+      <a:hlink>
+        <a:srgbClr val="0000FF"/>
+      </a:hlink>
+      <a:folHlink>
+        <a:srgbClr val="800080"/>
+      </a:folHlink>
+    </a:clrScheme>
+    <a:fontScheme name="Office">
+      <a:majorFont>
+        <a:latin typeface="Calibri"/>
+        <a:ea typeface=""/>
+        <a:cs typeface=""/>
+        <a:font script="Jpan" typeface="ＭＳ Ｐゴシック"/>
+        <a:font script="Hang" typeface="맑은 고딕"/>
+        <a:font script="Hans" typeface="宋体"/>
+        <a:font script="Hant" typeface="新細明體"/>
+        <a:font script="Arab" typeface="Times New Roman"/>
+        <a:font script="Hebr" typeface="Times New Roman"/>
+        <a:font script="Thai" typeface="Angsana New"/>
+        <a:font script="Ethi" typeface="Nyala"/>
+        <a:font script="Beng" typeface="Vrinda"/>
+        <a:font script="Gujr" typeface="Shruti"/>
+        <a:font script="Khmr" typeface="MoolBoran"/>
+        <a:font script="Knda" typeface="Tunga"/>
+        <a:font script="Guru" typeface="Raavi"/>
+        <a:font script="Cans" typeface="Euphemia"/>
+        <a:font script="Cher" typeface="Plantagenet Cherokee"/>
+        <a:font script="Yiii" typeface="Microsoft Yi Baiti"/>
+        <a:font script="Tibt" typeface="Microsoft Himalaya"/>
+        <a:font script="Thaa" typeface="MV Boli"/>
+        <a:font script="Deva" typeface="Mangal"/>
+        <a:font script="Telu" typeface="Gautami"/>
+        <a:font script="Taml" typeface="Latha"/>
+        <a:font script="Syrc" typeface="Estrangelo Edessa"/>
+        <a:font script="Orya" typeface="Kalinga"/>
+        <a:font script="Mlym" typeface="Kartika"/>
+        <a:font script="Laoo" typeface="DokChampa"/>
+        <a:font script="Sinh" typeface="Iskoola Pota"/>
+        <a:font script="Mong" typeface="Mongolian Baiti"/>
+        <a:font script="Viet" typeface="Times New Roman"/>
+        <a:font script="Uigh" typeface="Microsoft Uighur"/>
+        <a:font script="Geor" typeface="Sylfaen"/>
+      </a:majorFont>
+      <a:minorFont>
+        <a:latin typeface="Calibri"/>
+        <a:ea typeface=""/>
+        <a:cs typeface=""/>
+        <a:font script="Jpan" typeface="ＭＳ Ｐゴシック"/>
+        <a:font script="Hang" typeface="맑은 고딕"/>
+        <a:font script="Hans" typeface="宋体"/>
+        <a:font script="Hant" typeface="新細明體"/>
+        <a:font script="Arab" typeface="Arial"/>
+        <a:font script="Hebr" typeface="Arial"/>
+        <a:font script="Thai" typeface="Cordia New"/>
+        <a:font script="Ethi" typeface="Nyala"/>
+        <a:font script="Beng" typeface="Vrinda"/>
+        <a:font script="Gujr" typeface="Shruti"/>
+        <a:font script="Khmr" typeface="DaunPenh"/>
+        <a:font script="Knda" typeface="Tunga"/>
+        <a:font script="Guru" typeface="Raavi"/>
+        <a:font script="Cans" typeface="Euphemia"/>
+        <a:font script="Cher" typeface="Plantagenet Cherokee"/>
+        <a:font script="Yiii" typeface="Microsoft Yi Baiti"/>
+        <a:font script="Tibt" typeface="Microsoft Himalaya"/>
+        <a:font script="Thaa" typeface="MV Boli"/>
+        <a:font script="Deva" typeface="Mangal"/>
+        <a:font script="Telu" typeface="Gautami"/>
+        <a:font script="Taml" typeface="Latha"/>
+        <a:font script="Syrc" typeface="Estrangelo Edessa"/>
+        <a:font script="Orya" typeface="Kalinga"/>
+        <a:font script="Mlym" typeface="Kartika"/>
+        <a:font script="Laoo" typeface="DokChampa"/>
+        <a:font script="Sinh" typeface="Iskoola Pota"/>
+        <a:font script="Mong" typeface="Mongolian Baiti"/>
+        <a:font script="Viet" typeface="Arial"/>
+        <a:font script="Uigh" typeface="Microsoft Uighur"/>
+        <a:font script="Geor" typeface="Sylfaen"/>
+      </a:minorFont>
+    </a:fontScheme>
+    <a:fmtScheme name="Office">
+      <a:fillStyleLst>
+        <a:solidFill>
+          <a:schemeClr val="phClr"/>
+        </a:solidFill>
+        <a:gradFill rotWithShape="1">
+          <a:gsLst>
+            <a:gs pos="0">
+              <a:schemeClr val="phClr">
+                <a:tint val="50000"/>
+                <a:satMod val="300000"/>
+              </a:schemeClr>
+            </a:gs>
+            <a:gs pos="35000">
+              <a:schemeClr val="phClr">
+                <a:tint val="37000"/>
+                <a:satMod val="300000"/>
+              </a:schemeClr>
+            </a:gs>
+            <a:gs pos="100000">
+              <a:schemeClr val="phClr">
+                <a:tint val="15000"/>
+                <a:satMod val="350000"/>
+              </a:schemeClr>
+            </a:gs>
+          </a:gsLst>
+          <a:lin ang="16200000" scaled="1"/>
+        </a:gradFill>
+        <a:gradFill rotWithShape="1">
+          <a:gsLst>
+            <a:gs pos="0">
+              <a:schemeClr val="phClr">
+                <a:tint val="100000"/>
+                <a:shade val="100000"/>
+                <a:satMod val="130000"/>
+              </a:schemeClr>
+            </a:gs>
+            <a:gs pos="100000">
+              <a:schemeClr val="phClr">
+                <a:tint val="50000"/>
+                <a:shade val="100000"/>
+                <a:satMod val="350000"/>
+              </a:schemeClr>
+            </a:gs>
+          </a:gsLst>
+          <a:lin ang="16200000" scaled="0"/>
+        </a:gradFill>
+      </a:fillStyleLst>
+      <a:lnStyleLst>
+        <a:ln w="9525" cap="flat" cmpd="sng" algn="ctr">
+          <a:solidFill>
+            <a:schemeClr val="phClr">
+              <a:shade val="95000"/>
+              <a:satMod val="105000"/>
+            </a:schemeClr>
+          </a:solidFill>
+          <a:prstDash val="solid"/>
+        </a:ln>
+        <a:ln w="25400" cap="flat" cmpd="sng" algn="ctr">
+          <a:solidFill>
+            <a:schemeClr val="phClr"/>
+          </a:solidFill>
+          <a:prstDash val="solid"/>
+        </a:ln>
+        <a:ln w="38100" cap="flat" cmpd="sng" algn="ctr">
+          <a:solidFill>
+            <a:schemeClr val="phClr"/>
+          </a:solidFill>
+          <a:prstDash val="solid"/>
+        </a:ln>
+      </a:lnStyleLst>
+      <a:effectStyleLst>
+        <a:effectStyle>
+          <a:effectLst>
+            <a:outerShdw blurRad="40000" dist="20000" dir="5400000" rotWithShape="0">
+              <a:srgbClr val="000000">
+                <a:alpha val="38000"/>
+              </a:srgbClr>
+            </a:outerShdw>
+          </a:effectLst>
+        </a:effectStyle>
+        <a:effectStyle>
+          <a:effectLst>
+            <a:outerShdw blurRad="40000" dist="23000" dir="5400000" rotWithShape="0">
+              <a:srgbClr val="000000">
+                <a:alpha val="35000"/>
+              </a:srgbClr>
+            </a:outerShdw>
+          </a:effectLst>
+        </a:effectStyle>
+        <a:effectStyle>
+          <a:effectLst>
+            <a:outerShdw blurRad="40000" dist="23000" dir="5400000" rotWithShape="0">
+              <a:srgbClr val="000000">
+                <a:alpha val="35000"/>
+              </a:srgbClr>
+            </a:outerShdw>
+          </a:effectLst>
+          <a:scene3d>
+            <a:camera prst="orthographicFront">
+              <a:rot lat="0" lon="0" rev="0"/>
+            </a:camera>
+            <a:lightRig rig="threePt" dir="t">
+              <a:rot lat="0" lon="0" rev="1200000"/>
+            </a:lightRig>
+          </a:scene3d>
+          <a:sp3d>
+            <a:bevelT w="63500" h="25400"/>
+          </a:sp3d>
+        </a:effectStyle>
+      </a:effectStyleLst>
+      <a:bgFillStyleLst>
+        <a:solidFill>
+          <a:schemeClr val="phClr"/>
+        </a:solidFill>
+        <a:gradFill rotWithShape="1">
+          <a:gsLst>
+            <a:gs pos="0">
+              <a:schemeClr val="phClr">
+                <a:tint val="40000"/>
+                <a:satMod val="350000"/>
+              </a:schemeClr>
+            </a:gs>
+            <a:gs pos="40000">
+              <a:schemeClr val="phClr">
+                <a:tint val="45000"/>
+                <a:shade val="99000"/>
+                <a:satMod val="350000"/>
+              </a:schemeClr>
+            </a:gs>
+            <a:gs pos="100000">
+              <a:schemeClr val="phClr">
+                <a:shade val="20000"/>
+                <a:satMod val="255000"/>
+              </a:schemeClr>
+            </a:gs>
+          </a:gsLst>
+          <a:path path="circle">
+            <a:fillToRect l="50000" t="-80000" r="50000" b="180000"/>
+          </a:path>
+        </a:gradFill>
+        <a:gradFill rotWithShape="1">
+          <a:gsLst>
+            <a:gs pos="0">
+              <a:schemeClr val="phClr">
+                <a:tint val="80000"/>
+                <a:satMod val="300000"/>
+              </a:schemeClr>
+            </a:gs>
+            <a:gs pos="100000">
+              <a:schemeClr val="phClr">
+                <a:shade val="30000"/>
+                <a:satMod val="200000"/>
+              </a:schemeClr>
+            </a:gs>
+          </a:gsLst>
+          <a:path path="circle">
+            <a:fillToRect l="50000" t="50000" r="50000" b="50000"/>
+          </a:path>
+        </a:gradFill>
+      </a:bgFillStyleLst>
+    </a:fmtScheme>
+  </a:themeElements>
+  <a:objectDefaults>
+    <a:spDef>
+      <a:spPr/>
+      <a:bodyPr/>
+      <a:lstStyle/>
+      <a:style>
+        <a:lnRef idx="1">
+          <a:schemeClr val="accent1"/>
+        </a:lnRef>
+        <a:fillRef idx="3">
+          <a:schemeClr val="accent1"/>
+        </a:fillRef>
+        <a:effectRef idx="2">
+          <a:schemeClr val="accent1"/>
+        </a:effectRef>
+        <a:fontRef idx="minor">
+          <a:schemeClr val="lt1"/>
+        </a:fontRef>
+      </a:style>
+    </a:spDef>
+    <a:lnDef>
+      <a:spPr/>
+      <a:bodyPr/>
+      <a:lstStyle/>
+      <a:style>
+        <a:lnRef idx="2">
+          <a:schemeClr val="accent1"/>
+        </a:lnRef>
+        <a:fillRef idx="0">
+          <a:schemeClr val="accent1"/>
+        </a:fillRef>
+        <a:effectRef idx="1">
+          <a:schemeClr val="accent1"/>
+        </a:effectRef>
+        <a:fontRef idx="minor">
+          <a:schemeClr val="tx1"/>
+        </a:fontRef>
+      </a:style>
+    </a:lnDef>
+  </a:objectDefaults>
+  <a:extraClrSchemeLst/>
+</a:theme>
 </file>
--- a/Documentation/CMPUT302_Pres.pptx
+++ b/Documentation/CMPUT302_Pres.pptx
@@ -9894,6 +9894,13 @@
   <p:clrMapOvr>
     <a:masterClrMapping/>
   </p:clrMapOvr>
+  <p:timing>
+    <p:tnLst>
+      <p:par>
+        <p:cTn xmlns:p14="http://schemas.microsoft.com/office/powerpoint/2010/main" id="1" dur="indefinite" restart="never" nodeType="tmRoot"/>
+      </p:par>
+    </p:tnLst>
+  </p:timing>
 </p:sld>
 </file>
 
@@ -10003,6 +10010,13 @@
   <p:clrMapOvr>
     <a:masterClrMapping/>
   </p:clrMapOvr>
+  <p:timing>
+    <p:tnLst>
+      <p:par>
+        <p:cTn xmlns:p14="http://schemas.microsoft.com/office/powerpoint/2010/main" id="1" dur="indefinite" restart="never" nodeType="tmRoot"/>
+      </p:par>
+    </p:tnLst>
+  </p:timing>
 </p:sld>
 </file>
 
@@ -10110,6 +10124,13 @@
   <p:clrMapOvr>
     <a:masterClrMapping/>
   </p:clrMapOvr>
+  <p:timing>
+    <p:tnLst>
+      <p:par>
+        <p:cTn xmlns:p14="http://schemas.microsoft.com/office/powerpoint/2010/main" id="1" dur="indefinite" restart="never" nodeType="tmRoot"/>
+      </p:par>
+    </p:tnLst>
+  </p:timing>
 </p:sld>
 </file>
 
@@ -10198,6 +10219,13 @@
   <p:clrMapOvr>
     <a:masterClrMapping/>
   </p:clrMapOvr>
+  <p:timing>
+    <p:tnLst>
+      <p:par>
+        <p:cTn xmlns:p14="http://schemas.microsoft.com/office/powerpoint/2010/main" id="1" dur="indefinite" restart="never" nodeType="tmRoot"/>
+      </p:par>
+    </p:tnLst>
+  </p:timing>
 </p:sld>
 </file>
 
@@ -10336,6 +10364,13 @@
   <p:clrMapOvr>
     <a:masterClrMapping/>
   </p:clrMapOvr>
+  <p:timing>
+    <p:tnLst>
+      <p:par>
+        <p:cTn xmlns:p14="http://schemas.microsoft.com/office/powerpoint/2010/main" id="1" dur="indefinite" restart="never" nodeType="tmRoot"/>
+      </p:par>
+    </p:tnLst>
+  </p:timing>
 </p:sld>
 </file>
 
@@ -10526,6 +10561,13 @@
   <p:clrMapOvr>
     <a:masterClrMapping/>
   </p:clrMapOvr>
+  <p:timing>
+    <p:tnLst>
+      <p:par>
+        <p:cTn xmlns:p14="http://schemas.microsoft.com/office/powerpoint/2010/main" id="1" dur="indefinite" restart="never" nodeType="tmRoot"/>
+      </p:par>
+    </p:tnLst>
+  </p:timing>
 </p:sld>
 </file>
 
@@ -10627,6 +10669,13 @@
   <p:clrMapOvr>
     <a:masterClrMapping/>
   </p:clrMapOvr>
+  <p:timing>
+    <p:tnLst>
+      <p:par>
+        <p:cTn xmlns:p14="http://schemas.microsoft.com/office/powerpoint/2010/main" id="1" dur="indefinite" restart="never" nodeType="tmRoot"/>
+      </p:par>
+    </p:tnLst>
+  </p:timing>
 </p:sld>
 </file>
 
@@ -10760,6 +10809,13 @@
   <p:clrMapOvr>
     <a:masterClrMapping/>
   </p:clrMapOvr>
+  <p:timing>
+    <p:tnLst>
+      <p:par>
+        <p:cTn xmlns:p14="http://schemas.microsoft.com/office/powerpoint/2010/main" id="1" dur="indefinite" restart="never" nodeType="tmRoot"/>
+      </p:par>
+    </p:tnLst>
+  </p:timing>
 </p:sld>
 </file>
 
@@ -10925,6 +10981,13 @@
   <p:clrMapOvr>
     <a:masterClrMapping/>
   </p:clrMapOvr>
+  <p:timing>
+    <p:tnLst>
+      <p:par>
+        <p:cTn xmlns:p14="http://schemas.microsoft.com/office/powerpoint/2010/main" id="1" dur="indefinite" restart="never" nodeType="tmRoot"/>
+      </p:par>
+    </p:tnLst>
+  </p:timing>
 </p:sld>
 </file>
 
@@ -11084,6 +11147,13 @@
   <p:clrMapOvr>
     <a:masterClrMapping/>
   </p:clrMapOvr>
+  <p:timing>
+    <p:tnLst>
+      <p:par>
+        <p:cTn xmlns:p14="http://schemas.microsoft.com/office/powerpoint/2010/main" id="1" dur="indefinite" restart="never" nodeType="tmRoot"/>
+      </p:par>
+    </p:tnLst>
+  </p:timing>
 </p:sld>
 </file>
 
@@ -11495,6 +11565,13 @@
   <p:clrMapOvr>
     <a:masterClrMapping/>
   </p:clrMapOvr>
+  <p:timing>
+    <p:tnLst>
+      <p:par>
+        <p:cTn xmlns:p14="http://schemas.microsoft.com/office/powerpoint/2010/main" id="1" dur="indefinite" restart="never" nodeType="tmRoot"/>
+      </p:par>
+    </p:tnLst>
+  </p:timing>
 </p:sld>
 </file>
 
@@ -11672,6 +11749,13 @@
   <p:clrMapOvr>
     <a:masterClrMapping/>
   </p:clrMapOvr>
+  <p:timing>
+    <p:tnLst>
+      <p:par>
+        <p:cTn xmlns:p14="http://schemas.microsoft.com/office/powerpoint/2010/main" id="1" dur="indefinite" restart="never" nodeType="tmRoot"/>
+      </p:par>
+    </p:tnLst>
+  </p:timing>
 </p:sld>
 </file>
 
@@ -12514,6 +12598,13 @@
   <p:clrMapOvr>
     <a:masterClrMapping/>
   </p:clrMapOvr>
+  <p:timing>
+    <p:tnLst>
+      <p:par>
+        <p:cTn xmlns:p14="http://schemas.microsoft.com/office/powerpoint/2010/main" id="1" dur="indefinite" restart="never" nodeType="tmRoot"/>
+      </p:par>
+    </p:tnLst>
+  </p:timing>
 </p:sld>
 </file>
 
@@ -12728,6 +12819,13 @@
   <p:clrMapOvr>
     <a:masterClrMapping/>
   </p:clrMapOvr>
+  <p:timing>
+    <p:tnLst>
+      <p:par>
+        <p:cTn xmlns:p14="http://schemas.microsoft.com/office/powerpoint/2010/main" id="1" dur="indefinite" restart="never" nodeType="tmRoot"/>
+      </p:par>
+    </p:tnLst>
+  </p:timing>
 </p:sld>
 </file>
 
@@ -12911,6 +13009,13 @@
   <p:clrMapOvr>
     <a:masterClrMapping/>
   </p:clrMapOvr>
+  <p:timing>
+    <p:tnLst>
+      <p:par>
+        <p:cTn xmlns:p14="http://schemas.microsoft.com/office/powerpoint/2010/main" id="1" dur="indefinite" restart="never" nodeType="tmRoot"/>
+      </p:par>
+    </p:tnLst>
+  </p:timing>
 </p:sld>
 </file>
 
@@ -13081,6 +13186,13 @@
   <p:clrMapOvr>
     <a:masterClrMapping/>
   </p:clrMapOvr>
+  <p:timing>
+    <p:tnLst>
+      <p:par>
+        <p:cTn xmlns:p14="http://schemas.microsoft.com/office/powerpoint/2010/main" id="1" dur="indefinite" restart="never" nodeType="tmRoot"/>
+      </p:par>
+    </p:tnLst>
+  </p:timing>
 </p:sld>
 </file>
 
@@ -13959,6 +14071,13 @@
   <p:clrMapOvr>
     <a:masterClrMapping/>
   </p:clrMapOvr>
+  <p:timing>
+    <p:tnLst>
+      <p:par>
+        <p:cTn xmlns:p14="http://schemas.microsoft.com/office/powerpoint/2010/main" id="1" dur="indefinite" restart="never" nodeType="tmRoot"/>
+      </p:par>
+    </p:tnLst>
+  </p:timing>
 </p:sld>
 </file>
 
@@ -14117,6 +14236,13 @@
   <p:clrMapOvr>
     <a:masterClrMapping/>
   </p:clrMapOvr>
+  <p:timing>
+    <p:tnLst>
+      <p:par>
+        <p:cTn xmlns:p14="http://schemas.microsoft.com/office/powerpoint/2010/main" id="1" dur="indefinite" restart="never" nodeType="tmRoot"/>
+      </p:par>
+    </p:tnLst>
+  </p:timing>
 </p:sld>
 </file>
 
@@ -14217,6 +14343,13 @@
   <p:clrMapOvr>
     <a:masterClrMapping/>
   </p:clrMapOvr>
+  <p:timing>
+    <p:tnLst>
+      <p:par>
+        <p:cTn xmlns:p14="http://schemas.microsoft.com/office/powerpoint/2010/main" id="1" dur="indefinite" restart="never" nodeType="tmRoot"/>
+      </p:par>
+    </p:tnLst>
+  </p:timing>
 </p:sld>
 </file>
 
@@ -14734,6 +14867,13 @@
   <p:clrMapOvr>
     <a:masterClrMapping/>
   </p:clrMapOvr>
+  <p:timing>
+    <p:tnLst>
+      <p:par>
+        <p:cTn xmlns:p14="http://schemas.microsoft.com/office/powerpoint/2010/main" id="1" dur="indefinite" restart="never" nodeType="tmRoot"/>
+      </p:par>
+    </p:tnLst>
+  </p:timing>
 </p:sld>
 </file>
 
@@ -14838,6 +14978,13 @@
   <p:clrMapOvr>
     <a:masterClrMapping/>
   </p:clrMapOvr>
+  <p:timing>
+    <p:tnLst>
+      <p:par>
+        <p:cTn xmlns:p14="http://schemas.microsoft.com/office/powerpoint/2010/main" id="1" dur="indefinite" restart="never" nodeType="tmRoot"/>
+      </p:par>
+    </p:tnLst>
+  </p:timing>
 </p:sld>
 </file>
 
@@ -15745,6 +15892,13 @@
   <p:clrMapOvr>
     <a:masterClrMapping/>
   </p:clrMapOvr>
+  <p:timing>
+    <p:tnLst>
+      <p:par>
+        <p:cTn xmlns:p14="http://schemas.microsoft.com/office/powerpoint/2010/main" id="1" dur="indefinite" restart="never" nodeType="tmRoot"/>
+      </p:par>
+    </p:tnLst>
+  </p:timing>
 </p:sld>
 </file>
 
@@ -15860,6 +16014,13 @@
   <p:clrMapOvr>
     <a:masterClrMapping/>
   </p:clrMapOvr>
+  <p:timing>
+    <p:tnLst>
+      <p:par>
+        <p:cTn xmlns:p14="http://schemas.microsoft.com/office/powerpoint/2010/main" id="1" dur="indefinite" restart="never" nodeType="tmRoot"/>
+      </p:par>
+    </p:tnLst>
+  </p:timing>
 </p:sld>
 </file>
 
@@ -16014,6 +16175,13 @@
   <p:clrMapOvr>
     <a:masterClrMapping/>
   </p:clrMapOvr>
+  <p:timing>
+    <p:tnLst>
+      <p:par>
+        <p:cTn xmlns:p14="http://schemas.microsoft.com/office/powerpoint/2010/main" id="1" dur="indefinite" restart="never" nodeType="tmRoot"/>
+      </p:par>
+    </p:tnLst>
+  </p:timing>
 </p:sld>
 </file>
 

--- a/Documentation/CMPUT302_Pres.pptx
+++ b/Documentation/CMPUT302_Pres.pptx
@@ -225,7 +225,7 @@
           <a:p>
             <a:fld id="{BE495B92-5A92-2B45-95C1-9392CD5EE80B}" type="datetimeFigureOut">
               <a:rPr lang="en-US" smtClean="0"/>
-              <a:t>2013-04-07</a:t>
+              <a:t>2013-04-08</a:t>
             </a:fld>
             <a:endParaRPr lang="en-US"/>
           </a:p>
@@ -1062,7 +1062,7 @@
           <a:p>
             <a:fld id="{D728701E-CAF4-4159-9B3E-41C86DFFA30D}" type="datetimeFigureOut">
               <a:rPr lang="en-US" smtClean="0"/>
-              <a:t>2013-04-07</a:t>
+              <a:t>2013-04-08</a:t>
             </a:fld>
             <a:endParaRPr lang="en-US"/>
           </a:p>
@@ -1516,7 +1516,7 @@
           <a:p>
             <a:fld id="{D728701E-CAF4-4159-9B3E-41C86DFFA30D}" type="datetimeFigureOut">
               <a:rPr lang="en-US" smtClean="0"/>
-              <a:t>2013-04-07</a:t>
+              <a:t>2013-04-08</a:t>
             </a:fld>
             <a:endParaRPr lang="en-US"/>
           </a:p>
@@ -2171,7 +2171,7 @@
           <a:p>
             <a:fld id="{D728701E-CAF4-4159-9B3E-41C86DFFA30D}" type="datetimeFigureOut">
               <a:rPr lang="en-US" smtClean="0"/>
-              <a:t>2013-04-07</a:t>
+              <a:t>2013-04-08</a:t>
             </a:fld>
             <a:endParaRPr lang="en-US"/>
           </a:p>
@@ -2307,7 +2307,7 @@
           <a:p>
             <a:fld id="{D728701E-CAF4-4159-9B3E-41C86DFFA30D}" type="datetimeFigureOut">
               <a:rPr lang="en-US" smtClean="0"/>
-              <a:t>2013-04-07</a:t>
+              <a:t>2013-04-08</a:t>
             </a:fld>
             <a:endParaRPr lang="en-US"/>
           </a:p>
@@ -2673,7 +2673,7 @@
           <a:p>
             <a:fld id="{D728701E-CAF4-4159-9B3E-41C86DFFA30D}" type="datetimeFigureOut">
               <a:rPr lang="en-US" smtClean="0"/>
-              <a:t>2013-04-07</a:t>
+              <a:t>2013-04-08</a:t>
             </a:fld>
             <a:endParaRPr lang="en-US"/>
           </a:p>
@@ -2999,7 +2999,7 @@
           <a:p>
             <a:fld id="{D728701E-CAF4-4159-9B3E-41C86DFFA30D}" type="datetimeFigureOut">
               <a:rPr lang="en-US" smtClean="0"/>
-              <a:t>2013-04-07</a:t>
+              <a:t>2013-04-08</a:t>
             </a:fld>
             <a:endParaRPr lang="en-US"/>
           </a:p>
@@ -3297,7 +3297,7 @@
           <a:p>
             <a:fld id="{D728701E-CAF4-4159-9B3E-41C86DFFA30D}" type="datetimeFigureOut">
               <a:rPr lang="en-US" smtClean="0"/>
-              <a:t>2013-04-07</a:t>
+              <a:t>2013-04-08</a:t>
             </a:fld>
             <a:endParaRPr lang="en-US"/>
           </a:p>
@@ -3684,7 +3684,7 @@
           <a:p>
             <a:fld id="{D728701E-CAF4-4159-9B3E-41C86DFFA30D}" type="datetimeFigureOut">
               <a:rPr lang="en-US" smtClean="0"/>
-              <a:t>2013-04-07</a:t>
+              <a:t>2013-04-08</a:t>
             </a:fld>
             <a:endParaRPr lang="en-US"/>
           </a:p>
@@ -4104,7 +4104,7 @@
           <a:p>
             <a:fld id="{D728701E-CAF4-4159-9B3E-41C86DFFA30D}" type="datetimeFigureOut">
               <a:rPr lang="en-US" smtClean="0"/>
-              <a:t>2013-04-07</a:t>
+              <a:t>2013-04-08</a:t>
             </a:fld>
             <a:endParaRPr lang="en-US"/>
           </a:p>
@@ -4652,7 +4652,7 @@
           <a:p>
             <a:fld id="{D728701E-CAF4-4159-9B3E-41C86DFFA30D}" type="datetimeFigureOut">
               <a:rPr lang="en-US" smtClean="0"/>
-              <a:t>2013-04-07</a:t>
+              <a:t>2013-04-08</a:t>
             </a:fld>
             <a:endParaRPr lang="en-US"/>
           </a:p>
@@ -5038,7 +5038,7 @@
           <a:p>
             <a:fld id="{D728701E-CAF4-4159-9B3E-41C86DFFA30D}" type="datetimeFigureOut">
               <a:rPr lang="en-US" smtClean="0"/>
-              <a:t>2013-04-07</a:t>
+              <a:t>2013-04-08</a:t>
             </a:fld>
             <a:endParaRPr lang="en-US"/>
           </a:p>
@@ -5281,7 +5281,7 @@
           <a:p>
             <a:fld id="{D728701E-CAF4-4159-9B3E-41C86DFFA30D}" type="datetimeFigureOut">
               <a:rPr lang="en-US" smtClean="0"/>
-              <a:t>2013-04-07</a:t>
+              <a:t>2013-04-08</a:t>
             </a:fld>
             <a:endParaRPr lang="en-US"/>
           </a:p>
@@ -5616,7 +5616,7 @@
           <a:p>
             <a:fld id="{D728701E-CAF4-4159-9B3E-41C86DFFA30D}" type="datetimeFigureOut">
               <a:rPr lang="en-US" smtClean="0"/>
-              <a:t>2013-04-07</a:t>
+              <a:t>2013-04-08</a:t>
             </a:fld>
             <a:endParaRPr lang="en-US"/>
           </a:p>
@@ -5900,7 +5900,7 @@
           <a:p>
             <a:fld id="{D728701E-CAF4-4159-9B3E-41C86DFFA30D}" type="datetimeFigureOut">
               <a:rPr lang="en-US" smtClean="0"/>
-              <a:t>2013-04-07</a:t>
+              <a:t>2013-04-08</a:t>
             </a:fld>
             <a:endParaRPr lang="en-US"/>
           </a:p>
@@ -6289,7 +6289,7 @@
           <a:p>
             <a:fld id="{D728701E-CAF4-4159-9B3E-41C86DFFA30D}" type="datetimeFigureOut">
               <a:rPr lang="en-US" smtClean="0"/>
-              <a:t>2013-04-07</a:t>
+              <a:t>2013-04-08</a:t>
             </a:fld>
             <a:endParaRPr lang="en-US"/>
           </a:p>
@@ -6878,7 +6878,7 @@
           <a:p>
             <a:fld id="{D728701E-CAF4-4159-9B3E-41C86DFFA30D}" type="datetimeFigureOut">
               <a:rPr lang="en-US" smtClean="0"/>
-              <a:t>2013-04-07</a:t>
+              <a:t>2013-04-08</a:t>
             </a:fld>
             <a:endParaRPr lang="en-US"/>
           </a:p>
@@ -7449,7 +7449,7 @@
           <a:p>
             <a:fld id="{D728701E-CAF4-4159-9B3E-41C86DFFA30D}" type="datetimeFigureOut">
               <a:rPr lang="en-US" smtClean="0"/>
-              <a:t>2013-04-07</a:t>
+              <a:t>2013-04-08</a:t>
             </a:fld>
             <a:endParaRPr lang="en-US"/>
           </a:p>
@@ -7878,7 +7878,7 @@
           <a:p>
             <a:fld id="{D728701E-CAF4-4159-9B3E-41C86DFFA30D}" type="datetimeFigureOut">
               <a:rPr lang="en-US" smtClean="0"/>
-              <a:t>2013-04-07</a:t>
+              <a:t>2013-04-08</a:t>
             </a:fld>
             <a:endParaRPr lang="en-US"/>
           </a:p>
@@ -8305,7 +8305,7 @@
           <a:p>
             <a:fld id="{D728701E-CAF4-4159-9B3E-41C86DFFA30D}" type="datetimeFigureOut">
               <a:rPr lang="en-US" smtClean="0"/>
-              <a:t>2013-04-07</a:t>
+              <a:t>2013-04-08</a:t>
             </a:fld>
             <a:endParaRPr lang="en-US"/>
           </a:p>
@@ -8781,7 +8781,7 @@
           <a:p>
             <a:fld id="{D728701E-CAF4-4159-9B3E-41C86DFFA30D}" type="datetimeFigureOut">
               <a:rPr lang="en-US" smtClean="0"/>
-              <a:t>2013-04-07</a:t>
+              <a:t>2013-04-08</a:t>
             </a:fld>
             <a:endParaRPr lang="en-US"/>
           </a:p>
@@ -9248,7 +9248,7 @@
           <a:p>
             <a:fld id="{D728701E-CAF4-4159-9B3E-41C86DFFA30D}" type="datetimeFigureOut">
               <a:rPr lang="en-US" smtClean="0"/>
-              <a:t>2013-04-07</a:t>
+              <a:t>2013-04-08</a:t>
             </a:fld>
             <a:endParaRPr lang="en-US"/>
           </a:p>
@@ -9785,7 +9785,7 @@
 </file>
 
 <file path=ppt/slides/slide10.xml><?xml version="1.0" encoding="utf-8"?>
-<p:sld xmlns:a="http://schemas.openxmlformats.org/drawingml/2006/main" xmlns:r="http://schemas.openxmlformats.org/officeDocument/2006/relationships" xmlns:p="http://schemas.openxmlformats.org/presentationml/2006/main">
+<p:sld xmlns:a="http://schemas.openxmlformats.org/drawingml/2006/main" xmlns:r="http://schemas.openxmlformats.org/officeDocument/2006/relationships" xmlns:p="http://schemas.openxmlformats.org/presentationml/2006/main" show="0">
   <p:cSld>
     <p:spTree>
       <p:nvGrpSpPr>
@@ -9894,6 +9894,14 @@
   <p:clrMapOvr>
     <a:masterClrMapping/>
   </p:clrMapOvr>
+  <mc:AlternateContent xmlns:mc="http://schemas.openxmlformats.org/markup-compatibility/2006">
+    <mc:Choice xmlns:p14="http://schemas.microsoft.com/office/powerpoint/2010/main" Requires="p14">
+      <p:transition spd="slow" p14:dur="2000"/>
+    </mc:Choice>
+    <mc:Fallback>
+      <p:transition xmlns:p14="http://schemas.microsoft.com/office/powerpoint/2010/main" spd="slow"/>
+    </mc:Fallback>
+  </mc:AlternateContent>
   <p:timing>
     <p:tnLst>
       <p:par>
@@ -9905,7 +9913,7 @@
 </file>
 
 <file path=ppt/slides/slide11.xml><?xml version="1.0" encoding="utf-8"?>
-<p:sld xmlns:a="http://schemas.openxmlformats.org/drawingml/2006/main" xmlns:r="http://schemas.openxmlformats.org/officeDocument/2006/relationships" xmlns:p="http://schemas.openxmlformats.org/presentationml/2006/main">
+<p:sld xmlns:a="http://schemas.openxmlformats.org/drawingml/2006/main" xmlns:r="http://schemas.openxmlformats.org/officeDocument/2006/relationships" xmlns:p="http://schemas.openxmlformats.org/presentationml/2006/main" show="0">
   <p:cSld>
     <p:spTree>
       <p:nvGrpSpPr>
@@ -10010,6 +10018,14 @@
   <p:clrMapOvr>
     <a:masterClrMapping/>
   </p:clrMapOvr>
+  <mc:AlternateContent xmlns:mc="http://schemas.openxmlformats.org/markup-compatibility/2006">
+    <mc:Choice xmlns:p14="http://schemas.microsoft.com/office/powerpoint/2010/main" Requires="p14">
+      <p:transition spd="slow" p14:dur="2000"/>
+    </mc:Choice>
+    <mc:Fallback>
+      <p:transition xmlns:p14="http://schemas.microsoft.com/office/powerpoint/2010/main" spd="slow"/>
+    </mc:Fallback>
+  </mc:AlternateContent>
   <p:timing>
     <p:tnLst>
       <p:par>
@@ -10021,7 +10037,7 @@
 </file>
 
 <file path=ppt/slides/slide12.xml><?xml version="1.0" encoding="utf-8"?>
-<p:sld xmlns:a="http://schemas.openxmlformats.org/drawingml/2006/main" xmlns:r="http://schemas.openxmlformats.org/officeDocument/2006/relationships" xmlns:p="http://schemas.openxmlformats.org/presentationml/2006/main">
+<p:sld xmlns:a="http://schemas.openxmlformats.org/drawingml/2006/main" xmlns:r="http://schemas.openxmlformats.org/officeDocument/2006/relationships" xmlns:p="http://schemas.openxmlformats.org/presentationml/2006/main" show="0">
   <p:cSld>
     <p:spTree>
       <p:nvGrpSpPr>
@@ -10124,6 +10140,14 @@
   <p:clrMapOvr>
     <a:masterClrMapping/>
   </p:clrMapOvr>
+  <mc:AlternateContent xmlns:mc="http://schemas.openxmlformats.org/markup-compatibility/2006">
+    <mc:Choice xmlns:p14="http://schemas.microsoft.com/office/powerpoint/2010/main" Requires="p14">
+      <p:transition spd="slow" p14:dur="2000"/>
+    </mc:Choice>
+    <mc:Fallback>
+      <p:transition xmlns:p14="http://schemas.microsoft.com/office/powerpoint/2010/main" spd="slow"/>
+    </mc:Fallback>
+  </mc:AlternateContent>
   <p:timing>
     <p:tnLst>
       <p:par>
@@ -10135,7 +10159,7 @@
 </file>
 
 <file path=ppt/slides/slide13.xml><?xml version="1.0" encoding="utf-8"?>
-<p:sld xmlns:a="http://schemas.openxmlformats.org/drawingml/2006/main" xmlns:r="http://schemas.openxmlformats.org/officeDocument/2006/relationships" xmlns:p="http://schemas.openxmlformats.org/presentationml/2006/main">
+<p:sld xmlns:a="http://schemas.openxmlformats.org/drawingml/2006/main" xmlns:r="http://schemas.openxmlformats.org/officeDocument/2006/relationships" xmlns:p="http://schemas.openxmlformats.org/presentationml/2006/main" show="0">
   <p:cSld>
     <p:spTree>
       <p:nvGrpSpPr>
@@ -10219,6 +10243,14 @@
   <p:clrMapOvr>
     <a:masterClrMapping/>
   </p:clrMapOvr>
+  <mc:AlternateContent xmlns:mc="http://schemas.openxmlformats.org/markup-compatibility/2006">
+    <mc:Choice xmlns:p14="http://schemas.microsoft.com/office/powerpoint/2010/main" Requires="p14">
+      <p:transition spd="slow" p14:dur="2000"/>
+    </mc:Choice>
+    <mc:Fallback>
+      <p:transition xmlns:p14="http://schemas.microsoft.com/office/powerpoint/2010/main" spd="slow"/>
+    </mc:Fallback>
+  </mc:AlternateContent>
   <p:timing>
     <p:tnLst>
       <p:par>
@@ -10292,30 +10324,6 @@
       </p:sp>
       <p:sp>
         <p:nvSpPr>
-          <p:cNvPr id="4" name="Picture Placeholder 3"/>
-          <p:cNvSpPr>
-            <a:spLocks noGrp="1"/>
-          </p:cNvSpPr>
-          <p:nvPr>
-            <p:ph type="pic" sz="quarter" idx="12"/>
-          </p:nvPr>
-        </p:nvSpPr>
-        <p:spPr/>
-      </p:sp>
-      <p:sp>
-        <p:nvSpPr>
-          <p:cNvPr id="5" name="Picture Placeholder 4"/>
-          <p:cNvSpPr>
-            <a:spLocks noGrp="1"/>
-          </p:cNvSpPr>
-          <p:nvPr>
-            <p:ph type="pic" sz="quarter" idx="13"/>
-          </p:nvPr>
-        </p:nvSpPr>
-        <p:spPr/>
-      </p:sp>
-      <p:sp>
-        <p:nvSpPr>
           <p:cNvPr id="6" name="Text Placeholder 5"/>
           <p:cNvSpPr>
             <a:spLocks noGrp="1"/>
@@ -10375,7 +10383,7 @@
 </file>
 
 <file path=ppt/slides/slide15.xml><?xml version="1.0" encoding="utf-8"?>
-<p:sld xmlns:a="http://schemas.openxmlformats.org/drawingml/2006/main" xmlns:r="http://schemas.openxmlformats.org/officeDocument/2006/relationships" xmlns:p="http://schemas.openxmlformats.org/presentationml/2006/main">
+<p:sld xmlns:a="http://schemas.openxmlformats.org/drawingml/2006/main" xmlns:r="http://schemas.openxmlformats.org/officeDocument/2006/relationships" xmlns:p="http://schemas.openxmlformats.org/presentationml/2006/main" show="0">
   <p:cSld>
     <p:spTree>
       <p:nvGrpSpPr>
@@ -10561,6 +10569,14 @@
   <p:clrMapOvr>
     <a:masterClrMapping/>
   </p:clrMapOvr>
+  <mc:AlternateContent xmlns:mc="http://schemas.openxmlformats.org/markup-compatibility/2006">
+    <mc:Choice xmlns:p14="http://schemas.microsoft.com/office/powerpoint/2010/main" Requires="p14">
+      <p:transition spd="slow" p14:dur="2000"/>
+    </mc:Choice>
+    <mc:Fallback>
+      <p:transition xmlns:p14="http://schemas.microsoft.com/office/powerpoint/2010/main" spd="slow"/>
+    </mc:Fallback>
+  </mc:AlternateContent>
   <p:timing>
     <p:tnLst>
       <p:par>
@@ -15577,7 +15593,7 @@
 </file>
 
 <file path=ppt/slides/slide6.xml><?xml version="1.0" encoding="utf-8"?>
-<p:sld xmlns:a="http://schemas.openxmlformats.org/drawingml/2006/main" xmlns:r="http://schemas.openxmlformats.org/officeDocument/2006/relationships" xmlns:p="http://schemas.openxmlformats.org/presentationml/2006/main">
+<p:sld xmlns:a="http://schemas.openxmlformats.org/drawingml/2006/main" xmlns:r="http://schemas.openxmlformats.org/officeDocument/2006/relationships" xmlns:p="http://schemas.openxmlformats.org/presentationml/2006/main" show="0">
   <p:cSld>
     <p:spTree>
       <p:nvGrpSpPr>
@@ -15729,6 +15745,14 @@
   <p:clrMapOvr>
     <a:masterClrMapping/>
   </p:clrMapOvr>
+  <mc:AlternateContent xmlns:mc="http://schemas.openxmlformats.org/markup-compatibility/2006">
+    <mc:Choice xmlns:p14="http://schemas.microsoft.com/office/powerpoint/2010/main" Requires="p14">
+      <p:transition spd="slow" p14:dur="2000"/>
+    </mc:Choice>
+    <mc:Fallback>
+      <p:transition xmlns:p14="http://schemas.microsoft.com/office/powerpoint/2010/main" spd="slow"/>
+    </mc:Fallback>
+  </mc:AlternateContent>
   <p:timing>
     <p:tnLst>
       <p:par>
@@ -15740,7 +15764,7 @@
 </file>
 
 <file path=ppt/slides/slide7.xml><?xml version="1.0" encoding="utf-8"?>
-<p:sld xmlns:a="http://schemas.openxmlformats.org/drawingml/2006/main" xmlns:r="http://schemas.openxmlformats.org/officeDocument/2006/relationships" xmlns:p="http://schemas.openxmlformats.org/presentationml/2006/main">
+<p:sld xmlns:a="http://schemas.openxmlformats.org/drawingml/2006/main" xmlns:r="http://schemas.openxmlformats.org/officeDocument/2006/relationships" xmlns:p="http://schemas.openxmlformats.org/presentationml/2006/main" show="0">
   <p:cSld>
     <p:spTree>
       <p:nvGrpSpPr>
@@ -15814,15 +15838,7 @@
             </a:pPr>
             <a:r>
               <a:rPr lang="en-US" sz="1800" dirty="0" smtClean="0"/>
-              <a:t>Design a game where patients </a:t>
-            </a:r>
-            <a:r>
-              <a:rPr lang="en-US" sz="1800" dirty="0" smtClean="0"/>
-              <a:t>can </a:t>
-            </a:r>
-            <a:r>
-              <a:rPr lang="en-US" sz="1800" dirty="0" smtClean="0"/>
-              <a:t>work on rehabilitation and have fun doing so.</a:t>
+              <a:t>Design a game where patients can work on rehabilitation and have fun doing so.</a:t>
             </a:r>
           </a:p>
           <a:p>
@@ -15892,6 +15908,14 @@
   <p:clrMapOvr>
     <a:masterClrMapping/>
   </p:clrMapOvr>
+  <mc:AlternateContent xmlns:mc="http://schemas.openxmlformats.org/markup-compatibility/2006">
+    <mc:Choice xmlns:p14="http://schemas.microsoft.com/office/powerpoint/2010/main" Requires="p14">
+      <p:transition spd="slow" p14:dur="2000"/>
+    </mc:Choice>
+    <mc:Fallback>
+      <p:transition xmlns:p14="http://schemas.microsoft.com/office/powerpoint/2010/main" spd="slow"/>
+    </mc:Fallback>
+  </mc:AlternateContent>
   <p:timing>
     <p:tnLst>
       <p:par>

--- a/Documentation/CMPUT302_Pres.pptx
+++ b/Documentation/CMPUT302_Pres.pptx
@@ -5,7 +5,7 @@
     <p:sldMasterId id="2147483660" r:id="rId1"/>
   </p:sldMasterIdLst>
   <p:notesMasterIdLst>
-    <p:notesMasterId r:id="rId36"/>
+    <p:notesMasterId r:id="rId37"/>
   </p:notesMasterIdLst>
   <p:sldIdLst>
     <p:sldId id="256" r:id="rId2"/>
@@ -25,23 +25,24 @@
     <p:sldId id="285" r:id="rId16"/>
     <p:sldId id="270" r:id="rId17"/>
     <p:sldId id="271" r:id="rId18"/>
-    <p:sldId id="272" r:id="rId19"/>
-    <p:sldId id="273" r:id="rId20"/>
-    <p:sldId id="274" r:id="rId21"/>
-    <p:sldId id="275" r:id="rId22"/>
-    <p:sldId id="277" r:id="rId23"/>
-    <p:sldId id="284" r:id="rId24"/>
-    <p:sldId id="276" r:id="rId25"/>
-    <p:sldId id="278" r:id="rId26"/>
-    <p:sldId id="279" r:id="rId27"/>
-    <p:sldId id="280" r:id="rId28"/>
-    <p:sldId id="281" r:id="rId29"/>
-    <p:sldId id="282" r:id="rId30"/>
-    <p:sldId id="286" r:id="rId31"/>
-    <p:sldId id="287" r:id="rId32"/>
-    <p:sldId id="288" r:id="rId33"/>
-    <p:sldId id="289" r:id="rId34"/>
-    <p:sldId id="283" r:id="rId35"/>
+    <p:sldId id="290" r:id="rId19"/>
+    <p:sldId id="272" r:id="rId20"/>
+    <p:sldId id="273" r:id="rId21"/>
+    <p:sldId id="274" r:id="rId22"/>
+    <p:sldId id="275" r:id="rId23"/>
+    <p:sldId id="277" r:id="rId24"/>
+    <p:sldId id="284" r:id="rId25"/>
+    <p:sldId id="276" r:id="rId26"/>
+    <p:sldId id="278" r:id="rId27"/>
+    <p:sldId id="279" r:id="rId28"/>
+    <p:sldId id="280" r:id="rId29"/>
+    <p:sldId id="281" r:id="rId30"/>
+    <p:sldId id="282" r:id="rId31"/>
+    <p:sldId id="286" r:id="rId32"/>
+    <p:sldId id="287" r:id="rId33"/>
+    <p:sldId id="288" r:id="rId34"/>
+    <p:sldId id="289" r:id="rId35"/>
+    <p:sldId id="283" r:id="rId36"/>
   </p:sldIdLst>
   <p:sldSz cx="9144000" cy="6858000" type="screen4x3"/>
   <p:notesSz cx="6858000" cy="9144000"/>
@@ -225,7 +226,7 @@
           <a:p>
             <a:fld id="{BE495B92-5A92-2B45-95C1-9392CD5EE80B}" type="datetimeFigureOut">
               <a:rPr lang="en-US" smtClean="0"/>
-              <a:t>2013-04-08</a:t>
+              <a:t>4/8/2013</a:t>
             </a:fld>
             <a:endParaRPr lang="en-US"/>
           </a:p>
@@ -1062,7 +1063,7 @@
           <a:p>
             <a:fld id="{D728701E-CAF4-4159-9B3E-41C86DFFA30D}" type="datetimeFigureOut">
               <a:rPr lang="en-US" smtClean="0"/>
-              <a:t>2013-04-08</a:t>
+              <a:t>4/8/2013</a:t>
             </a:fld>
             <a:endParaRPr lang="en-US"/>
           </a:p>
@@ -1516,7 +1517,7 @@
           <a:p>
             <a:fld id="{D728701E-CAF4-4159-9B3E-41C86DFFA30D}" type="datetimeFigureOut">
               <a:rPr lang="en-US" smtClean="0"/>
-              <a:t>2013-04-08</a:t>
+              <a:t>4/8/2013</a:t>
             </a:fld>
             <a:endParaRPr lang="en-US"/>
           </a:p>
@@ -2171,7 +2172,7 @@
           <a:p>
             <a:fld id="{D728701E-CAF4-4159-9B3E-41C86DFFA30D}" type="datetimeFigureOut">
               <a:rPr lang="en-US" smtClean="0"/>
-              <a:t>2013-04-08</a:t>
+              <a:t>4/8/2013</a:t>
             </a:fld>
             <a:endParaRPr lang="en-US"/>
           </a:p>
@@ -2307,7 +2308,7 @@
           <a:p>
             <a:fld id="{D728701E-CAF4-4159-9B3E-41C86DFFA30D}" type="datetimeFigureOut">
               <a:rPr lang="en-US" smtClean="0"/>
-              <a:t>2013-04-08</a:t>
+              <a:t>4/8/2013</a:t>
             </a:fld>
             <a:endParaRPr lang="en-US"/>
           </a:p>
@@ -2673,7 +2674,7 @@
           <a:p>
             <a:fld id="{D728701E-CAF4-4159-9B3E-41C86DFFA30D}" type="datetimeFigureOut">
               <a:rPr lang="en-US" smtClean="0"/>
-              <a:t>2013-04-08</a:t>
+              <a:t>4/8/2013</a:t>
             </a:fld>
             <a:endParaRPr lang="en-US"/>
           </a:p>
@@ -2999,7 +3000,7 @@
           <a:p>
             <a:fld id="{D728701E-CAF4-4159-9B3E-41C86DFFA30D}" type="datetimeFigureOut">
               <a:rPr lang="en-US" smtClean="0"/>
-              <a:t>2013-04-08</a:t>
+              <a:t>4/8/2013</a:t>
             </a:fld>
             <a:endParaRPr lang="en-US"/>
           </a:p>
@@ -3297,7 +3298,7 @@
           <a:p>
             <a:fld id="{D728701E-CAF4-4159-9B3E-41C86DFFA30D}" type="datetimeFigureOut">
               <a:rPr lang="en-US" smtClean="0"/>
-              <a:t>2013-04-08</a:t>
+              <a:t>4/8/2013</a:t>
             </a:fld>
             <a:endParaRPr lang="en-US"/>
           </a:p>
@@ -3684,7 +3685,7 @@
           <a:p>
             <a:fld id="{D728701E-CAF4-4159-9B3E-41C86DFFA30D}" type="datetimeFigureOut">
               <a:rPr lang="en-US" smtClean="0"/>
-              <a:t>2013-04-08</a:t>
+              <a:t>4/8/2013</a:t>
             </a:fld>
             <a:endParaRPr lang="en-US"/>
           </a:p>
@@ -4104,7 +4105,7 @@
           <a:p>
             <a:fld id="{D728701E-CAF4-4159-9B3E-41C86DFFA30D}" type="datetimeFigureOut">
               <a:rPr lang="en-US" smtClean="0"/>
-              <a:t>2013-04-08</a:t>
+              <a:t>4/8/2013</a:t>
             </a:fld>
             <a:endParaRPr lang="en-US"/>
           </a:p>
@@ -4652,7 +4653,7 @@
           <a:p>
             <a:fld id="{D728701E-CAF4-4159-9B3E-41C86DFFA30D}" type="datetimeFigureOut">
               <a:rPr lang="en-US" smtClean="0"/>
-              <a:t>2013-04-08</a:t>
+              <a:t>4/8/2013</a:t>
             </a:fld>
             <a:endParaRPr lang="en-US"/>
           </a:p>
@@ -5038,7 +5039,7 @@
           <a:p>
             <a:fld id="{D728701E-CAF4-4159-9B3E-41C86DFFA30D}" type="datetimeFigureOut">
               <a:rPr lang="en-US" smtClean="0"/>
-              <a:t>2013-04-08</a:t>
+              <a:t>4/8/2013</a:t>
             </a:fld>
             <a:endParaRPr lang="en-US"/>
           </a:p>
@@ -5281,7 +5282,7 @@
           <a:p>
             <a:fld id="{D728701E-CAF4-4159-9B3E-41C86DFFA30D}" type="datetimeFigureOut">
               <a:rPr lang="en-US" smtClean="0"/>
-              <a:t>2013-04-08</a:t>
+              <a:t>4/8/2013</a:t>
             </a:fld>
             <a:endParaRPr lang="en-US"/>
           </a:p>
@@ -5616,7 +5617,7 @@
           <a:p>
             <a:fld id="{D728701E-CAF4-4159-9B3E-41C86DFFA30D}" type="datetimeFigureOut">
               <a:rPr lang="en-US" smtClean="0"/>
-              <a:t>2013-04-08</a:t>
+              <a:t>4/8/2013</a:t>
             </a:fld>
             <a:endParaRPr lang="en-US"/>
           </a:p>
@@ -5900,7 +5901,7 @@
           <a:p>
             <a:fld id="{D728701E-CAF4-4159-9B3E-41C86DFFA30D}" type="datetimeFigureOut">
               <a:rPr lang="en-US" smtClean="0"/>
-              <a:t>2013-04-08</a:t>
+              <a:t>4/8/2013</a:t>
             </a:fld>
             <a:endParaRPr lang="en-US"/>
           </a:p>
@@ -6289,7 +6290,7 @@
           <a:p>
             <a:fld id="{D728701E-CAF4-4159-9B3E-41C86DFFA30D}" type="datetimeFigureOut">
               <a:rPr lang="en-US" smtClean="0"/>
-              <a:t>2013-04-08</a:t>
+              <a:t>4/8/2013</a:t>
             </a:fld>
             <a:endParaRPr lang="en-US"/>
           </a:p>
@@ -6878,7 +6879,7 @@
           <a:p>
             <a:fld id="{D728701E-CAF4-4159-9B3E-41C86DFFA30D}" type="datetimeFigureOut">
               <a:rPr lang="en-US" smtClean="0"/>
-              <a:t>2013-04-08</a:t>
+              <a:t>4/8/2013</a:t>
             </a:fld>
             <a:endParaRPr lang="en-US"/>
           </a:p>
@@ -7449,7 +7450,7 @@
           <a:p>
             <a:fld id="{D728701E-CAF4-4159-9B3E-41C86DFFA30D}" type="datetimeFigureOut">
               <a:rPr lang="en-US" smtClean="0"/>
-              <a:t>2013-04-08</a:t>
+              <a:t>4/8/2013</a:t>
             </a:fld>
             <a:endParaRPr lang="en-US"/>
           </a:p>
@@ -7878,7 +7879,7 @@
           <a:p>
             <a:fld id="{D728701E-CAF4-4159-9B3E-41C86DFFA30D}" type="datetimeFigureOut">
               <a:rPr lang="en-US" smtClean="0"/>
-              <a:t>2013-04-08</a:t>
+              <a:t>4/8/2013</a:t>
             </a:fld>
             <a:endParaRPr lang="en-US"/>
           </a:p>
@@ -8305,7 +8306,7 @@
           <a:p>
             <a:fld id="{D728701E-CAF4-4159-9B3E-41C86DFFA30D}" type="datetimeFigureOut">
               <a:rPr lang="en-US" smtClean="0"/>
-              <a:t>2013-04-08</a:t>
+              <a:t>4/8/2013</a:t>
             </a:fld>
             <a:endParaRPr lang="en-US"/>
           </a:p>
@@ -8781,7 +8782,7 @@
           <a:p>
             <a:fld id="{D728701E-CAF4-4159-9B3E-41C86DFFA30D}" type="datetimeFigureOut">
               <a:rPr lang="en-US" smtClean="0"/>
-              <a:t>2013-04-08</a:t>
+              <a:t>4/8/2013</a:t>
             </a:fld>
             <a:endParaRPr lang="en-US"/>
           </a:p>
@@ -9248,7 +9249,7 @@
           <a:p>
             <a:fld id="{D728701E-CAF4-4159-9B3E-41C86DFFA30D}" type="datetimeFigureOut">
               <a:rPr lang="en-US" smtClean="0"/>
-              <a:t>2013-04-08</a:t>
+              <a:t>4/8/2013</a:t>
             </a:fld>
             <a:endParaRPr lang="en-US"/>
           </a:p>
@@ -9777,7 +9778,7 @@
   <p:timing>
     <p:tnLst>
       <p:par>
-        <p:cTn xmlns:p14="http://schemas.microsoft.com/office/powerpoint/2010/main" id="1" dur="indefinite" restart="never" nodeType="tmRoot"/>
+        <p:cTn id="1" dur="indefinite" restart="never" nodeType="tmRoot"/>
       </p:par>
     </p:tnLst>
   </p:timing>
@@ -9894,18 +9895,18 @@
   <p:clrMapOvr>
     <a:masterClrMapping/>
   </p:clrMapOvr>
-  <mc:AlternateContent xmlns:mc="http://schemas.openxmlformats.org/markup-compatibility/2006">
-    <mc:Choice xmlns:p14="http://schemas.microsoft.com/office/powerpoint/2010/main" Requires="p14">
+  <mc:AlternateContent xmlns:mc="http://schemas.openxmlformats.org/markup-compatibility/2006" xmlns:p14="http://schemas.microsoft.com/office/powerpoint/2010/main">
+    <mc:Choice Requires="p14">
       <p:transition spd="slow" p14:dur="2000"/>
     </mc:Choice>
-    <mc:Fallback>
+    <mc:Fallback xmlns="">
       <p:transition xmlns:p14="http://schemas.microsoft.com/office/powerpoint/2010/main" spd="slow"/>
     </mc:Fallback>
   </mc:AlternateContent>
   <p:timing>
     <p:tnLst>
       <p:par>
-        <p:cTn xmlns:p14="http://schemas.microsoft.com/office/powerpoint/2010/main" id="1" dur="indefinite" restart="never" nodeType="tmRoot"/>
+        <p:cTn id="1" dur="indefinite" restart="never" nodeType="tmRoot"/>
       </p:par>
     </p:tnLst>
   </p:timing>
@@ -10018,18 +10019,18 @@
   <p:clrMapOvr>
     <a:masterClrMapping/>
   </p:clrMapOvr>
-  <mc:AlternateContent xmlns:mc="http://schemas.openxmlformats.org/markup-compatibility/2006">
-    <mc:Choice xmlns:p14="http://schemas.microsoft.com/office/powerpoint/2010/main" Requires="p14">
+  <mc:AlternateContent xmlns:mc="http://schemas.openxmlformats.org/markup-compatibility/2006" xmlns:p14="http://schemas.microsoft.com/office/powerpoint/2010/main">
+    <mc:Choice Requires="p14">
       <p:transition spd="slow" p14:dur="2000"/>
     </mc:Choice>
-    <mc:Fallback>
+    <mc:Fallback xmlns="">
       <p:transition xmlns:p14="http://schemas.microsoft.com/office/powerpoint/2010/main" spd="slow"/>
     </mc:Fallback>
   </mc:AlternateContent>
   <p:timing>
     <p:tnLst>
       <p:par>
-        <p:cTn xmlns:p14="http://schemas.microsoft.com/office/powerpoint/2010/main" id="1" dur="indefinite" restart="never" nodeType="tmRoot"/>
+        <p:cTn id="1" dur="indefinite" restart="never" nodeType="tmRoot"/>
       </p:par>
     </p:tnLst>
   </p:timing>
@@ -10140,18 +10141,18 @@
   <p:clrMapOvr>
     <a:masterClrMapping/>
   </p:clrMapOvr>
-  <mc:AlternateContent xmlns:mc="http://schemas.openxmlformats.org/markup-compatibility/2006">
-    <mc:Choice xmlns:p14="http://schemas.microsoft.com/office/powerpoint/2010/main" Requires="p14">
+  <mc:AlternateContent xmlns:mc="http://schemas.openxmlformats.org/markup-compatibility/2006" xmlns:p14="http://schemas.microsoft.com/office/powerpoint/2010/main">
+    <mc:Choice Requires="p14">
       <p:transition spd="slow" p14:dur="2000"/>
     </mc:Choice>
-    <mc:Fallback>
+    <mc:Fallback xmlns="">
       <p:transition xmlns:p14="http://schemas.microsoft.com/office/powerpoint/2010/main" spd="slow"/>
     </mc:Fallback>
   </mc:AlternateContent>
   <p:timing>
     <p:tnLst>
       <p:par>
-        <p:cTn xmlns:p14="http://schemas.microsoft.com/office/powerpoint/2010/main" id="1" dur="indefinite" restart="never" nodeType="tmRoot"/>
+        <p:cTn id="1" dur="indefinite" restart="never" nodeType="tmRoot"/>
       </p:par>
     </p:tnLst>
   </p:timing>
@@ -10243,18 +10244,18 @@
   <p:clrMapOvr>
     <a:masterClrMapping/>
   </p:clrMapOvr>
-  <mc:AlternateContent xmlns:mc="http://schemas.openxmlformats.org/markup-compatibility/2006">
-    <mc:Choice xmlns:p14="http://schemas.microsoft.com/office/powerpoint/2010/main" Requires="p14">
+  <mc:AlternateContent xmlns:mc="http://schemas.openxmlformats.org/markup-compatibility/2006" xmlns:p14="http://schemas.microsoft.com/office/powerpoint/2010/main">
+    <mc:Choice Requires="p14">
       <p:transition spd="slow" p14:dur="2000"/>
     </mc:Choice>
-    <mc:Fallback>
+    <mc:Fallback xmlns="">
       <p:transition xmlns:p14="http://schemas.microsoft.com/office/powerpoint/2010/main" spd="slow"/>
     </mc:Fallback>
   </mc:AlternateContent>
   <p:timing>
     <p:tnLst>
       <p:par>
-        <p:cTn xmlns:p14="http://schemas.microsoft.com/office/powerpoint/2010/main" id="1" dur="indefinite" restart="never" nodeType="tmRoot"/>
+        <p:cTn id="1" dur="indefinite" restart="never" nodeType="tmRoot"/>
       </p:par>
     </p:tnLst>
   </p:timing>
@@ -10375,7 +10376,7 @@
   <p:timing>
     <p:tnLst>
       <p:par>
-        <p:cTn xmlns:p14="http://schemas.microsoft.com/office/powerpoint/2010/main" id="1" dur="indefinite" restart="never" nodeType="tmRoot"/>
+        <p:cTn id="1" dur="indefinite" restart="never" nodeType="tmRoot"/>
       </p:par>
     </p:tnLst>
   </p:timing>
@@ -10569,18 +10570,18 @@
   <p:clrMapOvr>
     <a:masterClrMapping/>
   </p:clrMapOvr>
-  <mc:AlternateContent xmlns:mc="http://schemas.openxmlformats.org/markup-compatibility/2006">
-    <mc:Choice xmlns:p14="http://schemas.microsoft.com/office/powerpoint/2010/main" Requires="p14">
+  <mc:AlternateContent xmlns:mc="http://schemas.openxmlformats.org/markup-compatibility/2006" xmlns:p14="http://schemas.microsoft.com/office/powerpoint/2010/main">
+    <mc:Choice Requires="p14">
       <p:transition spd="slow" p14:dur="2000"/>
     </mc:Choice>
-    <mc:Fallback>
+    <mc:Fallback xmlns="">
       <p:transition xmlns:p14="http://schemas.microsoft.com/office/powerpoint/2010/main" spd="slow"/>
     </mc:Fallback>
   </mc:AlternateContent>
   <p:timing>
     <p:tnLst>
       <p:par>
-        <p:cTn xmlns:p14="http://schemas.microsoft.com/office/powerpoint/2010/main" id="1" dur="indefinite" restart="never" nodeType="tmRoot"/>
+        <p:cTn id="1" dur="indefinite" restart="never" nodeType="tmRoot"/>
       </p:par>
     </p:tnLst>
   </p:timing>
@@ -10688,7 +10689,7 @@
   <p:timing>
     <p:tnLst>
       <p:par>
-        <p:cTn xmlns:p14="http://schemas.microsoft.com/office/powerpoint/2010/main" id="1" dur="indefinite" restart="never" nodeType="tmRoot"/>
+        <p:cTn id="1" dur="indefinite" restart="never" nodeType="tmRoot"/>
       </p:par>
     </p:tnLst>
   </p:timing>
@@ -10828,7 +10829,7 @@
   <p:timing>
     <p:tnLst>
       <p:par>
-        <p:cTn xmlns:p14="http://schemas.microsoft.com/office/powerpoint/2010/main" id="1" dur="indefinite" restart="never" nodeType="tmRoot"/>
+        <p:cTn id="1" dur="indefinite" restart="never" nodeType="tmRoot"/>
       </p:par>
     </p:tnLst>
   </p:timing>
@@ -10868,10 +10869,10 @@
           <a:lstStyle/>
           <a:p>
             <a:r>
-              <a:rPr lang="en-US" dirty="0" smtClean="0"/>
-              <a:t>Main Menu</a:t>
-            </a:r>
-            <a:endParaRPr lang="en-US" dirty="0"/>
+              <a:rPr lang="en-CA" dirty="0" smtClean="0"/>
+              <a:t>Design Patterns</a:t>
+            </a:r>
+            <a:endParaRPr lang="en-CA" dirty="0"/>
           </a:p>
         </p:txBody>
       </p:sp>
@@ -10885,112 +10886,53 @@
             <p:ph idx="1"/>
           </p:nvPr>
         </p:nvSpPr>
-        <p:spPr>
-          <a:xfrm>
-            <a:off x="498474" y="4387916"/>
-            <a:ext cx="7556313" cy="1738247"/>
-          </a:xfrm>
-        </p:spPr>
+        <p:spPr/>
         <p:txBody>
           <a:bodyPr/>
           <a:lstStyle/>
           <a:p>
             <a:r>
-              <a:rPr lang="en-US" dirty="0" smtClean="0"/>
-              <a:t>Create new tapping environment =&gt;</a:t>
-            </a:r>
-          </a:p>
-          <a:p>
-            <a:r>
-              <a:rPr lang="en-US" dirty="0" smtClean="0"/>
-              <a:t>Load tapping environment =&gt;</a:t>
-            </a:r>
-          </a:p>
-          <a:p>
-            <a:r>
-              <a:rPr lang="en-US" dirty="0" smtClean="0"/>
-              <a:t>Exit to windows =&gt;</a:t>
-            </a:r>
-            <a:endParaRPr lang="en-US" dirty="0"/>
-          </a:p>
-        </p:txBody>
-      </p:sp>
-      <p:pic>
-        <p:nvPicPr>
-          <p:cNvPr id="5" name="Picture 4" descr="Screen Shot 2013-03-31 at 3.54.15 PM.png"/>
-          <p:cNvPicPr>
-            <a:picLocks noChangeAspect="1"/>
-          </p:cNvPicPr>
-          <p:nvPr/>
-        </p:nvPicPr>
-        <p:blipFill>
-          <a:blip r:embed="rId2" cstate="print">
-            <a:extLst>
-              <a:ext uri="{28A0092B-C50C-407E-A947-70E740481C1C}">
-                <a14:useLocalDpi xmlns:a14="http://schemas.microsoft.com/office/drawing/2010/main" val="0"/>
-              </a:ext>
-            </a:extLst>
-          </a:blip>
-          <a:stretch>
-            <a:fillRect/>
-          </a:stretch>
-        </p:blipFill>
-        <p:spPr>
-          <a:xfrm>
-            <a:off x="498474" y="1196921"/>
-            <a:ext cx="5923542" cy="3153154"/>
-          </a:xfrm>
-          <a:prstGeom prst="rect">
-            <a:avLst/>
-          </a:prstGeom>
-        </p:spPr>
-      </p:pic>
-      <p:sp>
-        <p:nvSpPr>
-          <p:cNvPr id="6" name="Line Callout 2 (No Border) 5"/>
-          <p:cNvSpPr/>
-          <p:nvPr/>
-        </p:nvSpPr>
-        <p:spPr>
-          <a:xfrm>
-            <a:off x="6903517" y="3569319"/>
-            <a:ext cx="1005132" cy="650062"/>
-          </a:xfrm>
-          <a:prstGeom prst="callout2">
-            <a:avLst/>
-          </a:prstGeom>
-        </p:spPr>
-        <p:style>
-          <a:lnRef idx="1">
-            <a:schemeClr val="accent1"/>
-          </a:lnRef>
-          <a:fillRef idx="3">
-            <a:schemeClr val="accent1"/>
-          </a:fillRef>
-          <a:effectRef idx="2">
-            <a:schemeClr val="accent1"/>
-          </a:effectRef>
-          <a:fontRef idx="minor">
-            <a:schemeClr val="lt1"/>
-          </a:fontRef>
-        </p:style>
-        <p:txBody>
-          <a:bodyPr rtlCol="0" anchor="ctr"/>
-          <a:lstStyle/>
-          <a:p>
-            <a:pPr algn="ctr"/>
-            <a:r>
-              <a:rPr lang="en-US" dirty="0" smtClean="0"/>
-              <a:t>HELP</a:t>
-            </a:r>
-            <a:endParaRPr lang="en-US" dirty="0"/>
+              <a:rPr lang="en-CA" dirty="0" smtClean="0"/>
+              <a:t>Singleton Pattern</a:t>
+            </a:r>
+          </a:p>
+          <a:p>
+            <a:r>
+              <a:rPr lang="en-CA" dirty="0" smtClean="0"/>
+              <a:t>Command Pattern</a:t>
+            </a:r>
+          </a:p>
+          <a:p>
+            <a:r>
+              <a:rPr lang="en-CA" dirty="0" smtClean="0"/>
+              <a:t>Factory Method</a:t>
+            </a:r>
+          </a:p>
+          <a:p>
+            <a:r>
+              <a:rPr lang="en-CA" dirty="0" smtClean="0"/>
+              <a:t>Composite Pattern</a:t>
+            </a:r>
+          </a:p>
+          <a:p>
+            <a:r>
+              <a:rPr lang="en-CA" dirty="0" smtClean="0"/>
+              <a:t>State Pattern.</a:t>
+            </a:r>
+          </a:p>
+          <a:p>
+            <a:r>
+              <a:rPr lang="en-CA" smtClean="0"/>
+              <a:t>Adapter Pattern</a:t>
+            </a:r>
+            <a:endParaRPr lang="en-CA" dirty="0" smtClean="0"/>
           </a:p>
         </p:txBody>
       </p:sp>
     </p:spTree>
     <p:extLst>
       <p:ext uri="{BB962C8B-B14F-4D97-AF65-F5344CB8AC3E}">
-        <p14:creationId xmlns:p14="http://schemas.microsoft.com/office/powerpoint/2010/main" val="347671507"/>
+        <p14:creationId xmlns:p14="http://schemas.microsoft.com/office/powerpoint/2010/main" val="16920135"/>
       </p:ext>
     </p:extLst>
   </p:cSld>
@@ -11000,7 +10942,7 @@
   <p:timing>
     <p:tnLst>
       <p:par>
-        <p:cTn xmlns:p14="http://schemas.microsoft.com/office/powerpoint/2010/main" id="1" dur="indefinite" restart="never" nodeType="tmRoot"/>
+        <p:cTn id="1" dur="indefinite" restart="never" nodeType="tmRoot"/>
       </p:par>
     </p:tnLst>
   </p:timing>
@@ -11041,7 +10983,7 @@
           <a:p>
             <a:r>
               <a:rPr lang="en-US" dirty="0" smtClean="0"/>
-              <a:t>New Layout</a:t>
+              <a:t>Main Menu</a:t>
             </a:r>
             <a:endParaRPr lang="en-US" dirty="0"/>
           </a:p>
@@ -11069,13 +11011,19 @@
           <a:p>
             <a:r>
               <a:rPr lang="en-US" dirty="0" smtClean="0"/>
-              <a:t>Description &amp; Name are appended to give a level / tapping environment its name.</a:t>
-            </a:r>
-          </a:p>
-          <a:p>
-            <a:r>
-              <a:rPr lang="en-US" dirty="0" smtClean="0"/>
-              <a:t>Fill out Description and Name then press CREATE =&gt;</a:t>
+              <a:t>Create new tapping environment =&gt;</a:t>
+            </a:r>
+          </a:p>
+          <a:p>
+            <a:r>
+              <a:rPr lang="en-US" dirty="0" smtClean="0"/>
+              <a:t>Load tapping environment =&gt;</a:t>
+            </a:r>
+          </a:p>
+          <a:p>
+            <a:r>
+              <a:rPr lang="en-US" dirty="0" smtClean="0"/>
+              <a:t>Exit to windows =&gt;</a:t>
             </a:r>
             <a:endParaRPr lang="en-US" dirty="0"/>
           </a:p>
@@ -11083,14 +11031,14 @@
       </p:sp>
       <p:pic>
         <p:nvPicPr>
-          <p:cNvPr id="4" name="Picture 3" descr="Screen Shot 2013-03-31 at 3.57.41 PM.png"/>
+          <p:cNvPr id="5" name="Picture 4" descr="Screen Shot 2013-03-31 at 3.54.15 PM.png"/>
           <p:cNvPicPr>
             <a:picLocks noChangeAspect="1"/>
           </p:cNvPicPr>
           <p:nvPr/>
         </p:nvPicPr>
         <p:blipFill>
-          <a:blip r:embed="rId2" cstate="print">
+          <a:blip r:embed="rId2" cstate="email">
             <a:extLst>
               <a:ext uri="{28A0092B-C50C-407E-A947-70E740481C1C}">
                 <a14:useLocalDpi xmlns:a14="http://schemas.microsoft.com/office/drawing/2010/main" val="0"/>
@@ -11103,8 +11051,8 @@
         </p:blipFill>
         <p:spPr>
           <a:xfrm>
-            <a:off x="498474" y="1071399"/>
-            <a:ext cx="6345782" cy="3376586"/>
+            <a:off x="498474" y="1196921"/>
+            <a:ext cx="5923542" cy="3153154"/>
           </a:xfrm>
           <a:prstGeom prst="rect">
             <a:avLst/>
@@ -11119,7 +11067,7 @@
         </p:nvSpPr>
         <p:spPr>
           <a:xfrm>
-            <a:off x="7317489" y="3647568"/>
+            <a:off x="6903517" y="3569319"/>
             <a:ext cx="1005132" cy="650062"/>
           </a:xfrm>
           <a:prstGeom prst="callout2">
@@ -11156,7 +11104,7 @@
     </p:spTree>
     <p:extLst>
       <p:ext uri="{BB962C8B-B14F-4D97-AF65-F5344CB8AC3E}">
-        <p14:creationId xmlns:p14="http://schemas.microsoft.com/office/powerpoint/2010/main" val="4007498946"/>
+        <p14:creationId xmlns:p14="http://schemas.microsoft.com/office/powerpoint/2010/main" val="347671507"/>
       </p:ext>
     </p:extLst>
   </p:cSld>
@@ -11166,7 +11114,7 @@
   <p:timing>
     <p:tnLst>
       <p:par>
-        <p:cTn xmlns:p14="http://schemas.microsoft.com/office/powerpoint/2010/main" id="1" dur="indefinite" restart="never" nodeType="tmRoot"/>
+        <p:cTn id="1" dur="indefinite" restart="never" nodeType="tmRoot"/>
       </p:par>
     </p:tnLst>
   </p:timing>
@@ -11312,7 +11260,7 @@
   <p:timing>
     <p:tnLst>
       <p:par>
-        <p:cTn xmlns:p14="http://schemas.microsoft.com/office/powerpoint/2010/main" id="1" dur="indefinite" restart="never" nodeType="tmRoot"/>
+        <p:cTn id="1" dur="indefinite" restart="never" nodeType="tmRoot"/>
       </p:par>
     </p:tnLst>
   </p:timing>
@@ -11353,7 +11301,7 @@
           <a:p>
             <a:r>
               <a:rPr lang="en-US" dirty="0" smtClean="0"/>
-              <a:t>Load Layout</a:t>
+              <a:t>New Layout</a:t>
             </a:r>
             <a:endParaRPr lang="en-US" dirty="0"/>
           </a:p>
@@ -11371,31 +11319,23 @@
         </p:nvSpPr>
         <p:spPr>
           <a:xfrm>
-            <a:off x="498474" y="4592565"/>
+            <a:off x="498474" y="4387916"/>
             <a:ext cx="7556313" cy="1738247"/>
           </a:xfrm>
         </p:spPr>
         <p:txBody>
-          <a:bodyPr>
-            <a:normAutofit fontScale="85000" lnSpcReduction="20000"/>
-          </a:bodyPr>
-          <a:lstStyle/>
-          <a:p>
-            <a:r>
-              <a:rPr lang="en-US" dirty="0" smtClean="0"/>
-              <a:t>Description &amp; Name have been appended to give a level / tapping environment its name.</a:t>
-            </a:r>
-          </a:p>
-          <a:p>
-            <a:r>
-              <a:rPr lang="en-US" dirty="0" smtClean="0"/>
-              <a:t>Highlight a tapping environment by tapping on it in the list then press OPEN =&gt;</a:t>
-            </a:r>
-          </a:p>
-          <a:p>
-            <a:r>
-              <a:rPr lang="en-US" dirty="0" smtClean="0"/>
-              <a:t>Searching also available, tap in search box to open OSK.</a:t>
+          <a:bodyPr/>
+          <a:lstStyle/>
+          <a:p>
+            <a:r>
+              <a:rPr lang="en-US" dirty="0" smtClean="0"/>
+              <a:t>Description &amp; Name are appended to give a level / tapping environment its name.</a:t>
+            </a:r>
+          </a:p>
+          <a:p>
+            <a:r>
+              <a:rPr lang="en-US" dirty="0" smtClean="0"/>
+              <a:t>Fill out Description and Name then press CREATE =&gt;</a:t>
             </a:r>
             <a:endParaRPr lang="en-US" dirty="0"/>
           </a:p>
@@ -11403,14 +11343,14 @@
       </p:sp>
       <p:pic>
         <p:nvPicPr>
-          <p:cNvPr id="5" name="Picture 4" descr="Screen Shot 2013-03-31 at 4.01.20 PM.png"/>
+          <p:cNvPr id="4" name="Picture 3" descr="Screen Shot 2013-03-31 at 3.57.41 PM.png"/>
           <p:cNvPicPr>
             <a:picLocks noChangeAspect="1"/>
           </p:cNvPicPr>
           <p:nvPr/>
         </p:nvPicPr>
         <p:blipFill>
-          <a:blip r:embed="rId2" cstate="print">
+          <a:blip r:embed="rId2" cstate="email">
             <a:extLst>
               <a:ext uri="{28A0092B-C50C-407E-A947-70E740481C1C}">
                 <a14:useLocalDpi xmlns:a14="http://schemas.microsoft.com/office/drawing/2010/main" val="0"/>
@@ -11423,8 +11363,8 @@
         </p:blipFill>
         <p:spPr>
           <a:xfrm>
-            <a:off x="498473" y="1135058"/>
-            <a:ext cx="6344855" cy="3373752"/>
+            <a:off x="498474" y="1071399"/>
+            <a:ext cx="6345782" cy="3376586"/>
           </a:xfrm>
           <a:prstGeom prst="rect">
             <a:avLst/>
@@ -11433,24 +11373,17 @@
       </p:pic>
       <p:sp>
         <p:nvSpPr>
-          <p:cNvPr id="6" name="Line Callout 2 5"/>
+          <p:cNvPr id="6" name="Line Callout 2 (No Border) 5"/>
           <p:cNvSpPr/>
           <p:nvPr/>
         </p:nvSpPr>
         <p:spPr>
           <a:xfrm>
-            <a:off x="5146039" y="2076586"/>
-            <a:ext cx="1564878" cy="547738"/>
-          </a:xfrm>
-          <a:prstGeom prst="borderCallout2">
-            <a:avLst>
-              <a:gd name="adj1" fmla="val 18750"/>
-              <a:gd name="adj2" fmla="val -8333"/>
-              <a:gd name="adj3" fmla="val 17651"/>
-              <a:gd name="adj4" fmla="val -41667"/>
-              <a:gd name="adj5" fmla="val -37060"/>
-              <a:gd name="adj6" fmla="val -111283"/>
-            </a:avLst>
+            <a:off x="7317489" y="3647568"/>
+            <a:ext cx="1005132" cy="650062"/>
+          </a:xfrm>
+          <a:prstGeom prst="callout2">
+            <a:avLst/>
           </a:prstGeom>
         </p:spPr>
         <p:style>
@@ -11474,97 +11407,6 @@
             <a:pPr algn="ctr"/>
             <a:r>
               <a:rPr lang="en-US" dirty="0" smtClean="0"/>
-              <a:t>Environment Name</a:t>
-            </a:r>
-            <a:endParaRPr lang="en-US" dirty="0"/>
-          </a:p>
-        </p:txBody>
-      </p:sp>
-      <p:sp>
-        <p:nvSpPr>
-          <p:cNvPr id="7" name="Line Callout 2 (No Border) 6"/>
-          <p:cNvSpPr/>
-          <p:nvPr/>
-        </p:nvSpPr>
-        <p:spPr>
-          <a:xfrm>
-            <a:off x="758364" y="2318000"/>
-            <a:ext cx="1125056" cy="612648"/>
-          </a:xfrm>
-          <a:prstGeom prst="callout2">
-            <a:avLst>
-              <a:gd name="adj1" fmla="val 24645"/>
-              <a:gd name="adj2" fmla="val 98299"/>
-              <a:gd name="adj3" fmla="val 24645"/>
-              <a:gd name="adj4" fmla="val 133152"/>
-              <a:gd name="adj5" fmla="val -140978"/>
-              <a:gd name="adj6" fmla="val 191973"/>
-            </a:avLst>
-          </a:prstGeom>
-        </p:spPr>
-        <p:style>
-          <a:lnRef idx="1">
-            <a:schemeClr val="accent1"/>
-          </a:lnRef>
-          <a:fillRef idx="3">
-            <a:schemeClr val="accent1"/>
-          </a:fillRef>
-          <a:effectRef idx="2">
-            <a:schemeClr val="accent1"/>
-          </a:effectRef>
-          <a:fontRef idx="minor">
-            <a:schemeClr val="lt1"/>
-          </a:fontRef>
-        </p:style>
-        <p:txBody>
-          <a:bodyPr rtlCol="0" anchor="ctr"/>
-          <a:lstStyle/>
-          <a:p>
-            <a:pPr algn="ctr"/>
-            <a:r>
-              <a:rPr lang="en-US" dirty="0" smtClean="0"/>
-              <a:t>SEARCH</a:t>
-            </a:r>
-            <a:endParaRPr lang="en-US" dirty="0"/>
-          </a:p>
-        </p:txBody>
-      </p:sp>
-      <p:sp>
-        <p:nvSpPr>
-          <p:cNvPr id="8" name="Line Callout 2 (No Border) 7"/>
-          <p:cNvSpPr/>
-          <p:nvPr/>
-        </p:nvSpPr>
-        <p:spPr>
-          <a:xfrm>
-            <a:off x="7318811" y="3671644"/>
-            <a:ext cx="1005132" cy="650062"/>
-          </a:xfrm>
-          <a:prstGeom prst="callout2">
-            <a:avLst/>
-          </a:prstGeom>
-        </p:spPr>
-        <p:style>
-          <a:lnRef idx="1">
-            <a:schemeClr val="accent1"/>
-          </a:lnRef>
-          <a:fillRef idx="3">
-            <a:schemeClr val="accent1"/>
-          </a:fillRef>
-          <a:effectRef idx="2">
-            <a:schemeClr val="accent1"/>
-          </a:effectRef>
-          <a:fontRef idx="minor">
-            <a:schemeClr val="lt1"/>
-          </a:fontRef>
-        </p:style>
-        <p:txBody>
-          <a:bodyPr rtlCol="0" anchor="ctr"/>
-          <a:lstStyle/>
-          <a:p>
-            <a:pPr algn="ctr"/>
-            <a:r>
-              <a:rPr lang="en-US" dirty="0" smtClean="0"/>
               <a:t>HELP</a:t>
             </a:r>
             <a:endParaRPr lang="en-US" dirty="0"/>
@@ -11574,7 +11416,7 @@
     </p:spTree>
     <p:extLst>
       <p:ext uri="{BB962C8B-B14F-4D97-AF65-F5344CB8AC3E}">
-        <p14:creationId xmlns:p14="http://schemas.microsoft.com/office/powerpoint/2010/main" val="1713886409"/>
+        <p14:creationId xmlns:p14="http://schemas.microsoft.com/office/powerpoint/2010/main" val="4007498946"/>
       </p:ext>
     </p:extLst>
   </p:cSld>
@@ -11584,7 +11426,7 @@
   <p:timing>
     <p:tnLst>
       <p:par>
-        <p:cTn xmlns:p14="http://schemas.microsoft.com/office/powerpoint/2010/main" id="1" dur="indefinite" restart="never" nodeType="tmRoot"/>
+        <p:cTn id="1" dur="indefinite" restart="never" nodeType="tmRoot"/>
       </p:par>
     </p:tnLst>
   </p:timing>
@@ -11625,7 +11467,7 @@
           <a:p>
             <a:r>
               <a:rPr lang="en-US" dirty="0" smtClean="0"/>
-              <a:t>Layout Editor</a:t>
+              <a:t>Load Layout</a:t>
             </a:r>
             <a:endParaRPr lang="en-US" dirty="0"/>
           </a:p>
@@ -11649,26 +11491,25 @@
         </p:spPr>
         <p:txBody>
           <a:bodyPr>
-            <a:normAutofit lnSpcReduction="10000"/>
+            <a:normAutofit fontScale="85000" lnSpcReduction="20000"/>
           </a:bodyPr>
           <a:lstStyle/>
           <a:p>
             <a:r>
               <a:rPr lang="en-US" dirty="0" smtClean="0"/>
-              <a:t>Press PLAY to go to Patient Game Screen =&gt;</a:t>
-            </a:r>
-          </a:p>
-          <a:p>
-            <a:r>
-              <a:rPr lang="en-US" dirty="0" smtClean="0"/>
-              <a:t>Available Tools:</a:t>
-            </a:r>
-          </a:p>
-          <a:p>
-            <a:pPr lvl="1"/>
-            <a:r>
-              <a:rPr lang="en-US" dirty="0" smtClean="0"/>
-              <a:t>Home Button, Menu Button, Undo/Redo, Play, Multi, Up Time, Hold Time, Adding: Shapes &amp; Alphabet Characters &amp; Numbers, Editing Objects</a:t>
+              <a:t>Description &amp; Name have been appended to give a level / tapping environment its name.</a:t>
+            </a:r>
+          </a:p>
+          <a:p>
+            <a:r>
+              <a:rPr lang="en-US" dirty="0" smtClean="0"/>
+              <a:t>Highlight a tapping environment by tapping on it in the list then press OPEN =&gt;</a:t>
+            </a:r>
+          </a:p>
+          <a:p>
+            <a:r>
+              <a:rPr lang="en-US" dirty="0" smtClean="0"/>
+              <a:t>Searching also available, tap in search box to open OSK.</a:t>
             </a:r>
             <a:endParaRPr lang="en-US" dirty="0"/>
           </a:p>
@@ -11676,14 +11517,14 @@
       </p:sp>
       <p:pic>
         <p:nvPicPr>
-          <p:cNvPr id="4" name="Picture 3" descr="Screen Shot 2013-03-31 at 4.06.01 PM.png"/>
+          <p:cNvPr id="5" name="Picture 4" descr="Screen Shot 2013-03-31 at 4.01.20 PM.png"/>
           <p:cNvPicPr>
             <a:picLocks noChangeAspect="1"/>
           </p:cNvPicPr>
           <p:nvPr/>
         </p:nvPicPr>
         <p:blipFill>
-          <a:blip r:embed="rId2" cstate="print">
+          <a:blip r:embed="rId2" cstate="email">
             <a:extLst>
               <a:ext uri="{28A0092B-C50C-407E-A947-70E740481C1C}">
                 <a14:useLocalDpi xmlns:a14="http://schemas.microsoft.com/office/drawing/2010/main" val="0"/>
@@ -11696,8 +11537,8 @@
         </p:blipFill>
         <p:spPr>
           <a:xfrm>
-            <a:off x="498474" y="1062829"/>
-            <a:ext cx="6548410" cy="3479407"/>
+            <a:off x="498473" y="1135058"/>
+            <a:ext cx="6344855" cy="3373752"/>
           </a:xfrm>
           <a:prstGeom prst="rect">
             <a:avLst/>
@@ -11706,25 +11547,23 @@
       </p:pic>
       <p:sp>
         <p:nvSpPr>
-          <p:cNvPr id="6" name="Line Callout 3 (Accent Bar) 5"/>
+          <p:cNvPr id="6" name="Line Callout 2 5"/>
           <p:cNvSpPr/>
           <p:nvPr/>
         </p:nvSpPr>
         <p:spPr>
           <a:xfrm>
-            <a:off x="6301641" y="367164"/>
-            <a:ext cx="1456540" cy="343089"/>
-          </a:xfrm>
-          <a:prstGeom prst="accentCallout3">
+            <a:off x="5146039" y="2076586"/>
+            <a:ext cx="1564878" cy="547738"/>
+          </a:xfrm>
+          <a:prstGeom prst="borderCallout2">
             <a:avLst>
               <a:gd name="adj1" fmla="val 18750"/>
               <a:gd name="adj2" fmla="val -8333"/>
-              <a:gd name="adj3" fmla="val 18750"/>
-              <a:gd name="adj4" fmla="val -16667"/>
-              <a:gd name="adj5" fmla="val 100000"/>
-              <a:gd name="adj6" fmla="val -16667"/>
-              <a:gd name="adj7" fmla="val 230507"/>
-              <a:gd name="adj8" fmla="val 40014"/>
+              <a:gd name="adj3" fmla="val 17651"/>
+              <a:gd name="adj4" fmla="val -41667"/>
+              <a:gd name="adj5" fmla="val -37060"/>
+              <a:gd name="adj6" fmla="val -111283"/>
             </a:avLst>
           </a:prstGeom>
         </p:spPr>
@@ -11749,6 +11588,97 @@
             <a:pPr algn="ctr"/>
             <a:r>
               <a:rPr lang="en-US" dirty="0" smtClean="0"/>
+              <a:t>Environment Name</a:t>
+            </a:r>
+            <a:endParaRPr lang="en-US" dirty="0"/>
+          </a:p>
+        </p:txBody>
+      </p:sp>
+      <p:sp>
+        <p:nvSpPr>
+          <p:cNvPr id="7" name="Line Callout 2 (No Border) 6"/>
+          <p:cNvSpPr/>
+          <p:nvPr/>
+        </p:nvSpPr>
+        <p:spPr>
+          <a:xfrm>
+            <a:off x="758364" y="2318000"/>
+            <a:ext cx="1125056" cy="612648"/>
+          </a:xfrm>
+          <a:prstGeom prst="callout2">
+            <a:avLst>
+              <a:gd name="adj1" fmla="val 24645"/>
+              <a:gd name="adj2" fmla="val 98299"/>
+              <a:gd name="adj3" fmla="val 24645"/>
+              <a:gd name="adj4" fmla="val 133152"/>
+              <a:gd name="adj5" fmla="val -140978"/>
+              <a:gd name="adj6" fmla="val 191973"/>
+            </a:avLst>
+          </a:prstGeom>
+        </p:spPr>
+        <p:style>
+          <a:lnRef idx="1">
+            <a:schemeClr val="accent1"/>
+          </a:lnRef>
+          <a:fillRef idx="3">
+            <a:schemeClr val="accent1"/>
+          </a:fillRef>
+          <a:effectRef idx="2">
+            <a:schemeClr val="accent1"/>
+          </a:effectRef>
+          <a:fontRef idx="minor">
+            <a:schemeClr val="lt1"/>
+          </a:fontRef>
+        </p:style>
+        <p:txBody>
+          <a:bodyPr rtlCol="0" anchor="ctr"/>
+          <a:lstStyle/>
+          <a:p>
+            <a:pPr algn="ctr"/>
+            <a:r>
+              <a:rPr lang="en-US" dirty="0" smtClean="0"/>
+              <a:t>SEARCH</a:t>
+            </a:r>
+            <a:endParaRPr lang="en-US" dirty="0"/>
+          </a:p>
+        </p:txBody>
+      </p:sp>
+      <p:sp>
+        <p:nvSpPr>
+          <p:cNvPr id="8" name="Line Callout 2 (No Border) 7"/>
+          <p:cNvSpPr/>
+          <p:nvPr/>
+        </p:nvSpPr>
+        <p:spPr>
+          <a:xfrm>
+            <a:off x="7318811" y="3671644"/>
+            <a:ext cx="1005132" cy="650062"/>
+          </a:xfrm>
+          <a:prstGeom prst="callout2">
+            <a:avLst/>
+          </a:prstGeom>
+        </p:spPr>
+        <p:style>
+          <a:lnRef idx="1">
+            <a:schemeClr val="accent1"/>
+          </a:lnRef>
+          <a:fillRef idx="3">
+            <a:schemeClr val="accent1"/>
+          </a:fillRef>
+          <a:effectRef idx="2">
+            <a:schemeClr val="accent1"/>
+          </a:effectRef>
+          <a:fontRef idx="minor">
+            <a:schemeClr val="lt1"/>
+          </a:fontRef>
+        </p:style>
+        <p:txBody>
+          <a:bodyPr rtlCol="0" anchor="ctr"/>
+          <a:lstStyle/>
+          <a:p>
+            <a:pPr algn="ctr"/>
+            <a:r>
+              <a:rPr lang="en-US" dirty="0" smtClean="0"/>
               <a:t>HELP</a:t>
             </a:r>
             <a:endParaRPr lang="en-US" dirty="0"/>
@@ -11758,7 +11688,7 @@
     </p:spTree>
     <p:extLst>
       <p:ext uri="{BB962C8B-B14F-4D97-AF65-F5344CB8AC3E}">
-        <p14:creationId xmlns:p14="http://schemas.microsoft.com/office/powerpoint/2010/main" val="2414148198"/>
+        <p14:creationId xmlns:p14="http://schemas.microsoft.com/office/powerpoint/2010/main" val="1713886409"/>
       </p:ext>
     </p:extLst>
   </p:cSld>
@@ -11768,7 +11698,7 @@
   <p:timing>
     <p:tnLst>
       <p:par>
-        <p:cTn xmlns:p14="http://schemas.microsoft.com/office/powerpoint/2010/main" id="1" dur="indefinite" restart="never" nodeType="tmRoot"/>
+        <p:cTn id="1" dur="indefinite" restart="never" nodeType="tmRoot"/>
       </p:par>
     </p:tnLst>
   </p:timing>
@@ -11809,7 +11739,7 @@
           <a:p>
             <a:r>
               <a:rPr lang="en-US" dirty="0" smtClean="0"/>
-              <a:t>Patient Game</a:t>
+              <a:t>Layout Editor</a:t>
             </a:r>
             <a:endParaRPr lang="en-US" dirty="0"/>
           </a:p>
@@ -11860,14 +11790,14 @@
       </p:sp>
       <p:pic>
         <p:nvPicPr>
-          <p:cNvPr id="5" name="Picture 4" descr="Screen Shot 2013-03-31 at 4.16.27 PM.png"/>
+          <p:cNvPr id="4" name="Picture 3" descr="Screen Shot 2013-03-31 at 4.06.01 PM.png"/>
           <p:cNvPicPr>
             <a:picLocks noChangeAspect="1"/>
           </p:cNvPicPr>
           <p:nvPr/>
         </p:nvPicPr>
         <p:blipFill>
-          <a:blip r:embed="rId2" cstate="print">
+          <a:blip r:embed="rId2" cstate="email">
             <a:extLst>
               <a:ext uri="{28A0092B-C50C-407E-A947-70E740481C1C}">
                 <a14:useLocalDpi xmlns:a14="http://schemas.microsoft.com/office/drawing/2010/main" val="0"/>
@@ -11880,8 +11810,8 @@
         </p:blipFill>
         <p:spPr>
           <a:xfrm>
-            <a:off x="498474" y="1032734"/>
-            <a:ext cx="6718018" cy="3570600"/>
+            <a:off x="498474" y="1062829"/>
+            <a:ext cx="6548410" cy="3479407"/>
           </a:xfrm>
           <a:prstGeom prst="rect">
             <a:avLst/>
@@ -11890,16 +11820,16 @@
       </p:pic>
       <p:sp>
         <p:nvSpPr>
-          <p:cNvPr id="6" name="Line Callout 3 (No Border) 5"/>
+          <p:cNvPr id="6" name="Line Callout 3 (Accent Bar) 5"/>
           <p:cNvSpPr/>
           <p:nvPr/>
         </p:nvSpPr>
         <p:spPr>
           <a:xfrm>
-            <a:off x="7072042" y="279445"/>
-            <a:ext cx="926889" cy="322464"/>
-          </a:xfrm>
-          <a:prstGeom prst="callout3">
+            <a:off x="6301641" y="367164"/>
+            <a:ext cx="1456540" cy="343089"/>
+          </a:xfrm>
+          <a:prstGeom prst="accentCallout3">
             <a:avLst>
               <a:gd name="adj1" fmla="val 18750"/>
               <a:gd name="adj2" fmla="val -8333"/>
@@ -11907,8 +11837,8 @@
               <a:gd name="adj4" fmla="val -16667"/>
               <a:gd name="adj5" fmla="val 100000"/>
               <a:gd name="adj6" fmla="val -16667"/>
-              <a:gd name="adj7" fmla="val 249308"/>
-              <a:gd name="adj8" fmla="val -541"/>
+              <a:gd name="adj7" fmla="val 230507"/>
+              <a:gd name="adj8" fmla="val 40014"/>
             </a:avLst>
           </a:prstGeom>
         </p:spPr>
@@ -11933,58 +11863,7 @@
             <a:pPr algn="ctr"/>
             <a:r>
               <a:rPr lang="en-US" dirty="0" smtClean="0"/>
-              <a:t>Time</a:t>
-            </a:r>
-            <a:endParaRPr lang="en-US" dirty="0"/>
-          </a:p>
-        </p:txBody>
-      </p:sp>
-      <p:sp>
-        <p:nvSpPr>
-          <p:cNvPr id="7" name="Line Callout 3 (Accent Bar) 6"/>
-          <p:cNvSpPr/>
-          <p:nvPr/>
-        </p:nvSpPr>
-        <p:spPr>
-          <a:xfrm>
-            <a:off x="4959458" y="141005"/>
-            <a:ext cx="1384314" cy="412751"/>
-          </a:xfrm>
-          <a:prstGeom prst="accentCallout3">
-            <a:avLst>
-              <a:gd name="adj1" fmla="val 18750"/>
-              <a:gd name="adj2" fmla="val -8333"/>
-              <a:gd name="adj3" fmla="val 18750"/>
-              <a:gd name="adj4" fmla="val -16667"/>
-              <a:gd name="adj5" fmla="val 100000"/>
-              <a:gd name="adj6" fmla="val -16667"/>
-              <a:gd name="adj7" fmla="val 225251"/>
-              <a:gd name="adj8" fmla="val -5289"/>
-            </a:avLst>
-          </a:prstGeom>
-        </p:spPr>
-        <p:style>
-          <a:lnRef idx="1">
-            <a:schemeClr val="accent1"/>
-          </a:lnRef>
-          <a:fillRef idx="3">
-            <a:schemeClr val="accent1"/>
-          </a:fillRef>
-          <a:effectRef idx="2">
-            <a:schemeClr val="accent1"/>
-          </a:effectRef>
-          <a:fontRef idx="minor">
-            <a:schemeClr val="lt1"/>
-          </a:fontRef>
-        </p:style>
-        <p:txBody>
-          <a:bodyPr rtlCol="0" anchor="ctr"/>
-          <a:lstStyle/>
-          <a:p>
-            <a:pPr algn="ctr"/>
-            <a:r>
-              <a:rPr lang="en-US" dirty="0" smtClean="0"/>
-              <a:t>SCORE</a:t>
+              <a:t>HELP</a:t>
             </a:r>
             <a:endParaRPr lang="en-US" dirty="0"/>
           </a:p>
@@ -11993,7 +11872,7 @@
     </p:spTree>
     <p:extLst>
       <p:ext uri="{BB962C8B-B14F-4D97-AF65-F5344CB8AC3E}">
-        <p14:creationId xmlns:p14="http://schemas.microsoft.com/office/powerpoint/2010/main" val="1941389495"/>
+        <p14:creationId xmlns:p14="http://schemas.microsoft.com/office/powerpoint/2010/main" val="2414148198"/>
       </p:ext>
     </p:extLst>
   </p:cSld>
@@ -12003,7 +11882,7 @@
   <p:timing>
     <p:tnLst>
       <p:par>
-        <p:cTn xmlns:p14="http://schemas.microsoft.com/office/powerpoint/2010/main" id="1" dur="indefinite" restart="never" nodeType="tmRoot"/>
+        <p:cTn id="1" dur="indefinite" restart="never" nodeType="tmRoot"/>
       </p:par>
     </p:tnLst>
   </p:timing>
@@ -12037,19 +11916,14 @@
             <p:ph type="title"/>
           </p:nvPr>
         </p:nvSpPr>
-        <p:spPr>
-          <a:xfrm>
-            <a:off x="721123" y="283191"/>
-            <a:ext cx="5638800" cy="643750"/>
-          </a:xfrm>
-        </p:spPr>
+        <p:spPr/>
         <p:txBody>
           <a:bodyPr/>
           <a:lstStyle/>
           <a:p>
             <a:r>
               <a:rPr lang="en-US" dirty="0" smtClean="0"/>
-              <a:t>VIDEO DEMO</a:t>
+              <a:t>Patient Game</a:t>
             </a:r>
             <a:endParaRPr lang="en-US" dirty="0"/>
           </a:p>
@@ -12057,41 +11931,175 @@
       </p:sp>
       <p:sp>
         <p:nvSpPr>
-          <p:cNvPr id="3" name="TextBox 2"/>
-          <p:cNvSpPr txBox="1"/>
+          <p:cNvPr id="3" name="Content Placeholder 2"/>
+          <p:cNvSpPr>
+            <a:spLocks noGrp="1"/>
+          </p:cNvSpPr>
+          <p:nvPr>
+            <p:ph idx="1"/>
+          </p:nvPr>
+        </p:nvSpPr>
+        <p:spPr>
+          <a:xfrm>
+            <a:off x="498474" y="4592565"/>
+            <a:ext cx="7556313" cy="1738247"/>
+          </a:xfrm>
+        </p:spPr>
+        <p:txBody>
+          <a:bodyPr>
+            <a:normAutofit lnSpcReduction="10000"/>
+          </a:bodyPr>
+          <a:lstStyle/>
+          <a:p>
+            <a:r>
+              <a:rPr lang="en-US" dirty="0" smtClean="0"/>
+              <a:t>Press PLAY to go to Patient Game Screen =&gt;</a:t>
+            </a:r>
+          </a:p>
+          <a:p>
+            <a:r>
+              <a:rPr lang="en-US" dirty="0" smtClean="0"/>
+              <a:t>Available Tools:</a:t>
+            </a:r>
+          </a:p>
+          <a:p>
+            <a:pPr lvl="1"/>
+            <a:r>
+              <a:rPr lang="en-US" dirty="0" smtClean="0"/>
+              <a:t>Home Button, Menu Button, Undo/Redo, Play, Multi, Up Time, Hold Time, Adding: Shapes &amp; Alphabet Characters &amp; Numbers, Editing Objects</a:t>
+            </a:r>
+            <a:endParaRPr lang="en-US" dirty="0"/>
+          </a:p>
+        </p:txBody>
+      </p:sp>
+      <p:pic>
+        <p:nvPicPr>
+          <p:cNvPr id="5" name="Picture 4" descr="Screen Shot 2013-03-31 at 4.16.27 PM.png"/>
+          <p:cNvPicPr>
+            <a:picLocks noChangeAspect="1"/>
+          </p:cNvPicPr>
           <p:nvPr/>
-        </p:nvSpPr>
-        <p:spPr>
-          <a:xfrm>
-            <a:off x="2387036" y="3209795"/>
-            <a:ext cx="5212597" cy="646331"/>
+        </p:nvPicPr>
+        <p:blipFill>
+          <a:blip r:embed="rId2" cstate="email">
+            <a:extLst>
+              <a:ext uri="{28A0092B-C50C-407E-A947-70E740481C1C}">
+                <a14:useLocalDpi xmlns:a14="http://schemas.microsoft.com/office/drawing/2010/main" val="0"/>
+              </a:ext>
+            </a:extLst>
+          </a:blip>
+          <a:stretch>
+            <a:fillRect/>
+          </a:stretch>
+        </p:blipFill>
+        <p:spPr>
+          <a:xfrm>
+            <a:off x="498474" y="1032734"/>
+            <a:ext cx="6718018" cy="3570600"/>
           </a:xfrm>
           <a:prstGeom prst="rect">
             <a:avLst/>
           </a:prstGeom>
-          <a:noFill/>
-        </p:spPr>
-        <p:txBody>
-          <a:bodyPr wrap="none" rtlCol="0">
-            <a:spAutoFit/>
-          </a:bodyPr>
-          <a:lstStyle/>
-          <a:p>
-            <a:r>
-              <a:rPr lang="en-US" dirty="0">
-                <a:hlinkClick r:id="rId2"/>
-              </a:rPr>
-              <a:t>http://www.youtube.com/watch?v=</a:t>
-            </a:r>
-            <a:r>
-              <a:rPr lang="en-US" dirty="0" smtClean="0">
-                <a:hlinkClick r:id="rId2"/>
-              </a:rPr>
-              <a:t>0tuYilveIWo</a:t>
-            </a:r>
-            <a:endParaRPr lang="en-US" dirty="0" smtClean="0"/>
-          </a:p>
-          <a:p>
+        </p:spPr>
+      </p:pic>
+      <p:sp>
+        <p:nvSpPr>
+          <p:cNvPr id="6" name="Line Callout 3 (No Border) 5"/>
+          <p:cNvSpPr/>
+          <p:nvPr/>
+        </p:nvSpPr>
+        <p:spPr>
+          <a:xfrm>
+            <a:off x="7072042" y="279445"/>
+            <a:ext cx="926889" cy="322464"/>
+          </a:xfrm>
+          <a:prstGeom prst="callout3">
+            <a:avLst>
+              <a:gd name="adj1" fmla="val 18750"/>
+              <a:gd name="adj2" fmla="val -8333"/>
+              <a:gd name="adj3" fmla="val 18750"/>
+              <a:gd name="adj4" fmla="val -16667"/>
+              <a:gd name="adj5" fmla="val 100000"/>
+              <a:gd name="adj6" fmla="val -16667"/>
+              <a:gd name="adj7" fmla="val 249308"/>
+              <a:gd name="adj8" fmla="val -541"/>
+            </a:avLst>
+          </a:prstGeom>
+        </p:spPr>
+        <p:style>
+          <a:lnRef idx="1">
+            <a:schemeClr val="accent1"/>
+          </a:lnRef>
+          <a:fillRef idx="3">
+            <a:schemeClr val="accent1"/>
+          </a:fillRef>
+          <a:effectRef idx="2">
+            <a:schemeClr val="accent1"/>
+          </a:effectRef>
+          <a:fontRef idx="minor">
+            <a:schemeClr val="lt1"/>
+          </a:fontRef>
+        </p:style>
+        <p:txBody>
+          <a:bodyPr rtlCol="0" anchor="ctr"/>
+          <a:lstStyle/>
+          <a:p>
+            <a:pPr algn="ctr"/>
+            <a:r>
+              <a:rPr lang="en-US" dirty="0" smtClean="0"/>
+              <a:t>Time</a:t>
+            </a:r>
+            <a:endParaRPr lang="en-US" dirty="0"/>
+          </a:p>
+        </p:txBody>
+      </p:sp>
+      <p:sp>
+        <p:nvSpPr>
+          <p:cNvPr id="7" name="Line Callout 3 (Accent Bar) 6"/>
+          <p:cNvSpPr/>
+          <p:nvPr/>
+        </p:nvSpPr>
+        <p:spPr>
+          <a:xfrm>
+            <a:off x="4959458" y="141005"/>
+            <a:ext cx="1384314" cy="412751"/>
+          </a:xfrm>
+          <a:prstGeom prst="accentCallout3">
+            <a:avLst>
+              <a:gd name="adj1" fmla="val 18750"/>
+              <a:gd name="adj2" fmla="val -8333"/>
+              <a:gd name="adj3" fmla="val 18750"/>
+              <a:gd name="adj4" fmla="val -16667"/>
+              <a:gd name="adj5" fmla="val 100000"/>
+              <a:gd name="adj6" fmla="val -16667"/>
+              <a:gd name="adj7" fmla="val 225251"/>
+              <a:gd name="adj8" fmla="val -5289"/>
+            </a:avLst>
+          </a:prstGeom>
+        </p:spPr>
+        <p:style>
+          <a:lnRef idx="1">
+            <a:schemeClr val="accent1"/>
+          </a:lnRef>
+          <a:fillRef idx="3">
+            <a:schemeClr val="accent1"/>
+          </a:fillRef>
+          <a:effectRef idx="2">
+            <a:schemeClr val="accent1"/>
+          </a:effectRef>
+          <a:fontRef idx="minor">
+            <a:schemeClr val="lt1"/>
+          </a:fontRef>
+        </p:style>
+        <p:txBody>
+          <a:bodyPr rtlCol="0" anchor="ctr"/>
+          <a:lstStyle/>
+          <a:p>
+            <a:pPr algn="ctr"/>
+            <a:r>
+              <a:rPr lang="en-US" dirty="0" smtClean="0"/>
+              <a:t>SCORE</a:t>
+            </a:r>
             <a:endParaRPr lang="en-US" dirty="0"/>
           </a:p>
         </p:txBody>
@@ -12099,7 +12107,7 @@
     </p:spTree>
     <p:extLst>
       <p:ext uri="{BB962C8B-B14F-4D97-AF65-F5344CB8AC3E}">
-        <p14:creationId xmlns:p14="http://schemas.microsoft.com/office/powerpoint/2010/main" val="2761378484"/>
+        <p14:creationId xmlns:p14="http://schemas.microsoft.com/office/powerpoint/2010/main" val="1941389495"/>
       </p:ext>
     </p:extLst>
   </p:cSld>
@@ -12109,7 +12117,7 @@
   <p:timing>
     <p:tnLst>
       <p:par>
-        <p:cTn xmlns:p14="http://schemas.microsoft.com/office/powerpoint/2010/main" id="1" dur="indefinite" restart="never" nodeType="tmRoot"/>
+        <p:cTn id="1" dur="indefinite" restart="never" nodeType="tmRoot"/>
       </p:par>
     </p:tnLst>
   </p:timing>
@@ -12143,14 +12151,19 @@
             <p:ph type="title"/>
           </p:nvPr>
         </p:nvSpPr>
-        <p:spPr/>
+        <p:spPr>
+          <a:xfrm>
+            <a:off x="721123" y="283191"/>
+            <a:ext cx="5638800" cy="643750"/>
+          </a:xfrm>
+        </p:spPr>
         <p:txBody>
           <a:bodyPr/>
           <a:lstStyle/>
           <a:p>
             <a:r>
               <a:rPr lang="en-US" dirty="0" smtClean="0"/>
-              <a:t>USER EVALUATION</a:t>
+              <a:t>VIDEO DEMO</a:t>
             </a:r>
             <a:endParaRPr lang="en-US" dirty="0"/>
           </a:p>
@@ -12158,51 +12171,41 @@
       </p:sp>
       <p:sp>
         <p:nvSpPr>
-          <p:cNvPr id="3" name="Content Placeholder 2"/>
-          <p:cNvSpPr>
-            <a:spLocks noGrp="1"/>
-          </p:cNvSpPr>
-          <p:nvPr>
-            <p:ph idx="1"/>
-          </p:nvPr>
-        </p:nvSpPr>
-        <p:spPr/>
-        <p:txBody>
-          <a:bodyPr/>
-          <a:lstStyle/>
-          <a:p>
-            <a:r>
-              <a:rPr lang="en-US" dirty="0" smtClean="0"/>
-              <a:t>The first user evaluation we had taught us one thing; our application is very easy to use, only once the application is understood with what it is supposed to do.</a:t>
-            </a:r>
-          </a:p>
-          <a:p>
-            <a:r>
-              <a:rPr lang="en-US" dirty="0" smtClean="0"/>
-              <a:t>We therefore created context specific help across all therapist screens. With the context specific help the therapist will be able to understand the slight subtleties of the game, if they don</a:t>
-            </a:r>
-            <a:r>
-              <a:rPr lang="fr-FR" dirty="0" smtClean="0"/>
-              <a:t>’</a:t>
-            </a:r>
-            <a:r>
-              <a:rPr lang="en-US" dirty="0" smtClean="0"/>
-              <a:t>t already understand them.</a:t>
-            </a:r>
-          </a:p>
-          <a:p>
-            <a:r>
-              <a:rPr lang="en-US" dirty="0" smtClean="0"/>
-              <a:t>In other words, we found that if you don</a:t>
-            </a:r>
-            <a:r>
-              <a:rPr lang="fr-FR" dirty="0" smtClean="0"/>
-              <a:t>’</a:t>
-            </a:r>
-            <a:r>
-              <a:rPr lang="en-US" dirty="0" smtClean="0"/>
-              <a:t>t know the game it can be slightly confusing to operate the program. If you understand the game, understanding the program is much easier.</a:t>
-            </a:r>
+          <p:cNvPr id="3" name="TextBox 2"/>
+          <p:cNvSpPr txBox="1"/>
+          <p:nvPr/>
+        </p:nvSpPr>
+        <p:spPr>
+          <a:xfrm>
+            <a:off x="2387036" y="3209795"/>
+            <a:ext cx="5212597" cy="646331"/>
+          </a:xfrm>
+          <a:prstGeom prst="rect">
+            <a:avLst/>
+          </a:prstGeom>
+          <a:noFill/>
+        </p:spPr>
+        <p:txBody>
+          <a:bodyPr wrap="none" rtlCol="0">
+            <a:spAutoFit/>
+          </a:bodyPr>
+          <a:lstStyle/>
+          <a:p>
+            <a:r>
+              <a:rPr lang="en-US" dirty="0">
+                <a:hlinkClick r:id="rId2"/>
+              </a:rPr>
+              <a:t>http://www.youtube.com/watch?v=</a:t>
+            </a:r>
+            <a:r>
+              <a:rPr lang="en-US" dirty="0" smtClean="0">
+                <a:hlinkClick r:id="rId2"/>
+              </a:rPr>
+              <a:t>0tuYilveIWo</a:t>
+            </a:r>
+            <a:endParaRPr lang="en-US" dirty="0" smtClean="0"/>
+          </a:p>
+          <a:p>
             <a:endParaRPr lang="en-US" dirty="0"/>
           </a:p>
         </p:txBody>
@@ -12210,7 +12213,7 @@
     </p:spTree>
     <p:extLst>
       <p:ext uri="{BB962C8B-B14F-4D97-AF65-F5344CB8AC3E}">
-        <p14:creationId xmlns:p14="http://schemas.microsoft.com/office/powerpoint/2010/main" val="2995839935"/>
+        <p14:creationId xmlns:p14="http://schemas.microsoft.com/office/powerpoint/2010/main" val="2761378484"/>
       </p:ext>
     </p:extLst>
   </p:cSld>
@@ -12220,7 +12223,7 @@
   <p:timing>
     <p:tnLst>
       <p:par>
-        <p:cTn xmlns:p14="http://schemas.microsoft.com/office/powerpoint/2010/main" id="1" dur="indefinite" restart="never" nodeType="tmRoot"/>
+        <p:cTn id="1" dur="indefinite" restart="never" nodeType="tmRoot"/>
       </p:par>
     </p:tnLst>
   </p:timing>
@@ -12277,97 +12280,43 @@
             <p:ph idx="1"/>
           </p:nvPr>
         </p:nvSpPr>
-        <p:spPr>
-          <a:xfrm>
-            <a:off x="498474" y="1318182"/>
-            <a:ext cx="7556313" cy="4807982"/>
-          </a:xfrm>
-        </p:spPr>
-        <p:txBody>
-          <a:bodyPr>
-            <a:normAutofit fontScale="92500" lnSpcReduction="20000"/>
-          </a:bodyPr>
-          <a:lstStyle/>
-          <a:p>
-            <a:r>
-              <a:rPr lang="en-US" dirty="0" smtClean="0"/>
-              <a:t>Our empirical evaluation: Part I</a:t>
-            </a:r>
-          </a:p>
-          <a:p>
-            <a:pPr lvl="1"/>
-            <a:r>
-              <a:rPr lang="en-US" dirty="0" smtClean="0"/>
-              <a:t>Questionnaire: </a:t>
-            </a:r>
-          </a:p>
-          <a:p>
-            <a:pPr marL="800100" lvl="2" indent="-342900">
-              <a:buFont typeface="+mj-lt"/>
-              <a:buAutoNum type="arabicPeriod"/>
-            </a:pPr>
-            <a:r>
-              <a:rPr lang="en-US" dirty="0"/>
-              <a:t>Rate your technical ability: </a:t>
-            </a:r>
-            <a:endParaRPr lang="en-US" dirty="0" smtClean="0"/>
-          </a:p>
-          <a:p>
-            <a:pPr marL="800100" lvl="2" indent="-342900">
-              <a:buFont typeface="+mj-lt"/>
-              <a:buAutoNum type="arabicPeriod"/>
-            </a:pPr>
-            <a:r>
-              <a:rPr lang="en-US" dirty="0"/>
-              <a:t>How likely are you to learn a new computer application just for the fun of it: </a:t>
-            </a:r>
-            <a:endParaRPr lang="en-US" dirty="0" smtClean="0"/>
-          </a:p>
-          <a:p>
-            <a:pPr marL="800100" lvl="2" indent="-342900">
-              <a:buFont typeface="+mj-lt"/>
-              <a:buAutoNum type="arabicPeriod"/>
-            </a:pPr>
-            <a:r>
-              <a:rPr lang="en-US" dirty="0"/>
-              <a:t>How many hours a week do you spend on a computer/smart phone: </a:t>
-            </a:r>
-            <a:endParaRPr lang="en-US" dirty="0" smtClean="0"/>
-          </a:p>
-          <a:p>
-            <a:pPr marL="800100" lvl="2" indent="-342900">
-              <a:buFont typeface="+mj-lt"/>
-              <a:buAutoNum type="arabicPeriod"/>
-            </a:pPr>
-            <a:r>
-              <a:rPr lang="en-US" dirty="0"/>
-              <a:t>Do you own a touch-screen device: </a:t>
-            </a:r>
-            <a:endParaRPr lang="en-US" dirty="0" smtClean="0"/>
-          </a:p>
-          <a:p>
-            <a:pPr marL="800100" lvl="2" indent="-342900">
-              <a:buFont typeface="+mj-lt"/>
-              <a:buAutoNum type="arabicPeriod"/>
-            </a:pPr>
-            <a:r>
-              <a:rPr lang="en-US" dirty="0"/>
-              <a:t>You won a prize, you can either claim a cash prize worth $1000 dollars, or a new computer worth $2000; which do you choose (assume you are not in the market for a new computer, and you do not desperately need the cash)? </a:t>
-            </a:r>
-            <a:endParaRPr lang="en-US" dirty="0" smtClean="0"/>
-          </a:p>
-          <a:p>
-            <a:pPr marL="800100" lvl="2" indent="-342900">
-              <a:buFont typeface="+mj-lt"/>
-              <a:buAutoNum type="arabicPeriod"/>
-            </a:pPr>
-            <a:r>
-              <a:rPr lang="en-US" dirty="0"/>
-              <a:t>Think about your daily activities, if you were told you could have software to accomplish some task you currently do manually (without some sort of automation) and that it could eventually save you half the amount of time, but the software was rated moderate-difficult to learn, how likely would you be to take it (you can not ask for it and decide its to hard so you wont use it): </a:t>
-            </a:r>
-            <a:br>
-              <a:rPr lang="en-US" dirty="0"/>
-            </a:br>
+        <p:spPr/>
+        <p:txBody>
+          <a:bodyPr/>
+          <a:lstStyle/>
+          <a:p>
+            <a:r>
+              <a:rPr lang="en-US" dirty="0" smtClean="0"/>
+              <a:t>The first user evaluation we had taught us one thing; our application is very easy to use, only once the application is understood with what it is supposed to do.</a:t>
+            </a:r>
+          </a:p>
+          <a:p>
+            <a:r>
+              <a:rPr lang="en-US" dirty="0" smtClean="0"/>
+              <a:t>We therefore created context specific help across all therapist screens. With the context specific help the therapist will be able to understand the slight subtleties of the game, if they don</a:t>
+            </a:r>
+            <a:r>
+              <a:rPr lang="fr-FR" dirty="0" smtClean="0"/>
+              <a:t>’</a:t>
+            </a:r>
+            <a:r>
+              <a:rPr lang="en-US" dirty="0" smtClean="0"/>
+              <a:t>t already understand them.</a:t>
+            </a:r>
+          </a:p>
+          <a:p>
+            <a:r>
+              <a:rPr lang="en-US" dirty="0" smtClean="0"/>
+              <a:t>In other words, we found that if you don</a:t>
+            </a:r>
+            <a:r>
+              <a:rPr lang="fr-FR" dirty="0" smtClean="0"/>
+              <a:t>’</a:t>
+            </a:r>
+            <a:r>
+              <a:rPr lang="en-US" dirty="0" smtClean="0"/>
+              <a:t>t know the game it can be slightly confusing to operate the program. If you understand the game, understanding the program is much easier.</a:t>
+            </a:r>
             <a:endParaRPr lang="en-US" dirty="0"/>
           </a:p>
         </p:txBody>
@@ -12375,7 +12324,7 @@
     </p:spTree>
     <p:extLst>
       <p:ext uri="{BB962C8B-B14F-4D97-AF65-F5344CB8AC3E}">
-        <p14:creationId xmlns:p14="http://schemas.microsoft.com/office/powerpoint/2010/main" val="387009919"/>
+        <p14:creationId xmlns:p14="http://schemas.microsoft.com/office/powerpoint/2010/main" val="2995839935"/>
       </p:ext>
     </p:extLst>
   </p:cSld>
@@ -12385,7 +12334,7 @@
   <p:timing>
     <p:tnLst>
       <p:par>
-        <p:cTn xmlns:p14="http://schemas.microsoft.com/office/powerpoint/2010/main" id="1" dur="indefinite" restart="never" nodeType="tmRoot"/>
+        <p:cTn id="1" dur="indefinite" restart="never" nodeType="tmRoot"/>
       </p:par>
     </p:tnLst>
   </p:timing>
@@ -12434,7 +12383,7 @@
       </p:sp>
       <p:sp>
         <p:nvSpPr>
-          <p:cNvPr id="4" name="Content Placeholder 2"/>
+          <p:cNvPr id="3" name="Content Placeholder 2"/>
           <p:cNvSpPr>
             <a:spLocks noGrp="1"/>
           </p:cNvSpPr>
@@ -12450,7 +12399,7 @@
         </p:spPr>
         <p:txBody>
           <a:bodyPr>
-            <a:normAutofit/>
+            <a:normAutofit fontScale="92500" lnSpcReduction="20000"/>
           </a:bodyPr>
           <a:lstStyle/>
           <a:p>
@@ -12469,145 +12418,78 @@
           <a:p>
             <a:pPr marL="800100" lvl="2" indent="-342900">
               <a:buFont typeface="+mj-lt"/>
-              <a:buAutoNum type="arabicPeriod" startAt="7"/>
+              <a:buAutoNum type="arabicPeriod"/>
             </a:pPr>
             <a:r>
-              <a:rPr lang="en-US" dirty="0" smtClean="0"/>
-              <a:t>To me computers are the following: </a:t>
-            </a:r>
-            <a:br>
-              <a:rPr lang="en-US" dirty="0" smtClean="0"/>
-            </a:br>
-            <a:r>
-              <a:rPr lang="en-US" sz="1400" dirty="0" smtClean="0"/>
-              <a:t>Fun, </a:t>
-            </a:r>
-            <a:r>
-              <a:rPr lang="en-US" sz="1400" dirty="0"/>
-              <a:t>Easy To </a:t>
-            </a:r>
-            <a:r>
-              <a:rPr lang="en-US" sz="1400" dirty="0" smtClean="0"/>
-              <a:t>Use, Helpful, </a:t>
-            </a:r>
-            <a:r>
-              <a:rPr lang="en-US" sz="1400" dirty="0"/>
-              <a:t>Life-</a:t>
-            </a:r>
-            <a:r>
-              <a:rPr lang="en-US" sz="1400" dirty="0" smtClean="0"/>
-              <a:t>Saving, Necessity, Confusing, Annoying, Weird, Mystery, Genius, </a:t>
-            </a:r>
-            <a:r>
-              <a:rPr lang="en-US" sz="1400" dirty="0"/>
-              <a:t>Magical </a:t>
-            </a:r>
-            <a:endParaRPr lang="en-US" sz="1400" dirty="0" smtClean="0"/>
+              <a:rPr lang="en-US" dirty="0"/>
+              <a:t>Rate your technical ability: </a:t>
+            </a:r>
+            <a:endParaRPr lang="en-US" dirty="0" smtClean="0"/>
           </a:p>
           <a:p>
             <a:pPr marL="800100" lvl="2" indent="-342900">
               <a:buFont typeface="+mj-lt"/>
-              <a:buAutoNum type="arabicPeriod" startAt="7"/>
+              <a:buAutoNum type="arabicPeriod"/>
             </a:pPr>
             <a:r>
-              <a:rPr lang="en-US" dirty="0" smtClean="0"/>
-              <a:t>To </a:t>
-            </a:r>
-            <a:r>
               <a:rPr lang="en-US" dirty="0"/>
-              <a:t>me software is often the following: </a:t>
-            </a:r>
-            <a:r>
-              <a:rPr lang="en-US" dirty="0" smtClean="0"/>
-              <a:t/>
-            </a:r>
-            <a:br>
-              <a:rPr lang="en-US" dirty="0" smtClean="0"/>
-            </a:br>
-            <a:r>
-              <a:rPr lang="en-US" sz="1400" dirty="0"/>
-              <a:t>Well </a:t>
-            </a:r>
-            <a:r>
-              <a:rPr lang="en-US" sz="1400" dirty="0" smtClean="0"/>
-              <a:t>Designed, </a:t>
-            </a:r>
-            <a:r>
-              <a:rPr lang="en-US" sz="1400" dirty="0"/>
-              <a:t>Easy To </a:t>
-            </a:r>
-            <a:r>
-              <a:rPr lang="en-US" sz="1400" dirty="0" smtClean="0"/>
-              <a:t>Use, Helpful, </a:t>
-            </a:r>
-            <a:r>
-              <a:rPr lang="en-US" sz="1400" dirty="0"/>
-              <a:t>Life-</a:t>
-            </a:r>
-            <a:r>
-              <a:rPr lang="en-US" sz="1400" dirty="0" smtClean="0"/>
-              <a:t>Saving, </a:t>
-            </a:r>
-            <a:r>
-              <a:rPr lang="en-US" sz="1400" dirty="0"/>
-              <a:t>Poorly </a:t>
-            </a:r>
-            <a:r>
-              <a:rPr lang="en-US" sz="1400" dirty="0" smtClean="0"/>
-              <a:t>Designed, Obvious, Annoying, Weird, Mystery, Genius, Magical, </a:t>
-            </a:r>
-            <a:r>
-              <a:rPr lang="en-US" sz="1400" dirty="0"/>
-              <a:t>Hard To </a:t>
-            </a:r>
-            <a:r>
-              <a:rPr lang="en-US" sz="1400" dirty="0" smtClean="0"/>
-              <a:t>Learn, </a:t>
-            </a:r>
-            <a:r>
-              <a:rPr lang="en-US" sz="1400" dirty="0"/>
-              <a:t>Useful Once </a:t>
-            </a:r>
-            <a:r>
-              <a:rPr lang="en-US" sz="1400" dirty="0" smtClean="0"/>
-              <a:t>Learned, Daunting </a:t>
-            </a:r>
-            <a:r>
-              <a:rPr lang="en-US" sz="1400" dirty="0"/>
-              <a:t>To </a:t>
-            </a:r>
-            <a:r>
-              <a:rPr lang="en-US" sz="1400" dirty="0" smtClean="0"/>
-              <a:t>Learn, </a:t>
-            </a:r>
-            <a:r>
-              <a:rPr lang="en-US" sz="1400" dirty="0"/>
-              <a:t>Motivating To </a:t>
-            </a:r>
-            <a:r>
-              <a:rPr lang="en-US" sz="1400" dirty="0" smtClean="0"/>
-              <a:t>Learn.</a:t>
-            </a:r>
-          </a:p>
-          <a:p>
-            <a:pPr marL="457200" lvl="2" indent="0">
-              <a:buNone/>
-            </a:pPr>
-            <a:endParaRPr lang="en-US" sz="2000" dirty="0" smtClean="0"/>
+              <a:t>How likely are you to learn a new computer application just for the fun of it: </a:t>
+            </a:r>
+            <a:endParaRPr lang="en-US" dirty="0" smtClean="0"/>
           </a:p>
           <a:p>
             <a:pPr marL="800100" lvl="2" indent="-342900">
               <a:buFont typeface="+mj-lt"/>
-              <a:buAutoNum type="arabicPeriod" startAt="7"/>
+              <a:buAutoNum type="arabicPeriod"/>
             </a:pPr>
+            <a:r>
+              <a:rPr lang="en-US" dirty="0"/>
+              <a:t>How many hours a week do you spend on a computer/smart phone: </a:t>
+            </a:r>
             <a:endParaRPr lang="en-US" dirty="0" smtClean="0"/>
+          </a:p>
+          <a:p>
+            <a:pPr marL="800100" lvl="2" indent="-342900">
+              <a:buFont typeface="+mj-lt"/>
+              <a:buAutoNum type="arabicPeriod"/>
+            </a:pPr>
+            <a:r>
+              <a:rPr lang="en-US" dirty="0"/>
+              <a:t>Do you own a touch-screen device: </a:t>
+            </a:r>
+            <a:endParaRPr lang="en-US" dirty="0" smtClean="0"/>
+          </a:p>
+          <a:p>
+            <a:pPr marL="800100" lvl="2" indent="-342900">
+              <a:buFont typeface="+mj-lt"/>
+              <a:buAutoNum type="arabicPeriod"/>
+            </a:pPr>
+            <a:r>
+              <a:rPr lang="en-US" dirty="0"/>
+              <a:t>You won a prize, you can either claim a cash prize worth $1000 dollars, or a new computer worth $2000; which do you choose (assume you are not in the market for a new computer, and you do not desperately need the cash)? </a:t>
+            </a:r>
+            <a:endParaRPr lang="en-US" dirty="0" smtClean="0"/>
+          </a:p>
+          <a:p>
+            <a:pPr marL="800100" lvl="2" indent="-342900">
+              <a:buFont typeface="+mj-lt"/>
+              <a:buAutoNum type="arabicPeriod"/>
+            </a:pPr>
+            <a:r>
+              <a:rPr lang="en-US" dirty="0"/>
+              <a:t>Think about your daily activities, if you were told you could have software to accomplish some task you currently do manually (without some sort of automation) and that it could eventually save you half the amount of time, but the software was rated moderate-difficult to learn, how likely would you be to take it (you can not ask for it and decide its to hard so you wont use it): </a:t>
+            </a:r>
+            <a:br>
+              <a:rPr lang="en-US" dirty="0"/>
+            </a:br>
+            <a:endParaRPr lang="en-US" dirty="0"/>
           </a:p>
         </p:txBody>
       </p:sp>
     </p:spTree>
     <p:extLst>
       <p:ext uri="{BB962C8B-B14F-4D97-AF65-F5344CB8AC3E}">
-        <p14:creationId xmlns:p14="http://schemas.microsoft.com/office/powerpoint/2010/main" val="1248023929"/>
+        <p14:creationId xmlns:p14="http://schemas.microsoft.com/office/powerpoint/2010/main" val="387009919"/>
       </p:ext>
     </p:extLst>
   </p:cSld>
@@ -12617,7 +12499,7 @@
   <p:timing>
     <p:tnLst>
       <p:par>
-        <p:cTn xmlns:p14="http://schemas.microsoft.com/office/powerpoint/2010/main" id="1" dur="indefinite" restart="never" nodeType="tmRoot"/>
+        <p:cTn id="1" dur="indefinite" restart="never" nodeType="tmRoot"/>
       </p:par>
     </p:tnLst>
   </p:timing>
@@ -12676,8 +12558,8 @@
         </p:nvSpPr>
         <p:spPr>
           <a:xfrm>
-            <a:off x="498474" y="1318181"/>
-            <a:ext cx="7556313" cy="5284759"/>
+            <a:off x="498474" y="1318182"/>
+            <a:ext cx="7556313" cy="4807982"/>
           </a:xfrm>
         </p:spPr>
         <p:txBody>
@@ -12688,7 +12570,7 @@
           <a:p>
             <a:r>
               <a:rPr lang="en-US" dirty="0" smtClean="0"/>
-              <a:t>Our empirical evaluation: Part II</a:t>
+              <a:t>Our empirical evaluation: Part I</a:t>
             </a:r>
           </a:p>
           <a:p>
@@ -12701,125 +12583,136 @@
           <a:p>
             <a:pPr marL="800100" lvl="2" indent="-342900">
               <a:buFont typeface="+mj-lt"/>
-              <a:buAutoNum type="arabicPeriod"/>
+              <a:buAutoNum type="arabicPeriod" startAt="7"/>
             </a:pPr>
             <a:r>
-              <a:rPr lang="en-US" sz="1500" dirty="0"/>
-              <a:t>Was the program flow easy to follow? Explain: </a:t>
-            </a:r>
-            <a:endParaRPr lang="en-US" sz="1500" dirty="0" smtClean="0"/>
+              <a:rPr lang="en-US" dirty="0" smtClean="0"/>
+              <a:t>To me computers are the following: </a:t>
+            </a:r>
+            <a:br>
+              <a:rPr lang="en-US" dirty="0" smtClean="0"/>
+            </a:br>
+            <a:r>
+              <a:rPr lang="en-US" sz="1400" dirty="0" smtClean="0"/>
+              <a:t>Fun, </a:t>
+            </a:r>
+            <a:r>
+              <a:rPr lang="en-US" sz="1400" dirty="0"/>
+              <a:t>Easy To </a:t>
+            </a:r>
+            <a:r>
+              <a:rPr lang="en-US" sz="1400" dirty="0" smtClean="0"/>
+              <a:t>Use, Helpful, </a:t>
+            </a:r>
+            <a:r>
+              <a:rPr lang="en-US" sz="1400" dirty="0"/>
+              <a:t>Life-</a:t>
+            </a:r>
+            <a:r>
+              <a:rPr lang="en-US" sz="1400" dirty="0" smtClean="0"/>
+              <a:t>Saving, Necessity, Confusing, Annoying, Weird, Mystery, Genius, </a:t>
+            </a:r>
+            <a:r>
+              <a:rPr lang="en-US" sz="1400" dirty="0"/>
+              <a:t>Magical </a:t>
+            </a:r>
+            <a:endParaRPr lang="en-US" sz="1400" dirty="0" smtClean="0"/>
           </a:p>
           <a:p>
             <a:pPr marL="800100" lvl="2" indent="-342900">
               <a:buFont typeface="+mj-lt"/>
-              <a:buAutoNum type="arabicPeriod"/>
+              <a:buAutoNum type="arabicPeriod" startAt="7"/>
             </a:pPr>
             <a:r>
-              <a:rPr lang="en-US" sz="1500" dirty="0" smtClean="0"/>
-              <a:t>Is </a:t>
-            </a:r>
-            <a:r>
-              <a:rPr lang="en-US" sz="1500" dirty="0"/>
-              <a:t>there anything about the design you found confusing? Explain: </a:t>
-            </a:r>
-            <a:endParaRPr lang="en-US" sz="1500" dirty="0" smtClean="0"/>
+              <a:rPr lang="en-US" dirty="0" smtClean="0"/>
+              <a:t>To </a:t>
+            </a:r>
+            <a:r>
+              <a:rPr lang="en-US" dirty="0"/>
+              <a:t>me software is often the following: </a:t>
+            </a:r>
+            <a:r>
+              <a:rPr lang="en-US" dirty="0" smtClean="0"/>
+              <a:t/>
+            </a:r>
+            <a:br>
+              <a:rPr lang="en-US" dirty="0" smtClean="0"/>
+            </a:br>
+            <a:r>
+              <a:rPr lang="en-US" sz="1400" dirty="0"/>
+              <a:t>Well </a:t>
+            </a:r>
+            <a:r>
+              <a:rPr lang="en-US" sz="1400" dirty="0" smtClean="0"/>
+              <a:t>Designed, </a:t>
+            </a:r>
+            <a:r>
+              <a:rPr lang="en-US" sz="1400" dirty="0"/>
+              <a:t>Easy To </a:t>
+            </a:r>
+            <a:r>
+              <a:rPr lang="en-US" sz="1400" dirty="0" smtClean="0"/>
+              <a:t>Use, Helpful, </a:t>
+            </a:r>
+            <a:r>
+              <a:rPr lang="en-US" sz="1400" dirty="0"/>
+              <a:t>Life-</a:t>
+            </a:r>
+            <a:r>
+              <a:rPr lang="en-US" sz="1400" dirty="0" smtClean="0"/>
+              <a:t>Saving, </a:t>
+            </a:r>
+            <a:r>
+              <a:rPr lang="en-US" sz="1400" dirty="0"/>
+              <a:t>Poorly </a:t>
+            </a:r>
+            <a:r>
+              <a:rPr lang="en-US" sz="1400" dirty="0" smtClean="0"/>
+              <a:t>Designed, Obvious, Annoying, Weird, Mystery, Genius, Magical, </a:t>
+            </a:r>
+            <a:r>
+              <a:rPr lang="en-US" sz="1400" dirty="0"/>
+              <a:t>Hard To </a:t>
+            </a:r>
+            <a:r>
+              <a:rPr lang="en-US" sz="1400" dirty="0" smtClean="0"/>
+              <a:t>Learn, </a:t>
+            </a:r>
+            <a:r>
+              <a:rPr lang="en-US" sz="1400" dirty="0"/>
+              <a:t>Useful Once </a:t>
+            </a:r>
+            <a:r>
+              <a:rPr lang="en-US" sz="1400" dirty="0" smtClean="0"/>
+              <a:t>Learned, Daunting </a:t>
+            </a:r>
+            <a:r>
+              <a:rPr lang="en-US" sz="1400" dirty="0"/>
+              <a:t>To </a:t>
+            </a:r>
+            <a:r>
+              <a:rPr lang="en-US" sz="1400" dirty="0" smtClean="0"/>
+              <a:t>Learn, </a:t>
+            </a:r>
+            <a:r>
+              <a:rPr lang="en-US" sz="1400" dirty="0"/>
+              <a:t>Motivating To </a:t>
+            </a:r>
+            <a:r>
+              <a:rPr lang="en-US" sz="1400" dirty="0" smtClean="0"/>
+              <a:t>Learn.</a:t>
+            </a:r>
+          </a:p>
+          <a:p>
+            <a:pPr marL="457200" lvl="2" indent="0">
+              <a:buNone/>
+            </a:pPr>
+            <a:endParaRPr lang="en-US" sz="2000" dirty="0" smtClean="0"/>
           </a:p>
           <a:p>
             <a:pPr marL="800100" lvl="2" indent="-342900">
               <a:buFont typeface="+mj-lt"/>
-              <a:buAutoNum type="arabicPeriod"/>
-            </a:pPr>
-            <a:r>
-              <a:rPr lang="en-US" sz="1500" dirty="0"/>
-              <a:t>Is there anything about the design you found helpful? Explain: </a:t>
-            </a:r>
-            <a:endParaRPr lang="en-US" sz="1600" dirty="0" smtClean="0"/>
-          </a:p>
-          <a:p>
-            <a:r>
-              <a:rPr lang="en-US" dirty="0"/>
-              <a:t>Our empirical evaluation: Part </a:t>
-            </a:r>
-            <a:r>
-              <a:rPr lang="en-US" dirty="0" smtClean="0"/>
-              <a:t>III</a:t>
-            </a:r>
-          </a:p>
-          <a:p>
-            <a:pPr lvl="1"/>
-            <a:r>
-              <a:rPr lang="en-US" dirty="0" smtClean="0"/>
-              <a:t>Questionnaire</a:t>
-            </a:r>
-            <a:r>
-              <a:rPr lang="en-US" dirty="0"/>
-              <a:t>: </a:t>
-            </a:r>
-            <a:endParaRPr lang="en-US" dirty="0" smtClean="0"/>
-          </a:p>
-          <a:p>
-            <a:pPr marL="800100" lvl="2" indent="-342900">
-              <a:buFont typeface="+mj-lt"/>
-              <a:buAutoNum type="arabicPeriod"/>
-            </a:pPr>
-            <a:r>
-              <a:rPr lang="en-US" sz="1500" dirty="0"/>
-              <a:t>Is there another piece of software this program reminds you of? What is it? Explain</a:t>
-            </a:r>
-            <a:r>
-              <a:rPr lang="en-US" sz="1500" dirty="0" smtClean="0"/>
-              <a:t>:</a:t>
-            </a:r>
-          </a:p>
-          <a:p>
-            <a:pPr marL="800100" lvl="2" indent="-342900">
-              <a:buFont typeface="+mj-lt"/>
-              <a:buAutoNum type="arabicPeriod"/>
-            </a:pPr>
-            <a:r>
-              <a:rPr lang="en-US" sz="1500" dirty="0"/>
-              <a:t>If you were the therapist to use this software, what part of it might stop you from using it daily? Explain: </a:t>
-            </a:r>
-            <a:endParaRPr lang="en-US" sz="1500" dirty="0" smtClean="0"/>
-          </a:p>
-          <a:p>
-            <a:pPr marL="800100" lvl="2" indent="-342900">
-              <a:buFont typeface="+mj-lt"/>
-              <a:buAutoNum type="arabicPeriod"/>
-            </a:pPr>
-            <a:r>
-              <a:rPr lang="en-US" sz="1500" dirty="0"/>
-              <a:t>If you were the therapist to use this software, what part of it would encourage you to use it daily? Explain</a:t>
-            </a:r>
-            <a:r>
-              <a:rPr lang="en-US" sz="1500" dirty="0" smtClean="0"/>
-              <a:t>:</a:t>
-            </a:r>
-            <a:endParaRPr lang="en-US" sz="1500" dirty="0"/>
-          </a:p>
-          <a:p>
-            <a:r>
-              <a:rPr lang="en-US" dirty="0" smtClean="0"/>
-              <a:t>Time spent on Task:</a:t>
-            </a:r>
-          </a:p>
-          <a:p>
-            <a:pPr lvl="1"/>
-            <a:r>
-              <a:rPr lang="en-US" dirty="0" smtClean="0"/>
-              <a:t>Participants time was measured twice. </a:t>
-            </a:r>
-          </a:p>
-          <a:p>
-            <a:pPr lvl="1"/>
-            <a:endParaRPr lang="en-US" dirty="0" smtClean="0"/>
-          </a:p>
-          <a:p>
-            <a:endParaRPr lang="en-US" dirty="0"/>
-          </a:p>
-          <a:p>
-            <a:pPr marL="0" indent="0">
-              <a:buNone/>
+              <a:buAutoNum type="arabicPeriod" startAt="7"/>
             </a:pPr>
             <a:endParaRPr lang="en-US" dirty="0" smtClean="0"/>
           </a:p>
@@ -12828,7 +12721,7 @@
     </p:spTree>
     <p:extLst>
       <p:ext uri="{BB962C8B-B14F-4D97-AF65-F5344CB8AC3E}">
-        <p14:creationId xmlns:p14="http://schemas.microsoft.com/office/powerpoint/2010/main" val="2445886858"/>
+        <p14:creationId xmlns:p14="http://schemas.microsoft.com/office/powerpoint/2010/main" val="1248023929"/>
       </p:ext>
     </p:extLst>
   </p:cSld>
@@ -12838,7 +12731,7 @@
   <p:timing>
     <p:tnLst>
       <p:par>
-        <p:cTn xmlns:p14="http://schemas.microsoft.com/office/powerpoint/2010/main" id="1" dur="indefinite" restart="never" nodeType="tmRoot"/>
+        <p:cTn id="1" dur="indefinite" restart="never" nodeType="tmRoot"/>
       </p:par>
     </p:tnLst>
   </p:timing>
@@ -12872,19 +12765,14 @@
             <p:ph type="title"/>
           </p:nvPr>
         </p:nvSpPr>
-        <p:spPr>
-          <a:xfrm>
-            <a:off x="498474" y="484095"/>
-            <a:ext cx="7556313" cy="707686"/>
-          </a:xfrm>
-        </p:spPr>
+        <p:spPr/>
         <p:txBody>
           <a:bodyPr/>
           <a:lstStyle/>
           <a:p>
             <a:r>
               <a:rPr lang="en-US" dirty="0" smtClean="0"/>
-              <a:t>DISCUSSION OF RESULTS</a:t>
+              <a:t>USER EVALUATION</a:t>
             </a:r>
             <a:endParaRPr lang="en-US" dirty="0"/>
           </a:p>
@@ -12892,7 +12780,7 @@
       </p:sp>
       <p:sp>
         <p:nvSpPr>
-          <p:cNvPr id="3" name="Content Placeholder 2"/>
+          <p:cNvPr id="4" name="Content Placeholder 2"/>
           <p:cNvSpPr>
             <a:spLocks noGrp="1"/>
           </p:cNvSpPr>
@@ -12902,123 +12790,159 @@
         </p:nvSpPr>
         <p:spPr>
           <a:xfrm>
-            <a:off x="498474" y="1245952"/>
-            <a:ext cx="7556313" cy="4880211"/>
+            <a:off x="498474" y="1318181"/>
+            <a:ext cx="7556313" cy="5284759"/>
           </a:xfrm>
         </p:spPr>
         <p:txBody>
           <a:bodyPr>
-            <a:normAutofit lnSpcReduction="10000"/>
+            <a:normAutofit/>
           </a:bodyPr>
           <a:lstStyle/>
           <a:p>
             <a:r>
               <a:rPr lang="en-US" dirty="0" smtClean="0"/>
-              <a:t>This is what we found:</a:t>
+              <a:t>Our empirical evaluation: Part II</a:t>
             </a:r>
           </a:p>
           <a:p>
             <a:pPr lvl="1"/>
             <a:r>
               <a:rPr lang="en-US" dirty="0" smtClean="0"/>
-              <a:t>Technical Ability: </a:t>
-            </a:r>
-          </a:p>
-          <a:p>
-            <a:pPr lvl="2"/>
-            <a:r>
-              <a:rPr lang="en-US" dirty="0" smtClean="0"/>
-              <a:t>Mean 6.210526316</a:t>
-            </a:r>
-          </a:p>
-          <a:p>
-            <a:pPr lvl="2"/>
-            <a:r>
-              <a:rPr lang="en-US" dirty="0" smtClean="0"/>
-              <a:t>Std. Deviation </a:t>
-            </a:r>
+              <a:t>Questionnaire: </a:t>
+            </a:r>
+          </a:p>
+          <a:p>
+            <a:pPr marL="800100" lvl="2" indent="-342900">
+              <a:buFont typeface="+mj-lt"/>
+              <a:buAutoNum type="arabicPeriod"/>
+            </a:pPr>
+            <a:r>
+              <a:rPr lang="en-US" sz="1500" dirty="0"/>
+              <a:t>Was the program flow easy to follow? Explain: </a:t>
+            </a:r>
+            <a:endParaRPr lang="en-US" sz="1500" dirty="0" smtClean="0"/>
+          </a:p>
+          <a:p>
+            <a:pPr marL="800100" lvl="2" indent="-342900">
+              <a:buFont typeface="+mj-lt"/>
+              <a:buAutoNum type="arabicPeriod"/>
+            </a:pPr>
+            <a:r>
+              <a:rPr lang="en-US" sz="1500" dirty="0" smtClean="0"/>
+              <a:t>Is </a:t>
+            </a:r>
+            <a:r>
+              <a:rPr lang="en-US" sz="1500" dirty="0"/>
+              <a:t>there anything about the design you found confusing? Explain: </a:t>
+            </a:r>
+            <a:endParaRPr lang="en-US" sz="1500" dirty="0" smtClean="0"/>
+          </a:p>
+          <a:p>
+            <a:pPr marL="800100" lvl="2" indent="-342900">
+              <a:buFont typeface="+mj-lt"/>
+              <a:buAutoNum type="arabicPeriod"/>
+            </a:pPr>
+            <a:r>
+              <a:rPr lang="en-US" sz="1500" dirty="0"/>
+              <a:t>Is there anything about the design you found helpful? Explain: </a:t>
+            </a:r>
+            <a:endParaRPr lang="en-US" sz="1600" dirty="0" smtClean="0"/>
+          </a:p>
+          <a:p>
             <a:r>
               <a:rPr lang="en-US" dirty="0"/>
-              <a:t>2.615741819  </a:t>
+              <a:t>Our empirical evaluation: Part </a:t>
+            </a:r>
+            <a:r>
+              <a:rPr lang="en-US" dirty="0" smtClean="0"/>
+              <a:t>III</a:t>
+            </a:r>
+          </a:p>
+          <a:p>
+            <a:pPr lvl="1"/>
+            <a:r>
+              <a:rPr lang="en-US" dirty="0" smtClean="0"/>
+              <a:t>Questionnaire</a:t>
+            </a:r>
+            <a:r>
+              <a:rPr lang="en-US" dirty="0"/>
+              <a:t>: </a:t>
             </a:r>
             <a:endParaRPr lang="en-US" dirty="0" smtClean="0"/>
           </a:p>
           <a:p>
-            <a:pPr lvl="2"/>
-            <a:r>
-              <a:rPr lang="en-US" dirty="0" smtClean="0"/>
-              <a:t>Mode 8</a:t>
+            <a:pPr marL="800100" lvl="2" indent="-342900">
+              <a:buFont typeface="+mj-lt"/>
+              <a:buAutoNum type="arabicPeriod"/>
+            </a:pPr>
+            <a:r>
+              <a:rPr lang="en-US" sz="1500" dirty="0"/>
+              <a:t>Is there another piece of software this program reminds you of? What is it? Explain</a:t>
+            </a:r>
+            <a:r>
+              <a:rPr lang="en-US" sz="1500" dirty="0" smtClean="0"/>
+              <a:t>:</a:t>
+            </a:r>
+          </a:p>
+          <a:p>
+            <a:pPr marL="800100" lvl="2" indent="-342900">
+              <a:buFont typeface="+mj-lt"/>
+              <a:buAutoNum type="arabicPeriod"/>
+            </a:pPr>
+            <a:r>
+              <a:rPr lang="en-US" sz="1500" dirty="0"/>
+              <a:t>If you were the therapist to use this software, what part of it might stop you from using it daily? Explain: </a:t>
+            </a:r>
+            <a:endParaRPr lang="en-US" sz="1500" dirty="0" smtClean="0"/>
+          </a:p>
+          <a:p>
+            <a:pPr marL="800100" lvl="2" indent="-342900">
+              <a:buFont typeface="+mj-lt"/>
+              <a:buAutoNum type="arabicPeriod"/>
+            </a:pPr>
+            <a:r>
+              <a:rPr lang="en-US" sz="1500" dirty="0"/>
+              <a:t>If you were the therapist to use this software, what part of it would encourage you to use it daily? Explain</a:t>
+            </a:r>
+            <a:r>
+              <a:rPr lang="en-US" sz="1500" dirty="0" smtClean="0"/>
+              <a:t>:</a:t>
+            </a:r>
+            <a:endParaRPr lang="en-US" sz="1500" dirty="0"/>
+          </a:p>
+          <a:p>
+            <a:r>
+              <a:rPr lang="en-US" dirty="0" smtClean="0"/>
+              <a:t>Time spent on Task:</a:t>
             </a:r>
           </a:p>
           <a:p>
             <a:pPr lvl="1"/>
             <a:r>
               <a:rPr lang="en-US" dirty="0" smtClean="0"/>
-              <a:t>Learn New Application For Fun: </a:t>
-            </a:r>
-          </a:p>
-          <a:p>
-            <a:pPr lvl="2"/>
-            <a:r>
-              <a:rPr lang="en-US" dirty="0" smtClean="0"/>
-              <a:t>Mean 6.105263158 </a:t>
-            </a:r>
-          </a:p>
-          <a:p>
-            <a:pPr lvl="2"/>
-            <a:r>
-              <a:rPr lang="en-US" dirty="0" smtClean="0"/>
-              <a:t>Std. Deviation </a:t>
-            </a:r>
-            <a:r>
-              <a:rPr lang="en-US" dirty="0"/>
-              <a:t>2.826358805 </a:t>
-            </a:r>
+              <a:t>Participants time was measured twice. </a:t>
+            </a:r>
+          </a:p>
+          <a:p>
+            <a:pPr lvl="1"/>
             <a:endParaRPr lang="en-US" dirty="0" smtClean="0"/>
           </a:p>
           <a:p>
-            <a:pPr lvl="2"/>
-            <a:r>
-              <a:rPr lang="en-US" dirty="0" smtClean="0"/>
-              <a:t>Mode 8</a:t>
-            </a:r>
             <a:endParaRPr lang="en-US" dirty="0"/>
           </a:p>
           <a:p>
-            <a:pPr lvl="2"/>
-            <a:endParaRPr lang="en-US" dirty="0"/>
-          </a:p>
-          <a:p>
-            <a:r>
-              <a:rPr lang="en-US" dirty="0" smtClean="0"/>
-              <a:t>Correlation Between Questions: </a:t>
-            </a:r>
-            <a:r>
-              <a:rPr lang="en-US" dirty="0"/>
-              <a:t>0.845984699 </a:t>
-            </a:r>
+            <a:pPr marL="0" indent="0">
+              <a:buNone/>
+            </a:pPr>
             <a:endParaRPr lang="en-US" dirty="0" smtClean="0"/>
-          </a:p>
-          <a:p>
-            <a:r>
-              <a:rPr lang="en-US" dirty="0" smtClean="0"/>
-              <a:t>Moderate to High Correlation Between: 1,2,3,6</a:t>
-            </a:r>
-            <a:br>
-              <a:rPr lang="en-US" dirty="0" smtClean="0"/>
-            </a:br>
-            <a:r>
-              <a:rPr lang="en-US" dirty="0" smtClean="0"/>
-              <a:t>Negative Small Correlation with: 5</a:t>
-            </a:r>
-            <a:endParaRPr lang="en-US" dirty="0"/>
           </a:p>
         </p:txBody>
       </p:sp>
     </p:spTree>
     <p:extLst>
       <p:ext uri="{BB962C8B-B14F-4D97-AF65-F5344CB8AC3E}">
-        <p14:creationId xmlns:p14="http://schemas.microsoft.com/office/powerpoint/2010/main" val="666526055"/>
+        <p14:creationId xmlns:p14="http://schemas.microsoft.com/office/powerpoint/2010/main" val="2445886858"/>
       </p:ext>
     </p:extLst>
   </p:cSld>
@@ -13028,7 +12952,7 @@
   <p:timing>
     <p:tnLst>
       <p:par>
-        <p:cTn xmlns:p14="http://schemas.microsoft.com/office/powerpoint/2010/main" id="1" dur="indefinite" restart="never" nodeType="tmRoot"/>
+        <p:cTn id="1" dur="indefinite" restart="never" nodeType="tmRoot"/>
       </p:par>
     </p:tnLst>
   </p:timing>
@@ -13062,7 +12986,12 @@
             <p:ph type="title"/>
           </p:nvPr>
         </p:nvSpPr>
-        <p:spPr/>
+        <p:spPr>
+          <a:xfrm>
+            <a:off x="498474" y="484095"/>
+            <a:ext cx="7556313" cy="707686"/>
+          </a:xfrm>
+        </p:spPr>
         <p:txBody>
           <a:bodyPr/>
           <a:lstStyle/>
@@ -13087,107 +13016,115 @@
         </p:nvSpPr>
         <p:spPr>
           <a:xfrm>
-            <a:off x="498474" y="1289402"/>
-            <a:ext cx="7556313" cy="4836762"/>
-          </a:xfrm>
-        </p:spPr>
-        <p:txBody>
-          <a:bodyPr/>
-          <a:lstStyle/>
-          <a:p>
-            <a:r>
-              <a:rPr lang="en-US" dirty="0" smtClean="0"/>
-              <a:t>How many hours a week do you spend on a computer / smart phone?</a:t>
-            </a:r>
-          </a:p>
-          <a:p>
-            <a:r>
-              <a:rPr lang="en-US" sz="1400" dirty="0" smtClean="0"/>
-              <a:t>Coded The Answers</a:t>
+            <a:off x="498474" y="1245952"/>
+            <a:ext cx="7556313" cy="4880211"/>
+          </a:xfrm>
+        </p:spPr>
+        <p:txBody>
+          <a:bodyPr>
+            <a:normAutofit lnSpcReduction="10000"/>
+          </a:bodyPr>
+          <a:lstStyle/>
+          <a:p>
+            <a:r>
+              <a:rPr lang="en-US" dirty="0" smtClean="0"/>
+              <a:t>This is what we found:</a:t>
             </a:r>
           </a:p>
           <a:p>
             <a:pPr lvl="1"/>
             <a:r>
-              <a:rPr lang="en-US" sz="1200" dirty="0"/>
-              <a:t>0 – </a:t>
-            </a:r>
-            <a:r>
-              <a:rPr lang="en-US" sz="1200" dirty="0" smtClean="0"/>
-              <a:t>10(</a:t>
-            </a:r>
-            <a:r>
-              <a:rPr lang="en-US" sz="1200" dirty="0"/>
-              <a:t>1</a:t>
-            </a:r>
-            <a:r>
-              <a:rPr lang="en-US" sz="1200" dirty="0" smtClean="0"/>
-              <a:t>)    11</a:t>
-            </a:r>
-            <a:r>
-              <a:rPr lang="en-US" sz="1200" dirty="0"/>
-              <a:t>-20 (2</a:t>
-            </a:r>
-            <a:r>
-              <a:rPr lang="en-US" sz="1200" dirty="0" smtClean="0"/>
-              <a:t>)    21</a:t>
-            </a:r>
-            <a:r>
-              <a:rPr lang="en-US" sz="1200" dirty="0"/>
-              <a:t>-30 (3</a:t>
-            </a:r>
-            <a:r>
-              <a:rPr lang="en-US" sz="1200" dirty="0" smtClean="0"/>
-              <a:t>)    31</a:t>
-            </a:r>
-            <a:r>
-              <a:rPr lang="en-US" sz="1200" dirty="0"/>
-              <a:t>-40 (4</a:t>
-            </a:r>
-            <a:r>
-              <a:rPr lang="en-US" sz="1200" dirty="0" smtClean="0"/>
-              <a:t>)    41</a:t>
-            </a:r>
-            <a:r>
-              <a:rPr lang="en-US" sz="1200" dirty="0"/>
-              <a:t>+ (5) </a:t>
-            </a:r>
-          </a:p>
-          <a:p>
-            <a:r>
-              <a:rPr lang="en-US" sz="1400" dirty="0" smtClean="0"/>
-              <a:t>Mean: 3.684210526</a:t>
-            </a:r>
-          </a:p>
-          <a:p>
-            <a:r>
-              <a:rPr lang="en-US" sz="1400" dirty="0" smtClean="0"/>
-              <a:t>Std. Deviation: </a:t>
-            </a:r>
-            <a:r>
-              <a:rPr lang="en-US" sz="1400" dirty="0"/>
-              <a:t>1.66842013 </a:t>
-            </a:r>
-            <a:endParaRPr lang="en-US" sz="1400" dirty="0" smtClean="0"/>
-          </a:p>
-          <a:p>
-            <a:r>
-              <a:rPr lang="en-US" sz="1400" dirty="0" smtClean="0"/>
-              <a:t>Median: 5 </a:t>
-            </a:r>
-          </a:p>
-          <a:p>
-            <a:r>
-              <a:rPr lang="en-US" sz="1400" dirty="0" smtClean="0"/>
-              <a:t>Mode: </a:t>
-            </a:r>
-            <a:r>
-              <a:rPr lang="en-US" sz="1400" dirty="0"/>
-              <a:t>5 </a:t>
-            </a:r>
-            <a:endParaRPr lang="en-US" sz="1400" dirty="0" smtClean="0"/>
-          </a:p>
-          <a:p>
+              <a:rPr lang="en-US" dirty="0" smtClean="0"/>
+              <a:t>Technical Ability: </a:t>
+            </a:r>
+          </a:p>
+          <a:p>
+            <a:pPr lvl="2"/>
+            <a:r>
+              <a:rPr lang="en-US" dirty="0" smtClean="0"/>
+              <a:t>Mean 6.210526316</a:t>
+            </a:r>
+          </a:p>
+          <a:p>
+            <a:pPr lvl="2"/>
+            <a:r>
+              <a:rPr lang="en-US" dirty="0" smtClean="0"/>
+              <a:t>Std. Deviation </a:t>
+            </a:r>
+            <a:r>
+              <a:rPr lang="en-US" dirty="0"/>
+              <a:t>2.615741819  </a:t>
+            </a:r>
+            <a:endParaRPr lang="en-US" dirty="0" smtClean="0"/>
+          </a:p>
+          <a:p>
+            <a:pPr lvl="2"/>
+            <a:r>
+              <a:rPr lang="en-US" dirty="0" smtClean="0"/>
+              <a:t>Mode 8</a:t>
+            </a:r>
+          </a:p>
+          <a:p>
+            <a:pPr lvl="1"/>
+            <a:r>
+              <a:rPr lang="en-US" dirty="0" smtClean="0"/>
+              <a:t>Learn New Application For Fun: </a:t>
+            </a:r>
+          </a:p>
+          <a:p>
+            <a:pPr lvl="2"/>
+            <a:r>
+              <a:rPr lang="en-US" dirty="0" smtClean="0"/>
+              <a:t>Mean 6.105263158 </a:t>
+            </a:r>
+          </a:p>
+          <a:p>
+            <a:pPr lvl="2"/>
+            <a:r>
+              <a:rPr lang="en-US" dirty="0" smtClean="0"/>
+              <a:t>Std. Deviation </a:t>
+            </a:r>
+            <a:r>
+              <a:rPr lang="en-US" dirty="0"/>
+              <a:t>2.826358805 </a:t>
+            </a:r>
+            <a:endParaRPr lang="en-US" dirty="0" smtClean="0"/>
+          </a:p>
+          <a:p>
+            <a:pPr lvl="2"/>
+            <a:r>
+              <a:rPr lang="en-US" dirty="0" smtClean="0"/>
+              <a:t>Mode 8</a:t>
+            </a:r>
+            <a:endParaRPr lang="en-US" dirty="0"/>
+          </a:p>
+          <a:p>
+            <a:pPr lvl="2"/>
+            <a:endParaRPr lang="en-US" dirty="0"/>
+          </a:p>
+          <a:p>
+            <a:r>
+              <a:rPr lang="en-US" dirty="0" smtClean="0"/>
+              <a:t>Correlation Between Questions: </a:t>
+            </a:r>
+            <a:r>
+              <a:rPr lang="en-US" dirty="0"/>
+              <a:t>0.845984699 </a:t>
+            </a:r>
+            <a:endParaRPr lang="en-US" dirty="0" smtClean="0"/>
+          </a:p>
+          <a:p>
+            <a:r>
+              <a:rPr lang="en-US" dirty="0" smtClean="0"/>
+              <a:t>Moderate to High Correlation Between: 1,2,3,6</a:t>
+            </a:r>
+            <a:br>
+              <a:rPr lang="en-US" dirty="0" smtClean="0"/>
+            </a:br>
+            <a:r>
+              <a:rPr lang="en-US" dirty="0" smtClean="0"/>
+              <a:t>Negative Small Correlation with: 5</a:t>
+            </a:r>
             <a:endParaRPr lang="en-US" dirty="0"/>
           </a:p>
         </p:txBody>
@@ -13195,7 +13132,7 @@
     </p:spTree>
     <p:extLst>
       <p:ext uri="{BB962C8B-B14F-4D97-AF65-F5344CB8AC3E}">
-        <p14:creationId xmlns:p14="http://schemas.microsoft.com/office/powerpoint/2010/main" val="3200421606"/>
+        <p14:creationId xmlns:p14="http://schemas.microsoft.com/office/powerpoint/2010/main" val="666526055"/>
       </p:ext>
     </p:extLst>
   </p:cSld>
@@ -13205,7 +13142,7 @@
   <p:timing>
     <p:tnLst>
       <p:par>
-        <p:cTn xmlns:p14="http://schemas.microsoft.com/office/powerpoint/2010/main" id="1" dur="indefinite" restart="never" nodeType="tmRoot"/>
+        <p:cTn id="1" dur="indefinite" restart="never" nodeType="tmRoot"/>
       </p:par>
     </p:tnLst>
   </p:timing>
@@ -13925,7 +13862,7 @@
   <p:timing>
     <p:tnLst>
       <p:par>
-        <p:cTn xmlns:p14="http://schemas.microsoft.com/office/powerpoint/2010/main" id="1" dur="indefinite" restart="never" nodeType="tmRoot"/>
+        <p:cTn id="1" dur="indefinite" restart="never" nodeType="tmRoot"/>
       </p:par>
     </p:tnLst>
   </p:timing>
@@ -13994,85 +13931,97 @@
           <a:p>
             <a:r>
               <a:rPr lang="en-US" dirty="0" smtClean="0"/>
-              <a:t>To me computers are….</a:t>
-            </a:r>
-            <a:endParaRPr lang="en-US" dirty="0"/>
+              <a:t>How many hours a week do you spend on a computer / smart phone?</a:t>
+            </a:r>
+          </a:p>
+          <a:p>
+            <a:r>
+              <a:rPr lang="en-US" sz="1400" dirty="0" smtClean="0"/>
+              <a:t>Coded The Answers</a:t>
+            </a:r>
           </a:p>
           <a:p>
             <a:pPr lvl="1"/>
             <a:r>
-              <a:rPr lang="en-US" dirty="0" smtClean="0"/>
-              <a:t>Helpful (every participant)</a:t>
-            </a:r>
-          </a:p>
-          <a:p>
-            <a:pPr lvl="1"/>
-            <a:r>
-              <a:rPr lang="en-US" dirty="0" smtClean="0"/>
-              <a:t>Necessity</a:t>
-            </a:r>
-          </a:p>
-          <a:p>
-            <a:pPr lvl="1"/>
-            <a:r>
-              <a:rPr lang="en-US" dirty="0" smtClean="0"/>
-              <a:t>Fun</a:t>
-            </a:r>
-          </a:p>
-          <a:p>
-            <a:pPr lvl="1"/>
-            <a:r>
-              <a:rPr lang="en-US" dirty="0" smtClean="0"/>
-              <a:t>Easy to use</a:t>
-            </a:r>
-          </a:p>
-          <a:p>
-            <a:pPr lvl="1"/>
-            <a:r>
-              <a:rPr lang="en-US" dirty="0" smtClean="0"/>
-              <a:t>Annoying, Genius, Magical (tie)</a:t>
-            </a:r>
-          </a:p>
-          <a:p>
-            <a:r>
-              <a:rPr lang="en-US" dirty="0" smtClean="0"/>
-              <a:t>To me software is often.…</a:t>
-            </a:r>
-          </a:p>
-          <a:p>
-            <a:pPr lvl="1"/>
-            <a:r>
-              <a:rPr lang="en-US" dirty="0" smtClean="0"/>
-              <a:t>Helpful</a:t>
-            </a:r>
-          </a:p>
-          <a:p>
-            <a:pPr lvl="1"/>
-            <a:r>
-              <a:rPr lang="en-US" dirty="0" smtClean="0"/>
-              <a:t>Useful once learned</a:t>
-            </a:r>
-          </a:p>
-          <a:p>
-            <a:pPr lvl="1"/>
-            <a:r>
-              <a:rPr lang="en-US" dirty="0" smtClean="0"/>
-              <a:t>Easy to use</a:t>
-            </a:r>
-          </a:p>
-          <a:p>
-            <a:pPr lvl="1"/>
-            <a:r>
-              <a:rPr lang="en-US" dirty="0" smtClean="0"/>
-              <a:t>Well Designed</a:t>
-            </a:r>
-          </a:p>
-          <a:p>
-            <a:pPr lvl="1"/>
-            <a:r>
-              <a:rPr lang="en-US" dirty="0" smtClean="0"/>
-              <a:t>Hard to learn, Poorly Designed, Annoying</a:t>
-            </a:r>
+              <a:rPr lang="en-US" sz="1200" dirty="0"/>
+              <a:t>0 – </a:t>
+            </a:r>
+            <a:r>
+              <a:rPr lang="en-US" sz="1200" dirty="0" smtClean="0"/>
+              <a:t>10(</a:t>
+            </a:r>
+            <a:r>
+              <a:rPr lang="en-US" sz="1200" dirty="0"/>
+              <a:t>1</a:t>
+            </a:r>
+            <a:r>
+              <a:rPr lang="en-US" sz="1200" dirty="0" smtClean="0"/>
+              <a:t>)    11</a:t>
+            </a:r>
+            <a:r>
+              <a:rPr lang="en-US" sz="1200" dirty="0"/>
+              <a:t>-20 (2</a:t>
+            </a:r>
+            <a:r>
+              <a:rPr lang="en-US" sz="1200" dirty="0" smtClean="0"/>
+              <a:t>)    21</a:t>
+            </a:r>
+            <a:r>
+              <a:rPr lang="en-US" sz="1200" dirty="0"/>
+              <a:t>-30 (3</a:t>
+            </a:r>
+            <a:r>
+              <a:rPr lang="en-US" sz="1200" dirty="0" smtClean="0"/>
+              <a:t>)    31</a:t>
+            </a:r>
+            <a:r>
+              <a:rPr lang="en-US" sz="1200" dirty="0"/>
+              <a:t>-40 (4</a:t>
+            </a:r>
+            <a:r>
+              <a:rPr lang="en-US" sz="1200" dirty="0" smtClean="0"/>
+              <a:t>)    41</a:t>
+            </a:r>
+            <a:r>
+              <a:rPr lang="en-US" sz="1200" dirty="0"/>
+              <a:t>+ (5) </a:t>
+            </a:r>
+          </a:p>
+          <a:p>
+            <a:r>
+              <a:rPr lang="en-US" sz="1400" dirty="0" smtClean="0"/>
+              <a:t>Mean: 3.684210526</a:t>
+            </a:r>
+          </a:p>
+          <a:p>
+            <a:r>
+              <a:rPr lang="en-US" sz="1400" dirty="0" smtClean="0"/>
+              <a:t>Std. Deviation: </a:t>
+            </a:r>
+            <a:r>
+              <a:rPr lang="en-US" sz="1400" dirty="0"/>
+              <a:t>1.66842013 </a:t>
+            </a:r>
+            <a:endParaRPr lang="en-US" sz="1400" dirty="0" smtClean="0"/>
+          </a:p>
+          <a:p>
+            <a:r>
+              <a:rPr lang="en-US" sz="1400" dirty="0" smtClean="0"/>
+              <a:t>Median: 5 </a:t>
+            </a:r>
+          </a:p>
+          <a:p>
+            <a:r>
+              <a:rPr lang="en-US" sz="1400" dirty="0" smtClean="0"/>
+              <a:t>Mode: </a:t>
+            </a:r>
+            <a:r>
+              <a:rPr lang="en-US" sz="1400" dirty="0"/>
+              <a:t>5 </a:t>
+            </a:r>
+            <a:endParaRPr lang="en-US" sz="1400" dirty="0" smtClean="0"/>
+          </a:p>
+          <a:p>
             <a:endParaRPr lang="en-US" dirty="0"/>
           </a:p>
         </p:txBody>
@@ -14080,7 +14029,7 @@
     </p:spTree>
     <p:extLst>
       <p:ext uri="{BB962C8B-B14F-4D97-AF65-F5344CB8AC3E}">
-        <p14:creationId xmlns:p14="http://schemas.microsoft.com/office/powerpoint/2010/main" val="2563663104"/>
+        <p14:creationId xmlns:p14="http://schemas.microsoft.com/office/powerpoint/2010/main" val="3200421606"/>
       </p:ext>
     </p:extLst>
   </p:cSld>
@@ -14090,7 +14039,7 @@
   <p:timing>
     <p:tnLst>
       <p:par>
-        <p:cTn xmlns:p14="http://schemas.microsoft.com/office/powerpoint/2010/main" id="1" dur="indefinite" restart="never" nodeType="tmRoot"/>
+        <p:cTn id="1" dur="indefinite" restart="never" nodeType="tmRoot"/>
       </p:par>
     </p:tnLst>
   </p:timing>
@@ -14159,93 +14108,93 @@
           <a:p>
             <a:r>
               <a:rPr lang="en-US" dirty="0" smtClean="0"/>
-              <a:t>Written Responses:</a:t>
-            </a:r>
+              <a:t>To me computers are….</a:t>
+            </a:r>
+            <a:endParaRPr lang="en-US" dirty="0"/>
           </a:p>
           <a:p>
             <a:pPr lvl="1"/>
             <a:r>
               <a:rPr lang="en-US" dirty="0" smtClean="0"/>
-              <a:t>COMMON FEEDBACK:</a:t>
-            </a:r>
-          </a:p>
-          <a:p>
-            <a:pPr lvl="2"/>
-            <a:r>
-              <a:rPr lang="en-US" dirty="0" smtClean="0"/>
-              <a:t>Easy to follow</a:t>
-            </a:r>
-          </a:p>
-          <a:p>
-            <a:pPr lvl="2"/>
-            <a:r>
-              <a:rPr lang="en-US" dirty="0" smtClean="0"/>
-              <a:t>Help feature was useful</a:t>
-            </a:r>
-          </a:p>
-          <a:p>
-            <a:pPr lvl="2"/>
-            <a:r>
-              <a:rPr lang="en-US" dirty="0" smtClean="0"/>
-              <a:t>Confused by small features </a:t>
-            </a:r>
-          </a:p>
-          <a:p>
-            <a:pPr lvl="3"/>
-            <a:r>
-              <a:rPr lang="en-US" dirty="0" smtClean="0"/>
-              <a:t>GO button for search</a:t>
-            </a:r>
-          </a:p>
-          <a:p>
-            <a:pPr lvl="3"/>
-            <a:r>
-              <a:rPr lang="en-US" dirty="0" smtClean="0"/>
-              <a:t>Conflicting reports on button placement </a:t>
-            </a:r>
-          </a:p>
-          <a:p>
-            <a:pPr lvl="3"/>
-            <a:r>
-              <a:rPr lang="en-US" dirty="0" smtClean="0"/>
-              <a:t>Load screen </a:t>
-            </a:r>
-            <a:r>
-              <a:rPr lang="en-US" dirty="0"/>
-              <a:t>c</a:t>
-            </a:r>
-            <a:r>
-              <a:rPr lang="en-US" dirty="0" smtClean="0"/>
-              <a:t>onfusion</a:t>
-            </a:r>
-          </a:p>
-          <a:p>
-            <a:pPr lvl="3"/>
-            <a:r>
-              <a:rPr lang="en-US" dirty="0" smtClean="0"/>
-              <a:t>New layout screen confusion</a:t>
-            </a:r>
-          </a:p>
-          <a:p>
-            <a:pPr lvl="2"/>
-            <a:r>
-              <a:rPr lang="en-US" dirty="0" smtClean="0"/>
-              <a:t>Most confusion from not reading the Help documentation.</a:t>
-            </a:r>
-          </a:p>
-          <a:p>
-            <a:pPr lvl="2"/>
-            <a:r>
-              <a:rPr lang="en-US" dirty="0" smtClean="0"/>
-              <a:t>Some people found it like Paint, others like Whack-A-Mole, most said Nothing.</a:t>
-            </a:r>
+              <a:t>Helpful (every participant)</a:t>
+            </a:r>
+          </a:p>
+          <a:p>
+            <a:pPr lvl="1"/>
+            <a:r>
+              <a:rPr lang="en-US" dirty="0" smtClean="0"/>
+              <a:t>Necessity</a:t>
+            </a:r>
+          </a:p>
+          <a:p>
+            <a:pPr lvl="1"/>
+            <a:r>
+              <a:rPr lang="en-US" dirty="0" smtClean="0"/>
+              <a:t>Fun</a:t>
+            </a:r>
+          </a:p>
+          <a:p>
+            <a:pPr lvl="1"/>
+            <a:r>
+              <a:rPr lang="en-US" dirty="0" smtClean="0"/>
+              <a:t>Easy to use</a:t>
+            </a:r>
+          </a:p>
+          <a:p>
+            <a:pPr lvl="1"/>
+            <a:r>
+              <a:rPr lang="en-US" dirty="0" smtClean="0"/>
+              <a:t>Annoying, Genius, Magical (tie)</a:t>
+            </a:r>
+          </a:p>
+          <a:p>
+            <a:r>
+              <a:rPr lang="en-US" dirty="0" smtClean="0"/>
+              <a:t>To me software is often.…</a:t>
+            </a:r>
+          </a:p>
+          <a:p>
+            <a:pPr lvl="1"/>
+            <a:r>
+              <a:rPr lang="en-US" dirty="0" smtClean="0"/>
+              <a:t>Helpful</a:t>
+            </a:r>
+          </a:p>
+          <a:p>
+            <a:pPr lvl="1"/>
+            <a:r>
+              <a:rPr lang="en-US" dirty="0" smtClean="0"/>
+              <a:t>Useful once learned</a:t>
+            </a:r>
+          </a:p>
+          <a:p>
+            <a:pPr lvl="1"/>
+            <a:r>
+              <a:rPr lang="en-US" dirty="0" smtClean="0"/>
+              <a:t>Easy to use</a:t>
+            </a:r>
+          </a:p>
+          <a:p>
+            <a:pPr lvl="1"/>
+            <a:r>
+              <a:rPr lang="en-US" dirty="0" smtClean="0"/>
+              <a:t>Well Designed</a:t>
+            </a:r>
+          </a:p>
+          <a:p>
+            <a:pPr lvl="1"/>
+            <a:r>
+              <a:rPr lang="en-US" dirty="0" smtClean="0"/>
+              <a:t>Hard to learn, Poorly Designed, Annoying</a:t>
+            </a:r>
+            <a:endParaRPr lang="en-US" dirty="0"/>
           </a:p>
         </p:txBody>
       </p:sp>
     </p:spTree>
     <p:extLst>
       <p:ext uri="{BB962C8B-B14F-4D97-AF65-F5344CB8AC3E}">
-        <p14:creationId xmlns:p14="http://schemas.microsoft.com/office/powerpoint/2010/main" val="3228185755"/>
+        <p14:creationId xmlns:p14="http://schemas.microsoft.com/office/powerpoint/2010/main" val="2563663104"/>
       </p:ext>
     </p:extLst>
   </p:cSld>
@@ -14255,7 +14204,7 @@
   <p:timing>
     <p:tnLst>
       <p:par>
-        <p:cTn xmlns:p14="http://schemas.microsoft.com/office/powerpoint/2010/main" id="1" dur="indefinite" restart="never" nodeType="tmRoot"/>
+        <p:cTn id="1" dur="indefinite" restart="never" nodeType="tmRoot"/>
       </p:par>
     </p:tnLst>
   </p:timing>
@@ -14324,6 +14273,171 @@
           <a:p>
             <a:r>
               <a:rPr lang="en-US" dirty="0" smtClean="0"/>
+              <a:t>Written Responses:</a:t>
+            </a:r>
+          </a:p>
+          <a:p>
+            <a:pPr lvl="1"/>
+            <a:r>
+              <a:rPr lang="en-US" dirty="0" smtClean="0"/>
+              <a:t>COMMON FEEDBACK:</a:t>
+            </a:r>
+          </a:p>
+          <a:p>
+            <a:pPr lvl="2"/>
+            <a:r>
+              <a:rPr lang="en-US" dirty="0" smtClean="0"/>
+              <a:t>Easy to follow</a:t>
+            </a:r>
+          </a:p>
+          <a:p>
+            <a:pPr lvl="2"/>
+            <a:r>
+              <a:rPr lang="en-US" dirty="0" smtClean="0"/>
+              <a:t>Help feature was useful</a:t>
+            </a:r>
+          </a:p>
+          <a:p>
+            <a:pPr lvl="2"/>
+            <a:r>
+              <a:rPr lang="en-US" dirty="0" smtClean="0"/>
+              <a:t>Confused by small features </a:t>
+            </a:r>
+          </a:p>
+          <a:p>
+            <a:pPr lvl="3"/>
+            <a:r>
+              <a:rPr lang="en-US" dirty="0" smtClean="0"/>
+              <a:t>GO button for search</a:t>
+            </a:r>
+          </a:p>
+          <a:p>
+            <a:pPr lvl="3"/>
+            <a:r>
+              <a:rPr lang="en-US" dirty="0" smtClean="0"/>
+              <a:t>Conflicting reports on button placement </a:t>
+            </a:r>
+          </a:p>
+          <a:p>
+            <a:pPr lvl="3"/>
+            <a:r>
+              <a:rPr lang="en-US" dirty="0" smtClean="0"/>
+              <a:t>Load screen </a:t>
+            </a:r>
+            <a:r>
+              <a:rPr lang="en-US" dirty="0"/>
+              <a:t>c</a:t>
+            </a:r>
+            <a:r>
+              <a:rPr lang="en-US" dirty="0" smtClean="0"/>
+              <a:t>onfusion</a:t>
+            </a:r>
+          </a:p>
+          <a:p>
+            <a:pPr lvl="3"/>
+            <a:r>
+              <a:rPr lang="en-US" dirty="0" smtClean="0"/>
+              <a:t>New layout screen confusion</a:t>
+            </a:r>
+          </a:p>
+          <a:p>
+            <a:pPr lvl="2"/>
+            <a:r>
+              <a:rPr lang="en-US" dirty="0" smtClean="0"/>
+              <a:t>Most confusion from not reading the Help documentation.</a:t>
+            </a:r>
+          </a:p>
+          <a:p>
+            <a:pPr lvl="2"/>
+            <a:r>
+              <a:rPr lang="en-US" dirty="0" smtClean="0"/>
+              <a:t>Some people found it like Paint, others like Whack-A-Mole, most said Nothing.</a:t>
+            </a:r>
+          </a:p>
+        </p:txBody>
+      </p:sp>
+    </p:spTree>
+    <p:extLst>
+      <p:ext uri="{BB962C8B-B14F-4D97-AF65-F5344CB8AC3E}">
+        <p14:creationId xmlns:p14="http://schemas.microsoft.com/office/powerpoint/2010/main" val="3228185755"/>
+      </p:ext>
+    </p:extLst>
+  </p:cSld>
+  <p:clrMapOvr>
+    <a:masterClrMapping/>
+  </p:clrMapOvr>
+  <p:timing>
+    <p:tnLst>
+      <p:par>
+        <p:cTn id="1" dur="indefinite" restart="never" nodeType="tmRoot"/>
+      </p:par>
+    </p:tnLst>
+  </p:timing>
+</p:sld>
+</file>
+
+<file path=ppt/slides/slide33.xml><?xml version="1.0" encoding="utf-8"?>
+<p:sld xmlns:a="http://schemas.openxmlformats.org/drawingml/2006/main" xmlns:r="http://schemas.openxmlformats.org/officeDocument/2006/relationships" xmlns:p="http://schemas.openxmlformats.org/presentationml/2006/main">
+  <p:cSld>
+    <p:spTree>
+      <p:nvGrpSpPr>
+        <p:cNvPr id="1" name=""/>
+        <p:cNvGrpSpPr/>
+        <p:nvPr/>
+      </p:nvGrpSpPr>
+      <p:grpSpPr>
+        <a:xfrm>
+          <a:off x="0" y="0"/>
+          <a:ext cx="0" cy="0"/>
+          <a:chOff x="0" y="0"/>
+          <a:chExt cx="0" cy="0"/>
+        </a:xfrm>
+      </p:grpSpPr>
+      <p:sp>
+        <p:nvSpPr>
+          <p:cNvPr id="2" name="Title 1"/>
+          <p:cNvSpPr>
+            <a:spLocks noGrp="1"/>
+          </p:cNvSpPr>
+          <p:nvPr>
+            <p:ph type="title"/>
+          </p:nvPr>
+        </p:nvSpPr>
+        <p:spPr/>
+        <p:txBody>
+          <a:bodyPr/>
+          <a:lstStyle/>
+          <a:p>
+            <a:r>
+              <a:rPr lang="en-US" dirty="0" smtClean="0"/>
+              <a:t>DISCUSSION OF RESULTS</a:t>
+            </a:r>
+            <a:endParaRPr lang="en-US" dirty="0"/>
+          </a:p>
+        </p:txBody>
+      </p:sp>
+      <p:sp>
+        <p:nvSpPr>
+          <p:cNvPr id="3" name="Content Placeholder 2"/>
+          <p:cNvSpPr>
+            <a:spLocks noGrp="1"/>
+          </p:cNvSpPr>
+          <p:nvPr>
+            <p:ph idx="1"/>
+          </p:nvPr>
+        </p:nvSpPr>
+        <p:spPr>
+          <a:xfrm>
+            <a:off x="498474" y="1289402"/>
+            <a:ext cx="7556313" cy="4836762"/>
+          </a:xfrm>
+        </p:spPr>
+        <p:txBody>
+          <a:bodyPr/>
+          <a:lstStyle/>
+          <a:p>
+            <a:r>
+              <a:rPr lang="en-US" dirty="0" smtClean="0"/>
               <a:t>What encourages daily use?</a:t>
             </a:r>
           </a:p>
@@ -14362,14 +14476,14 @@
   <p:timing>
     <p:tnLst>
       <p:par>
-        <p:cTn xmlns:p14="http://schemas.microsoft.com/office/powerpoint/2010/main" id="1" dur="indefinite" restart="never" nodeType="tmRoot"/>
+        <p:cTn id="1" dur="indefinite" restart="never" nodeType="tmRoot"/>
       </p:par>
     </p:tnLst>
   </p:timing>
 </p:sld>
 </file>
 
-<file path=ppt/slides/slide33.xml><?xml version="1.0" encoding="utf-8"?>
+<file path=ppt/slides/slide34.xml><?xml version="1.0" encoding="utf-8"?>
 <p:sld xmlns:a="http://schemas.openxmlformats.org/drawingml/2006/main" xmlns:r="http://schemas.openxmlformats.org/officeDocument/2006/relationships" xmlns:p="http://schemas.openxmlformats.org/presentationml/2006/main">
   <p:cSld>
     <p:spTree>
@@ -14886,14 +15000,14 @@
   <p:timing>
     <p:tnLst>
       <p:par>
-        <p:cTn xmlns:p14="http://schemas.microsoft.com/office/powerpoint/2010/main" id="1" dur="indefinite" restart="never" nodeType="tmRoot"/>
+        <p:cTn id="1" dur="indefinite" restart="never" nodeType="tmRoot"/>
       </p:par>
     </p:tnLst>
   </p:timing>
 </p:sld>
 </file>
 
-<file path=ppt/slides/slide34.xml><?xml version="1.0" encoding="utf-8"?>
+<file path=ppt/slides/slide35.xml><?xml version="1.0" encoding="utf-8"?>
 <p:sld xmlns:a="http://schemas.openxmlformats.org/drawingml/2006/main" xmlns:r="http://schemas.openxmlformats.org/officeDocument/2006/relationships" xmlns:p="http://schemas.openxmlformats.org/presentationml/2006/main">
   <p:cSld>
     <p:spTree>
@@ -14997,7 +15111,7 @@
   <p:timing>
     <p:tnLst>
       <p:par>
-        <p:cTn xmlns:p14="http://schemas.microsoft.com/office/powerpoint/2010/main" id="1" dur="indefinite" restart="never" nodeType="tmRoot"/>
+        <p:cTn id="1" dur="indefinite" restart="never" nodeType="tmRoot"/>
       </p:par>
     </p:tnLst>
   </p:timing>
@@ -15437,7 +15551,7 @@
   <p:timing>
     <p:tnLst>
       <p:par>
-        <p:cTn xmlns:p14="http://schemas.microsoft.com/office/powerpoint/2010/main" id="1" dur="indefinite" restart="never" nodeType="tmRoot"/>
+        <p:cTn id="1" dur="indefinite" restart="never" nodeType="tmRoot"/>
       </p:par>
     </p:tnLst>
   </p:timing>
@@ -15585,7 +15699,7 @@
   <p:timing>
     <p:tnLst>
       <p:par>
-        <p:cTn xmlns:p14="http://schemas.microsoft.com/office/powerpoint/2010/main" id="1" dur="indefinite" restart="never" nodeType="tmRoot"/>
+        <p:cTn id="1" dur="indefinite" restart="never" nodeType="tmRoot"/>
       </p:par>
     </p:tnLst>
   </p:timing>
@@ -15745,18 +15859,18 @@
   <p:clrMapOvr>
     <a:masterClrMapping/>
   </p:clrMapOvr>
-  <mc:AlternateContent xmlns:mc="http://schemas.openxmlformats.org/markup-compatibility/2006">
-    <mc:Choice xmlns:p14="http://schemas.microsoft.com/office/powerpoint/2010/main" Requires="p14">
+  <mc:AlternateContent xmlns:mc="http://schemas.openxmlformats.org/markup-compatibility/2006" xmlns:p14="http://schemas.microsoft.com/office/powerpoint/2010/main">
+    <mc:Choice Requires="p14">
       <p:transition spd="slow" p14:dur="2000"/>
     </mc:Choice>
-    <mc:Fallback>
+    <mc:Fallback xmlns="">
       <p:transition xmlns:p14="http://schemas.microsoft.com/office/powerpoint/2010/main" spd="slow"/>
     </mc:Fallback>
   </mc:AlternateContent>
   <p:timing>
     <p:tnLst>
       <p:par>
-        <p:cTn xmlns:p14="http://schemas.microsoft.com/office/powerpoint/2010/main" id="1" dur="indefinite" restart="never" nodeType="tmRoot"/>
+        <p:cTn id="1" dur="indefinite" restart="never" nodeType="tmRoot"/>
       </p:par>
     </p:tnLst>
   </p:timing>
@@ -15908,18 +16022,18 @@
   <p:clrMapOvr>
     <a:masterClrMapping/>
   </p:clrMapOvr>
-  <mc:AlternateContent xmlns:mc="http://schemas.openxmlformats.org/markup-compatibility/2006">
-    <mc:Choice xmlns:p14="http://schemas.microsoft.com/office/powerpoint/2010/main" Requires="p14">
+  <mc:AlternateContent xmlns:mc="http://schemas.openxmlformats.org/markup-compatibility/2006" xmlns:p14="http://schemas.microsoft.com/office/powerpoint/2010/main">
+    <mc:Choice Requires="p14">
       <p:transition spd="slow" p14:dur="2000"/>
     </mc:Choice>
-    <mc:Fallback>
+    <mc:Fallback xmlns="">
       <p:transition xmlns:p14="http://schemas.microsoft.com/office/powerpoint/2010/main" spd="slow"/>
     </mc:Fallback>
   </mc:AlternateContent>
   <p:timing>
     <p:tnLst>
       <p:par>
-        <p:cTn xmlns:p14="http://schemas.microsoft.com/office/powerpoint/2010/main" id="1" dur="indefinite" restart="never" nodeType="tmRoot"/>
+        <p:cTn id="1" dur="indefinite" restart="never" nodeType="tmRoot"/>
       </p:par>
     </p:tnLst>
   </p:timing>
@@ -16041,7 +16155,7 @@
   <p:timing>
     <p:tnLst>
       <p:par>
-        <p:cTn xmlns:p14="http://schemas.microsoft.com/office/powerpoint/2010/main" id="1" dur="indefinite" restart="never" nodeType="tmRoot"/>
+        <p:cTn id="1" dur="indefinite" restart="never" nodeType="tmRoot"/>
       </p:par>
     </p:tnLst>
   </p:timing>
@@ -16202,7 +16316,7 @@
   <p:timing>
     <p:tnLst>
       <p:par>
-        <p:cTn xmlns:p14="http://schemas.microsoft.com/office/powerpoint/2010/main" id="1" dur="indefinite" restart="never" nodeType="tmRoot"/>
+        <p:cTn id="1" dur="indefinite" restart="never" nodeType="tmRoot"/>
       </p:par>
     </p:tnLst>
   </p:timing>

--- a/Documentation/CMPUT302_Pres.pptx
+++ b/Documentation/CMPUT302_Pres.pptx
@@ -24,8 +24,8 @@
     <p:sldId id="257" r:id="rId15"/>
     <p:sldId id="285" r:id="rId16"/>
     <p:sldId id="270" r:id="rId17"/>
-    <p:sldId id="271" r:id="rId18"/>
-    <p:sldId id="290" r:id="rId19"/>
+    <p:sldId id="290" r:id="rId18"/>
+    <p:sldId id="271" r:id="rId19"/>
     <p:sldId id="272" r:id="rId20"/>
     <p:sldId id="273" r:id="rId21"/>
     <p:sldId id="274" r:id="rId22"/>
@@ -853,6 +853,94 @@
     <p:extLst>
       <p:ext uri="{BB962C8B-B14F-4D97-AF65-F5344CB8AC3E}">
         <p14:creationId xmlns:p14="http://schemas.microsoft.com/office/powerpoint/2010/main" val="2456645709"/>
+      </p:ext>
+    </p:extLst>
+  </p:cSld>
+  <p:clrMapOvr>
+    <a:masterClrMapping/>
+  </p:clrMapOvr>
+</p:notes>
+</file>
+
+<file path=ppt/notesSlides/notesSlide5.xml><?xml version="1.0" encoding="utf-8"?>
+<p:notes xmlns:a="http://schemas.openxmlformats.org/drawingml/2006/main" xmlns:r="http://schemas.openxmlformats.org/officeDocument/2006/relationships" xmlns:p="http://schemas.openxmlformats.org/presentationml/2006/main">
+  <p:cSld>
+    <p:spTree>
+      <p:nvGrpSpPr>
+        <p:cNvPr id="1" name=""/>
+        <p:cNvGrpSpPr/>
+        <p:nvPr/>
+      </p:nvGrpSpPr>
+      <p:grpSpPr>
+        <a:xfrm>
+          <a:off x="0" y="0"/>
+          <a:ext cx="0" cy="0"/>
+          <a:chOff x="0" y="0"/>
+          <a:chExt cx="0" cy="0"/>
+        </a:xfrm>
+      </p:grpSpPr>
+      <p:sp>
+        <p:nvSpPr>
+          <p:cNvPr id="2" name="Slide Image Placeholder 1"/>
+          <p:cNvSpPr>
+            <a:spLocks noGrp="1" noRot="1" noChangeAspect="1"/>
+          </p:cNvSpPr>
+          <p:nvPr>
+            <p:ph type="sldImg"/>
+          </p:nvPr>
+        </p:nvSpPr>
+        <p:spPr/>
+      </p:sp>
+      <p:sp>
+        <p:nvSpPr>
+          <p:cNvPr id="3" name="Notes Placeholder 2"/>
+          <p:cNvSpPr>
+            <a:spLocks noGrp="1"/>
+          </p:cNvSpPr>
+          <p:nvPr>
+            <p:ph type="body" idx="1"/>
+          </p:nvPr>
+        </p:nvSpPr>
+        <p:spPr/>
+        <p:txBody>
+          <a:bodyPr/>
+          <a:lstStyle/>
+          <a:p>
+            <a:r>
+              <a:rPr lang="en-CA" dirty="0" smtClean="0"/>
+              <a:t>Patrick</a:t>
+            </a:r>
+            <a:endParaRPr lang="en-CA" dirty="0"/>
+          </a:p>
+        </p:txBody>
+      </p:sp>
+      <p:sp>
+        <p:nvSpPr>
+          <p:cNvPr id="4" name="Slide Number Placeholder 3"/>
+          <p:cNvSpPr>
+            <a:spLocks noGrp="1"/>
+          </p:cNvSpPr>
+          <p:nvPr>
+            <p:ph type="sldNum" sz="quarter" idx="10"/>
+          </p:nvPr>
+        </p:nvSpPr>
+        <p:spPr/>
+        <p:txBody>
+          <a:bodyPr/>
+          <a:lstStyle/>
+          <a:p>
+            <a:fld id="{71BA519F-B3C0-7B42-8495-EE9650605CE2}" type="slidenum">
+              <a:rPr lang="en-US" smtClean="0"/>
+              <a:t>19</a:t>
+            </a:fld>
+            <a:endParaRPr lang="en-US"/>
+          </a:p>
+        </p:txBody>
+      </p:sp>
+    </p:spTree>
+    <p:extLst>
+      <p:ext uri="{BB962C8B-B14F-4D97-AF65-F5344CB8AC3E}">
+        <p14:creationId xmlns:p14="http://schemas.microsoft.com/office/powerpoint/2010/main" val="4155579615"/>
       </p:ext>
     </p:extLst>
   </p:cSld>
@@ -10729,10 +10817,10 @@
           <a:lstStyle/>
           <a:p>
             <a:r>
-              <a:rPr lang="en-US" dirty="0" smtClean="0"/>
-              <a:t>System Design</a:t>
-            </a:r>
-            <a:endParaRPr lang="en-US" dirty="0"/>
+              <a:rPr lang="en-CA" dirty="0" smtClean="0"/>
+              <a:t>Design Patterns</a:t>
+            </a:r>
+            <a:endParaRPr lang="en-CA" dirty="0"/>
           </a:p>
         </p:txBody>
       </p:sp>
@@ -10752,74 +10840,51 @@
           <a:lstStyle/>
           <a:p>
             <a:r>
-              <a:rPr lang="en-US" dirty="0" smtClean="0"/>
-              <a:t>5 MAIN screens</a:t>
-            </a:r>
-          </a:p>
-          <a:p>
-            <a:pPr lvl="1"/>
-            <a:r>
-              <a:rPr lang="en-US" dirty="0" smtClean="0"/>
-              <a:t>Main Menu</a:t>
-            </a:r>
-          </a:p>
-          <a:p>
-            <a:pPr lvl="1"/>
-            <a:r>
-              <a:rPr lang="en-US" dirty="0" smtClean="0"/>
-              <a:t>Load Environment Screen</a:t>
-            </a:r>
-          </a:p>
-          <a:p>
-            <a:pPr lvl="1"/>
-            <a:r>
-              <a:rPr lang="en-US" dirty="0" smtClean="0"/>
-              <a:t>New Environment Screen</a:t>
-            </a:r>
-          </a:p>
-          <a:p>
-            <a:pPr lvl="1"/>
-            <a:r>
-              <a:rPr lang="en-US" dirty="0" smtClean="0"/>
-              <a:t>Editing Environment Screen</a:t>
-            </a:r>
-          </a:p>
-          <a:p>
-            <a:pPr lvl="1"/>
-            <a:r>
-              <a:rPr lang="en-US" dirty="0" smtClean="0"/>
-              <a:t>Patient Game Screen</a:t>
-            </a:r>
-          </a:p>
-          <a:p>
-            <a:pPr lvl="1"/>
-            <a:r>
-              <a:rPr lang="en-US" dirty="0" smtClean="0"/>
-              <a:t>+ Context Specific Menus On Some Screens</a:t>
-            </a:r>
-          </a:p>
-          <a:p>
-            <a:pPr lvl="1"/>
-            <a:r>
-              <a:rPr lang="en-US" dirty="0" smtClean="0"/>
-              <a:t>+ Context Specific Help For Every MAIN Screen </a:t>
-            </a:r>
-            <a:r>
-              <a:rPr lang="en-US" dirty="0"/>
-              <a:t>E</a:t>
-            </a:r>
-            <a:r>
-              <a:rPr lang="en-US" dirty="0" smtClean="0"/>
-              <a:t>xcept Patient Game Screen</a:t>
-            </a:r>
-            <a:endParaRPr lang="en-US" dirty="0"/>
+              <a:rPr lang="en-CA" dirty="0" smtClean="0"/>
+              <a:t>Singleton Pattern</a:t>
+            </a:r>
+          </a:p>
+          <a:p>
+            <a:r>
+              <a:rPr lang="en-CA" dirty="0" smtClean="0"/>
+              <a:t>Command Pattern</a:t>
+            </a:r>
+          </a:p>
+          <a:p>
+            <a:r>
+              <a:rPr lang="en-CA" dirty="0" smtClean="0"/>
+              <a:t>Factory </a:t>
+            </a:r>
+            <a:r>
+              <a:rPr lang="en-CA" dirty="0" smtClean="0"/>
+              <a:t>Method</a:t>
+            </a:r>
+          </a:p>
+          <a:p>
+            <a:r>
+              <a:rPr lang="en-CA" dirty="0" smtClean="0"/>
+              <a:t>Composite Pattern</a:t>
+            </a:r>
+            <a:endParaRPr lang="en-CA" dirty="0" smtClean="0"/>
+          </a:p>
+          <a:p>
+            <a:r>
+              <a:rPr lang="en-CA" dirty="0" smtClean="0"/>
+              <a:t>State Pattern.</a:t>
+            </a:r>
+          </a:p>
+          <a:p>
+            <a:r>
+              <a:rPr lang="en-CA" dirty="0" smtClean="0"/>
+              <a:t>Adapter Pattern</a:t>
+            </a:r>
           </a:p>
         </p:txBody>
       </p:sp>
     </p:spTree>
     <p:extLst>
       <p:ext uri="{BB962C8B-B14F-4D97-AF65-F5344CB8AC3E}">
-        <p14:creationId xmlns:p14="http://schemas.microsoft.com/office/powerpoint/2010/main" val="3095113862"/>
+        <p14:creationId xmlns:p14="http://schemas.microsoft.com/office/powerpoint/2010/main" val="16920135"/>
       </p:ext>
     </p:extLst>
   </p:cSld>
@@ -10869,10 +10934,10 @@
           <a:lstStyle/>
           <a:p>
             <a:r>
-              <a:rPr lang="en-CA" dirty="0" smtClean="0"/>
-              <a:t>Design Patterns</a:t>
-            </a:r>
-            <a:endParaRPr lang="en-CA" dirty="0"/>
+              <a:rPr lang="en-US" dirty="0" smtClean="0"/>
+              <a:t>System Design</a:t>
+            </a:r>
+            <a:endParaRPr lang="en-US" dirty="0"/>
           </a:p>
         </p:txBody>
       </p:sp>
@@ -10892,47 +10957,74 @@
           <a:lstStyle/>
           <a:p>
             <a:r>
-              <a:rPr lang="en-CA" dirty="0" smtClean="0"/>
-              <a:t>Singleton Pattern</a:t>
-            </a:r>
-          </a:p>
-          <a:p>
-            <a:r>
-              <a:rPr lang="en-CA" dirty="0" smtClean="0"/>
-              <a:t>Command Pattern</a:t>
-            </a:r>
-          </a:p>
-          <a:p>
-            <a:r>
-              <a:rPr lang="en-CA" dirty="0" smtClean="0"/>
-              <a:t>Factory Method</a:t>
-            </a:r>
-          </a:p>
-          <a:p>
-            <a:r>
-              <a:rPr lang="en-CA" dirty="0" smtClean="0"/>
-              <a:t>Composite Pattern</a:t>
-            </a:r>
-          </a:p>
-          <a:p>
-            <a:r>
-              <a:rPr lang="en-CA" dirty="0" smtClean="0"/>
-              <a:t>State Pattern.</a:t>
-            </a:r>
-          </a:p>
-          <a:p>
-            <a:r>
-              <a:rPr lang="en-CA" smtClean="0"/>
-              <a:t>Adapter Pattern</a:t>
-            </a:r>
-            <a:endParaRPr lang="en-CA" dirty="0" smtClean="0"/>
+              <a:rPr lang="en-US" dirty="0" smtClean="0"/>
+              <a:t>5 MAIN screens</a:t>
+            </a:r>
+          </a:p>
+          <a:p>
+            <a:pPr lvl="1"/>
+            <a:r>
+              <a:rPr lang="en-US" dirty="0" smtClean="0"/>
+              <a:t>Main Menu</a:t>
+            </a:r>
+          </a:p>
+          <a:p>
+            <a:pPr lvl="1"/>
+            <a:r>
+              <a:rPr lang="en-US" dirty="0" smtClean="0"/>
+              <a:t>Load Environment Screen</a:t>
+            </a:r>
+          </a:p>
+          <a:p>
+            <a:pPr lvl="1"/>
+            <a:r>
+              <a:rPr lang="en-US" dirty="0" smtClean="0"/>
+              <a:t>New Environment Screen</a:t>
+            </a:r>
+          </a:p>
+          <a:p>
+            <a:pPr lvl="1"/>
+            <a:r>
+              <a:rPr lang="en-US" dirty="0" smtClean="0"/>
+              <a:t>Editing Environment Screen</a:t>
+            </a:r>
+          </a:p>
+          <a:p>
+            <a:pPr lvl="1"/>
+            <a:r>
+              <a:rPr lang="en-US" dirty="0" smtClean="0"/>
+              <a:t>Patient Game Screen</a:t>
+            </a:r>
+          </a:p>
+          <a:p>
+            <a:pPr lvl="1"/>
+            <a:r>
+              <a:rPr lang="en-US" dirty="0" smtClean="0"/>
+              <a:t>+ Context Specific Menus On Some Screens</a:t>
+            </a:r>
+          </a:p>
+          <a:p>
+            <a:pPr lvl="1"/>
+            <a:r>
+              <a:rPr lang="en-US" dirty="0" smtClean="0"/>
+              <a:t>+ Context Specific Help For Every MAIN Screen </a:t>
+            </a:r>
+            <a:r>
+              <a:rPr lang="en-US" dirty="0"/>
+              <a:t>E</a:t>
+            </a:r>
+            <a:r>
+              <a:rPr lang="en-US" dirty="0" smtClean="0"/>
+              <a:t>xcept Patient Game Screen</a:t>
+            </a:r>
+            <a:endParaRPr lang="en-US" dirty="0"/>
           </a:p>
         </p:txBody>
       </p:sp>
     </p:spTree>
     <p:extLst>
       <p:ext uri="{BB962C8B-B14F-4D97-AF65-F5344CB8AC3E}">
-        <p14:creationId xmlns:p14="http://schemas.microsoft.com/office/powerpoint/2010/main" val="16920135"/>
+        <p14:creationId xmlns:p14="http://schemas.microsoft.com/office/powerpoint/2010/main" val="3095113862"/>
       </p:ext>
     </p:extLst>
   </p:cSld>
@@ -11038,7 +11130,7 @@
           <p:nvPr/>
         </p:nvPicPr>
         <p:blipFill>
-          <a:blip r:embed="rId2" cstate="email">
+          <a:blip r:embed="rId3" cstate="email">
             <a:extLst>
               <a:ext uri="{28A0092B-C50C-407E-A947-70E740481C1C}">
                 <a14:useLocalDpi xmlns:a14="http://schemas.microsoft.com/office/drawing/2010/main" val="0"/>
